--- a/chapter10/chapter5pptx.pptx
+++ b/chapter10/chapter5pptx.pptx
@@ -157,6 +157,10 @@
           <p14:sldIdLst>
             <p14:sldId id="317"/>
             <p14:sldId id="318"/>
+          </p14:sldIdLst>
+        </p14:section>
+        <p14:section name="webpack 高级用法之source-map" id="{E0A9D31A-8939-A24B-B129-6B1648E87ACD}">
+          <p14:sldIdLst>
             <p14:sldId id="319"/>
             <p14:sldId id="322"/>
             <p14:sldId id="320"/>
@@ -174,6 +178,10 @@
             <p14:sldId id="369"/>
             <p14:sldId id="370"/>
             <p14:sldId id="371"/>
+          </p14:sldIdLst>
+        </p14:section>
+        <p14:section name="webpack 核心模块enhanced-resolve" id="{A943269D-6595-6243-A97B-B7D62889376D}">
+          <p14:sldIdLst>
             <p14:sldId id="372"/>
             <p14:sldId id="321"/>
             <p14:sldId id="374"/>
@@ -183,12 +191,20 @@
             <p14:sldId id="378"/>
             <p14:sldId id="379"/>
             <p14:sldId id="380"/>
+          </p14:sldIdLst>
+        </p14:section>
+        <p14:section name="webpack 核心模块 watch" id="{C9DC98F9-1F72-9845-9815-94CB409744B2}">
+          <p14:sldIdLst>
             <p14:sldId id="381"/>
             <p14:sldId id="382"/>
             <p14:sldId id="383"/>
             <p14:sldId id="384"/>
             <p14:sldId id="385"/>
             <p14:sldId id="386"/>
+          </p14:sldIdLst>
+        </p14:section>
+        <p14:section name="webpack 核心模块之acorn" id="{BBB2C965-EFF4-6746-BABF-2086DF35F029}">
+          <p14:sldIdLst>
             <p14:sldId id="387"/>
             <p14:sldId id="338"/>
             <p14:sldId id="388"/>
@@ -196,19 +212,14 @@
             <p14:sldId id="390"/>
             <p14:sldId id="391"/>
             <p14:sldId id="392"/>
+          </p14:sldIdLst>
+        </p14:section>
+        <p14:section name="浅谈打包工具" id="{5A60770A-017D-3F45-BBB9-1CD31127F860}">
+          <p14:sldIdLst>
             <p14:sldId id="393"/>
             <p14:sldId id="395"/>
             <p14:sldId id="396"/>
           </p14:sldIdLst>
-        </p14:section>
-        <p14:section name="webpack 安装与使用" id="{E0A9D31A-8939-A24B-B129-6B1648E87ACD}">
-          <p14:sldIdLst/>
-        </p14:section>
-        <p14:section name="webpack 能做什么" id="{A943269D-6595-6243-A97B-B7D62889376D}">
-          <p14:sldIdLst/>
-        </p14:section>
-        <p14:section name="webpack 出现之前的前端构建工具" id="{C9DC98F9-1F72-9845-9815-94CB409744B2}">
-          <p14:sldIdLst/>
         </p14:section>
       </p14:sectionLst>
     </p:ext>
@@ -2473,6 +2484,753 @@
 </file>
 
 <file path=ppt/diagrams/colors4.xml><?xml version="1.0" encoding="utf-8"?>
+<dgm:colorsDef xmlns:dgm="http://schemas.openxmlformats.org/drawingml/2006/diagram" xmlns:a="http://schemas.openxmlformats.org/drawingml/2006/main" uniqueId="urn:microsoft.com/office/officeart/2005/8/colors/accent1_2">
+  <dgm:title val=""/>
+  <dgm:desc val=""/>
+  <dgm:catLst>
+    <dgm:cat type="accent1" pri="11200"/>
+  </dgm:catLst>
+  <dgm:styleLbl name="node0">
+    <dgm:fillClrLst meth="repeat">
+      <a:schemeClr val="accent1"/>
+    </dgm:fillClrLst>
+    <dgm:linClrLst meth="repeat">
+      <a:schemeClr val="lt1"/>
+    </dgm:linClrLst>
+    <dgm:effectClrLst/>
+    <dgm:txLinClrLst/>
+    <dgm:txFillClrLst/>
+    <dgm:txEffectClrLst/>
+  </dgm:styleLbl>
+  <dgm:styleLbl name="alignNode1">
+    <dgm:fillClrLst meth="repeat">
+      <a:schemeClr val="accent1"/>
+    </dgm:fillClrLst>
+    <dgm:linClrLst meth="repeat">
+      <a:schemeClr val="accent1"/>
+    </dgm:linClrLst>
+    <dgm:effectClrLst/>
+    <dgm:txLinClrLst/>
+    <dgm:txFillClrLst/>
+    <dgm:txEffectClrLst/>
+  </dgm:styleLbl>
+  <dgm:styleLbl name="node1">
+    <dgm:fillClrLst meth="repeat">
+      <a:schemeClr val="accent1"/>
+    </dgm:fillClrLst>
+    <dgm:linClrLst meth="repeat">
+      <a:schemeClr val="lt1"/>
+    </dgm:linClrLst>
+    <dgm:effectClrLst/>
+    <dgm:txLinClrLst/>
+    <dgm:txFillClrLst/>
+    <dgm:txEffectClrLst/>
+  </dgm:styleLbl>
+  <dgm:styleLbl name="lnNode1">
+    <dgm:fillClrLst meth="repeat">
+      <a:schemeClr val="accent1"/>
+    </dgm:fillClrLst>
+    <dgm:linClrLst meth="repeat">
+      <a:schemeClr val="lt1"/>
+    </dgm:linClrLst>
+    <dgm:effectClrLst/>
+    <dgm:txLinClrLst/>
+    <dgm:txFillClrLst/>
+    <dgm:txEffectClrLst/>
+  </dgm:styleLbl>
+  <dgm:styleLbl name="vennNode1">
+    <dgm:fillClrLst meth="repeat">
+      <a:schemeClr val="accent1">
+        <a:alpha val="50000"/>
+      </a:schemeClr>
+    </dgm:fillClrLst>
+    <dgm:linClrLst meth="repeat">
+      <a:schemeClr val="lt1"/>
+    </dgm:linClrLst>
+    <dgm:effectClrLst/>
+    <dgm:txLinClrLst/>
+    <dgm:txFillClrLst/>
+    <dgm:txEffectClrLst/>
+  </dgm:styleLbl>
+  <dgm:styleLbl name="node2">
+    <dgm:fillClrLst meth="repeat">
+      <a:schemeClr val="accent1"/>
+    </dgm:fillClrLst>
+    <dgm:linClrLst meth="repeat">
+      <a:schemeClr val="lt1"/>
+    </dgm:linClrLst>
+    <dgm:effectClrLst/>
+    <dgm:txLinClrLst/>
+    <dgm:txFillClrLst/>
+    <dgm:txEffectClrLst/>
+  </dgm:styleLbl>
+  <dgm:styleLbl name="node3">
+    <dgm:fillClrLst meth="repeat">
+      <a:schemeClr val="accent1"/>
+    </dgm:fillClrLst>
+    <dgm:linClrLst meth="repeat">
+      <a:schemeClr val="lt1"/>
+    </dgm:linClrLst>
+    <dgm:effectClrLst/>
+    <dgm:txLinClrLst/>
+    <dgm:txFillClrLst/>
+    <dgm:txEffectClrLst/>
+  </dgm:styleLbl>
+  <dgm:styleLbl name="node4">
+    <dgm:fillClrLst meth="repeat">
+      <a:schemeClr val="accent1"/>
+    </dgm:fillClrLst>
+    <dgm:linClrLst meth="repeat">
+      <a:schemeClr val="lt1"/>
+    </dgm:linClrLst>
+    <dgm:effectClrLst/>
+    <dgm:txLinClrLst/>
+    <dgm:txFillClrLst/>
+    <dgm:txEffectClrLst/>
+  </dgm:styleLbl>
+  <dgm:styleLbl name="fgImgPlace1">
+    <dgm:fillClrLst meth="repeat">
+      <a:schemeClr val="accent1">
+        <a:tint val="50000"/>
+      </a:schemeClr>
+    </dgm:fillClrLst>
+    <dgm:linClrLst meth="repeat">
+      <a:schemeClr val="lt1"/>
+    </dgm:linClrLst>
+    <dgm:effectClrLst/>
+    <dgm:txLinClrLst/>
+    <dgm:txFillClrLst meth="repeat">
+      <a:schemeClr val="lt1"/>
+    </dgm:txFillClrLst>
+    <dgm:txEffectClrLst/>
+  </dgm:styleLbl>
+  <dgm:styleLbl name="alignImgPlace1">
+    <dgm:fillClrLst meth="repeat">
+      <a:schemeClr val="accent1">
+        <a:tint val="50000"/>
+      </a:schemeClr>
+    </dgm:fillClrLst>
+    <dgm:linClrLst meth="repeat">
+      <a:schemeClr val="lt1"/>
+    </dgm:linClrLst>
+    <dgm:effectClrLst/>
+    <dgm:txLinClrLst/>
+    <dgm:txFillClrLst meth="repeat">
+      <a:schemeClr val="lt1"/>
+    </dgm:txFillClrLst>
+    <dgm:txEffectClrLst/>
+  </dgm:styleLbl>
+  <dgm:styleLbl name="bgImgPlace1">
+    <dgm:fillClrLst meth="repeat">
+      <a:schemeClr val="accent1">
+        <a:tint val="50000"/>
+      </a:schemeClr>
+    </dgm:fillClrLst>
+    <dgm:linClrLst meth="repeat">
+      <a:schemeClr val="lt1"/>
+    </dgm:linClrLst>
+    <dgm:effectClrLst/>
+    <dgm:txLinClrLst/>
+    <dgm:txFillClrLst meth="repeat">
+      <a:schemeClr val="lt1"/>
+    </dgm:txFillClrLst>
+    <dgm:txEffectClrLst/>
+  </dgm:styleLbl>
+  <dgm:styleLbl name="sibTrans2D1">
+    <dgm:fillClrLst meth="repeat">
+      <a:schemeClr val="accent1">
+        <a:tint val="60000"/>
+      </a:schemeClr>
+    </dgm:fillClrLst>
+    <dgm:linClrLst meth="repeat">
+      <a:schemeClr val="accent1">
+        <a:tint val="60000"/>
+      </a:schemeClr>
+    </dgm:linClrLst>
+    <dgm:effectClrLst/>
+    <dgm:txLinClrLst/>
+    <dgm:txFillClrLst/>
+    <dgm:txEffectClrLst/>
+  </dgm:styleLbl>
+  <dgm:styleLbl name="fgSibTrans2D1">
+    <dgm:fillClrLst meth="repeat">
+      <a:schemeClr val="accent1">
+        <a:tint val="60000"/>
+      </a:schemeClr>
+    </dgm:fillClrLst>
+    <dgm:linClrLst meth="repeat">
+      <a:schemeClr val="accent1">
+        <a:tint val="60000"/>
+      </a:schemeClr>
+    </dgm:linClrLst>
+    <dgm:effectClrLst/>
+    <dgm:txLinClrLst/>
+    <dgm:txFillClrLst/>
+    <dgm:txEffectClrLst/>
+  </dgm:styleLbl>
+  <dgm:styleLbl name="bgSibTrans2D1">
+    <dgm:fillClrLst meth="repeat">
+      <a:schemeClr val="accent1">
+        <a:tint val="60000"/>
+      </a:schemeClr>
+    </dgm:fillClrLst>
+    <dgm:linClrLst meth="repeat">
+      <a:schemeClr val="accent1">
+        <a:tint val="60000"/>
+      </a:schemeClr>
+    </dgm:linClrLst>
+    <dgm:effectClrLst/>
+    <dgm:txLinClrLst/>
+    <dgm:txFillClrLst/>
+    <dgm:txEffectClrLst/>
+  </dgm:styleLbl>
+  <dgm:styleLbl name="sibTrans1D1">
+    <dgm:fillClrLst meth="repeat">
+      <a:schemeClr val="accent1"/>
+    </dgm:fillClrLst>
+    <dgm:linClrLst meth="repeat">
+      <a:schemeClr val="accent1"/>
+    </dgm:linClrLst>
+    <dgm:effectClrLst/>
+    <dgm:txLinClrLst/>
+    <dgm:txFillClrLst meth="repeat">
+      <a:schemeClr val="tx1"/>
+    </dgm:txFillClrLst>
+    <dgm:txEffectClrLst/>
+  </dgm:styleLbl>
+  <dgm:styleLbl name="callout">
+    <dgm:fillClrLst meth="repeat">
+      <a:schemeClr val="accent1"/>
+    </dgm:fillClrLst>
+    <dgm:linClrLst meth="repeat">
+      <a:schemeClr val="accent1">
+        <a:tint val="50000"/>
+      </a:schemeClr>
+    </dgm:linClrLst>
+    <dgm:effectClrLst/>
+    <dgm:txLinClrLst/>
+    <dgm:txFillClrLst meth="repeat">
+      <a:schemeClr val="tx1"/>
+    </dgm:txFillClrLst>
+    <dgm:txEffectClrLst/>
+  </dgm:styleLbl>
+  <dgm:styleLbl name="asst0">
+    <dgm:fillClrLst meth="repeat">
+      <a:schemeClr val="accent1"/>
+    </dgm:fillClrLst>
+    <dgm:linClrLst meth="repeat">
+      <a:schemeClr val="lt1"/>
+    </dgm:linClrLst>
+    <dgm:effectClrLst/>
+    <dgm:txLinClrLst/>
+    <dgm:txFillClrLst/>
+    <dgm:txEffectClrLst/>
+  </dgm:styleLbl>
+  <dgm:styleLbl name="asst1">
+    <dgm:fillClrLst meth="repeat">
+      <a:schemeClr val="accent1"/>
+    </dgm:fillClrLst>
+    <dgm:linClrLst meth="repeat">
+      <a:schemeClr val="lt1"/>
+    </dgm:linClrLst>
+    <dgm:effectClrLst/>
+    <dgm:txLinClrLst/>
+    <dgm:txFillClrLst/>
+    <dgm:txEffectClrLst/>
+  </dgm:styleLbl>
+  <dgm:styleLbl name="asst2">
+    <dgm:fillClrLst meth="repeat">
+      <a:schemeClr val="accent1"/>
+    </dgm:fillClrLst>
+    <dgm:linClrLst meth="repeat">
+      <a:schemeClr val="lt1"/>
+    </dgm:linClrLst>
+    <dgm:effectClrLst/>
+    <dgm:txLinClrLst/>
+    <dgm:txFillClrLst/>
+    <dgm:txEffectClrLst/>
+  </dgm:styleLbl>
+  <dgm:styleLbl name="asst3">
+    <dgm:fillClrLst meth="repeat">
+      <a:schemeClr val="accent1"/>
+    </dgm:fillClrLst>
+    <dgm:linClrLst meth="repeat">
+      <a:schemeClr val="lt1"/>
+    </dgm:linClrLst>
+    <dgm:effectClrLst/>
+    <dgm:txLinClrLst/>
+    <dgm:txFillClrLst/>
+    <dgm:txEffectClrLst/>
+  </dgm:styleLbl>
+  <dgm:styleLbl name="asst4">
+    <dgm:fillClrLst meth="repeat">
+      <a:schemeClr val="accent1"/>
+    </dgm:fillClrLst>
+    <dgm:linClrLst meth="repeat">
+      <a:schemeClr val="lt1"/>
+    </dgm:linClrLst>
+    <dgm:effectClrLst/>
+    <dgm:txLinClrLst/>
+    <dgm:txFillClrLst/>
+    <dgm:txEffectClrLst/>
+  </dgm:styleLbl>
+  <dgm:styleLbl name="parChTrans2D1">
+    <dgm:fillClrLst meth="repeat">
+      <a:schemeClr val="accent1">
+        <a:tint val="60000"/>
+      </a:schemeClr>
+    </dgm:fillClrLst>
+    <dgm:linClrLst meth="repeat">
+      <a:schemeClr val="accent1">
+        <a:tint val="60000"/>
+      </a:schemeClr>
+    </dgm:linClrLst>
+    <dgm:effectClrLst/>
+    <dgm:txLinClrLst/>
+    <dgm:txFillClrLst meth="repeat">
+      <a:schemeClr val="lt1"/>
+    </dgm:txFillClrLst>
+    <dgm:txEffectClrLst/>
+  </dgm:styleLbl>
+  <dgm:styleLbl name="parChTrans2D2">
+    <dgm:fillClrLst meth="repeat">
+      <a:schemeClr val="accent1"/>
+    </dgm:fillClrLst>
+    <dgm:linClrLst meth="repeat">
+      <a:schemeClr val="accent1"/>
+    </dgm:linClrLst>
+    <dgm:effectClrLst/>
+    <dgm:txLinClrLst/>
+    <dgm:txFillClrLst meth="repeat">
+      <a:schemeClr val="lt1"/>
+    </dgm:txFillClrLst>
+    <dgm:txEffectClrLst/>
+  </dgm:styleLbl>
+  <dgm:styleLbl name="parChTrans2D3">
+    <dgm:fillClrLst meth="repeat">
+      <a:schemeClr val="accent1"/>
+    </dgm:fillClrLst>
+    <dgm:linClrLst meth="repeat">
+      <a:schemeClr val="accent1"/>
+    </dgm:linClrLst>
+    <dgm:effectClrLst/>
+    <dgm:txLinClrLst/>
+    <dgm:txFillClrLst meth="repeat">
+      <a:schemeClr val="lt1"/>
+    </dgm:txFillClrLst>
+    <dgm:txEffectClrLst/>
+  </dgm:styleLbl>
+  <dgm:styleLbl name="parChTrans2D4">
+    <dgm:fillClrLst meth="repeat">
+      <a:schemeClr val="accent1"/>
+    </dgm:fillClrLst>
+    <dgm:linClrLst meth="repeat">
+      <a:schemeClr val="accent1"/>
+    </dgm:linClrLst>
+    <dgm:effectClrLst/>
+    <dgm:txLinClrLst/>
+    <dgm:txFillClrLst meth="repeat">
+      <a:schemeClr val="lt1"/>
+    </dgm:txFillClrLst>
+    <dgm:txEffectClrLst/>
+  </dgm:styleLbl>
+  <dgm:styleLbl name="parChTrans1D1">
+    <dgm:fillClrLst meth="repeat">
+      <a:schemeClr val="accent1"/>
+    </dgm:fillClrLst>
+    <dgm:linClrLst meth="repeat">
+      <a:schemeClr val="accent1">
+        <a:shade val="60000"/>
+      </a:schemeClr>
+    </dgm:linClrLst>
+    <dgm:effectClrLst/>
+    <dgm:txLinClrLst/>
+    <dgm:txFillClrLst meth="repeat">
+      <a:schemeClr val="tx1"/>
+    </dgm:txFillClrLst>
+    <dgm:txEffectClrLst/>
+  </dgm:styleLbl>
+  <dgm:styleLbl name="parChTrans1D2">
+    <dgm:fillClrLst meth="repeat">
+      <a:schemeClr val="accent1"/>
+    </dgm:fillClrLst>
+    <dgm:linClrLst meth="repeat">
+      <a:schemeClr val="accent1">
+        <a:shade val="60000"/>
+      </a:schemeClr>
+    </dgm:linClrLst>
+    <dgm:effectClrLst/>
+    <dgm:txLinClrLst/>
+    <dgm:txFillClrLst meth="repeat">
+      <a:schemeClr val="tx1"/>
+    </dgm:txFillClrLst>
+    <dgm:txEffectClrLst/>
+  </dgm:styleLbl>
+  <dgm:styleLbl name="parChTrans1D3">
+    <dgm:fillClrLst meth="repeat">
+      <a:schemeClr val="accent1"/>
+    </dgm:fillClrLst>
+    <dgm:linClrLst meth="repeat">
+      <a:schemeClr val="accent1">
+        <a:shade val="80000"/>
+      </a:schemeClr>
+    </dgm:linClrLst>
+    <dgm:effectClrLst/>
+    <dgm:txLinClrLst/>
+    <dgm:txFillClrLst meth="repeat">
+      <a:schemeClr val="tx1"/>
+    </dgm:txFillClrLst>
+    <dgm:txEffectClrLst/>
+  </dgm:styleLbl>
+  <dgm:styleLbl name="parChTrans1D4">
+    <dgm:fillClrLst meth="repeat">
+      <a:schemeClr val="accent1"/>
+    </dgm:fillClrLst>
+    <dgm:linClrLst meth="repeat">
+      <a:schemeClr val="accent1">
+        <a:shade val="80000"/>
+      </a:schemeClr>
+    </dgm:linClrLst>
+    <dgm:effectClrLst/>
+    <dgm:txLinClrLst/>
+    <dgm:txFillClrLst meth="repeat">
+      <a:schemeClr val="tx1"/>
+    </dgm:txFillClrLst>
+    <dgm:txEffectClrLst/>
+  </dgm:styleLbl>
+  <dgm:styleLbl name="fgAcc1">
+    <dgm:fillClrLst meth="repeat">
+      <a:schemeClr val="lt1">
+        <a:alpha val="90000"/>
+      </a:schemeClr>
+    </dgm:fillClrLst>
+    <dgm:linClrLst meth="repeat">
+      <a:schemeClr val="accent1"/>
+    </dgm:linClrLst>
+    <dgm:effectClrLst/>
+    <dgm:txLinClrLst/>
+    <dgm:txFillClrLst meth="repeat">
+      <a:schemeClr val="dk1"/>
+    </dgm:txFillClrLst>
+    <dgm:txEffectClrLst/>
+  </dgm:styleLbl>
+  <dgm:styleLbl name="conFgAcc1">
+    <dgm:fillClrLst meth="repeat">
+      <a:schemeClr val="lt1">
+        <a:alpha val="90000"/>
+      </a:schemeClr>
+    </dgm:fillClrLst>
+    <dgm:linClrLst meth="repeat">
+      <a:schemeClr val="accent1"/>
+    </dgm:linClrLst>
+    <dgm:effectClrLst/>
+    <dgm:txLinClrLst/>
+    <dgm:txFillClrLst meth="repeat">
+      <a:schemeClr val="dk1"/>
+    </dgm:txFillClrLst>
+    <dgm:txEffectClrLst/>
+  </dgm:styleLbl>
+  <dgm:styleLbl name="alignAcc1">
+    <dgm:fillClrLst meth="repeat">
+      <a:schemeClr val="lt1">
+        <a:alpha val="90000"/>
+      </a:schemeClr>
+    </dgm:fillClrLst>
+    <dgm:linClrLst meth="repeat">
+      <a:schemeClr val="accent1"/>
+    </dgm:linClrLst>
+    <dgm:effectClrLst/>
+    <dgm:txLinClrLst/>
+    <dgm:txFillClrLst meth="repeat">
+      <a:schemeClr val="dk1"/>
+    </dgm:txFillClrLst>
+    <dgm:txEffectClrLst/>
+  </dgm:styleLbl>
+  <dgm:styleLbl name="trAlignAcc1">
+    <dgm:fillClrLst meth="repeat">
+      <a:schemeClr val="lt1">
+        <a:alpha val="40000"/>
+      </a:schemeClr>
+    </dgm:fillClrLst>
+    <dgm:linClrLst meth="repeat">
+      <a:schemeClr val="accent1"/>
+    </dgm:linClrLst>
+    <dgm:effectClrLst/>
+    <dgm:txLinClrLst/>
+    <dgm:txFillClrLst meth="repeat">
+      <a:schemeClr val="dk1"/>
+    </dgm:txFillClrLst>
+    <dgm:txEffectClrLst/>
+  </dgm:styleLbl>
+  <dgm:styleLbl name="bgAcc1">
+    <dgm:fillClrLst meth="repeat">
+      <a:schemeClr val="lt1">
+        <a:alpha val="90000"/>
+      </a:schemeClr>
+    </dgm:fillClrLst>
+    <dgm:linClrLst meth="repeat">
+      <a:schemeClr val="accent1"/>
+    </dgm:linClrLst>
+    <dgm:effectClrLst/>
+    <dgm:txLinClrLst/>
+    <dgm:txFillClrLst meth="repeat">
+      <a:schemeClr val="dk1"/>
+    </dgm:txFillClrLst>
+    <dgm:txEffectClrLst/>
+  </dgm:styleLbl>
+  <dgm:styleLbl name="solidFgAcc1">
+    <dgm:fillClrLst meth="repeat">
+      <a:schemeClr val="lt1"/>
+    </dgm:fillClrLst>
+    <dgm:linClrLst meth="repeat">
+      <a:schemeClr val="accent1"/>
+    </dgm:linClrLst>
+    <dgm:effectClrLst/>
+    <dgm:txLinClrLst/>
+    <dgm:txFillClrLst meth="repeat">
+      <a:schemeClr val="dk1"/>
+    </dgm:txFillClrLst>
+    <dgm:txEffectClrLst/>
+  </dgm:styleLbl>
+  <dgm:styleLbl name="solidAlignAcc1">
+    <dgm:fillClrLst meth="repeat">
+      <a:schemeClr val="lt1"/>
+    </dgm:fillClrLst>
+    <dgm:linClrLst meth="repeat">
+      <a:schemeClr val="accent1"/>
+    </dgm:linClrLst>
+    <dgm:effectClrLst/>
+    <dgm:txLinClrLst/>
+    <dgm:txFillClrLst meth="repeat">
+      <a:schemeClr val="dk1"/>
+    </dgm:txFillClrLst>
+    <dgm:txEffectClrLst/>
+  </dgm:styleLbl>
+  <dgm:styleLbl name="solidBgAcc1">
+    <dgm:fillClrLst meth="repeat">
+      <a:schemeClr val="lt1"/>
+    </dgm:fillClrLst>
+    <dgm:linClrLst meth="repeat">
+      <a:schemeClr val="accent1"/>
+    </dgm:linClrLst>
+    <dgm:effectClrLst/>
+    <dgm:txLinClrLst/>
+    <dgm:txFillClrLst meth="repeat">
+      <a:schemeClr val="dk1"/>
+    </dgm:txFillClrLst>
+    <dgm:txEffectClrLst/>
+  </dgm:styleLbl>
+  <dgm:styleLbl name="fgAccFollowNode1">
+    <dgm:fillClrLst meth="repeat">
+      <a:schemeClr val="accent1">
+        <a:alpha val="90000"/>
+        <a:tint val="40000"/>
+      </a:schemeClr>
+    </dgm:fillClrLst>
+    <dgm:linClrLst meth="repeat">
+      <a:schemeClr val="accent1">
+        <a:alpha val="90000"/>
+        <a:tint val="40000"/>
+      </a:schemeClr>
+    </dgm:linClrLst>
+    <dgm:effectClrLst/>
+    <dgm:txLinClrLst/>
+    <dgm:txFillClrLst meth="repeat">
+      <a:schemeClr val="dk1"/>
+    </dgm:txFillClrLst>
+    <dgm:txEffectClrLst/>
+  </dgm:styleLbl>
+  <dgm:styleLbl name="alignAccFollowNode1">
+    <dgm:fillClrLst meth="repeat">
+      <a:schemeClr val="accent1">
+        <a:alpha val="90000"/>
+        <a:tint val="40000"/>
+      </a:schemeClr>
+    </dgm:fillClrLst>
+    <dgm:linClrLst meth="repeat">
+      <a:schemeClr val="accent1">
+        <a:alpha val="90000"/>
+        <a:tint val="40000"/>
+      </a:schemeClr>
+    </dgm:linClrLst>
+    <dgm:effectClrLst/>
+    <dgm:txLinClrLst/>
+    <dgm:txFillClrLst meth="repeat">
+      <a:schemeClr val="dk1"/>
+    </dgm:txFillClrLst>
+    <dgm:txEffectClrLst/>
+  </dgm:styleLbl>
+  <dgm:styleLbl name="bgAccFollowNode1">
+    <dgm:fillClrLst meth="repeat">
+      <a:schemeClr val="accent1">
+        <a:alpha val="90000"/>
+        <a:tint val="40000"/>
+      </a:schemeClr>
+    </dgm:fillClrLst>
+    <dgm:linClrLst meth="repeat">
+      <a:schemeClr val="accent1">
+        <a:alpha val="90000"/>
+        <a:tint val="40000"/>
+      </a:schemeClr>
+    </dgm:linClrLst>
+    <dgm:effectClrLst/>
+    <dgm:txLinClrLst/>
+    <dgm:txFillClrLst meth="repeat">
+      <a:schemeClr val="dk1"/>
+    </dgm:txFillClrLst>
+    <dgm:txEffectClrLst/>
+  </dgm:styleLbl>
+  <dgm:styleLbl name="fgAcc0">
+    <dgm:fillClrLst meth="repeat">
+      <a:schemeClr val="lt1">
+        <a:alpha val="90000"/>
+      </a:schemeClr>
+    </dgm:fillClrLst>
+    <dgm:linClrLst meth="repeat">
+      <a:schemeClr val="accent1"/>
+    </dgm:linClrLst>
+    <dgm:effectClrLst/>
+    <dgm:txLinClrLst/>
+    <dgm:txFillClrLst meth="repeat">
+      <a:schemeClr val="dk1"/>
+    </dgm:txFillClrLst>
+    <dgm:txEffectClrLst/>
+  </dgm:styleLbl>
+  <dgm:styleLbl name="fgAcc2">
+    <dgm:fillClrLst meth="repeat">
+      <a:schemeClr val="lt1">
+        <a:alpha val="90000"/>
+      </a:schemeClr>
+    </dgm:fillClrLst>
+    <dgm:linClrLst meth="repeat">
+      <a:schemeClr val="accent1"/>
+    </dgm:linClrLst>
+    <dgm:effectClrLst/>
+    <dgm:txLinClrLst/>
+    <dgm:txFillClrLst meth="repeat">
+      <a:schemeClr val="dk1"/>
+    </dgm:txFillClrLst>
+    <dgm:txEffectClrLst/>
+  </dgm:styleLbl>
+  <dgm:styleLbl name="fgAcc3">
+    <dgm:fillClrLst meth="repeat">
+      <a:schemeClr val="lt1">
+        <a:alpha val="90000"/>
+      </a:schemeClr>
+    </dgm:fillClrLst>
+    <dgm:linClrLst meth="repeat">
+      <a:schemeClr val="accent1"/>
+    </dgm:linClrLst>
+    <dgm:effectClrLst/>
+    <dgm:txLinClrLst/>
+    <dgm:txFillClrLst meth="repeat">
+      <a:schemeClr val="dk1"/>
+    </dgm:txFillClrLst>
+    <dgm:txEffectClrLst/>
+  </dgm:styleLbl>
+  <dgm:styleLbl name="fgAcc4">
+    <dgm:fillClrLst meth="repeat">
+      <a:schemeClr val="lt1">
+        <a:alpha val="90000"/>
+      </a:schemeClr>
+    </dgm:fillClrLst>
+    <dgm:linClrLst meth="repeat">
+      <a:schemeClr val="accent1"/>
+    </dgm:linClrLst>
+    <dgm:effectClrLst/>
+    <dgm:txLinClrLst/>
+    <dgm:txFillClrLst meth="repeat">
+      <a:schemeClr val="dk1"/>
+    </dgm:txFillClrLst>
+    <dgm:txEffectClrLst/>
+  </dgm:styleLbl>
+  <dgm:styleLbl name="bgShp">
+    <dgm:fillClrLst meth="repeat">
+      <a:schemeClr val="accent1">
+        <a:tint val="40000"/>
+      </a:schemeClr>
+    </dgm:fillClrLst>
+    <dgm:linClrLst meth="repeat">
+      <a:schemeClr val="accent1"/>
+    </dgm:linClrLst>
+    <dgm:effectClrLst/>
+    <dgm:txLinClrLst/>
+    <dgm:txFillClrLst meth="repeat">
+      <a:schemeClr val="dk1"/>
+    </dgm:txFillClrLst>
+    <dgm:txEffectClrLst/>
+  </dgm:styleLbl>
+  <dgm:styleLbl name="dkBgShp">
+    <dgm:fillClrLst meth="repeat">
+      <a:schemeClr val="accent1">
+        <a:shade val="80000"/>
+      </a:schemeClr>
+    </dgm:fillClrLst>
+    <dgm:linClrLst meth="repeat">
+      <a:schemeClr val="accent1"/>
+    </dgm:linClrLst>
+    <dgm:effectClrLst/>
+    <dgm:txLinClrLst/>
+    <dgm:txFillClrLst meth="repeat">
+      <a:schemeClr val="lt1"/>
+    </dgm:txFillClrLst>
+    <dgm:txEffectClrLst/>
+  </dgm:styleLbl>
+  <dgm:styleLbl name="trBgShp">
+    <dgm:fillClrLst meth="repeat">
+      <a:schemeClr val="accent1">
+        <a:tint val="50000"/>
+        <a:alpha val="40000"/>
+      </a:schemeClr>
+    </dgm:fillClrLst>
+    <dgm:linClrLst meth="repeat">
+      <a:schemeClr val="accent1"/>
+    </dgm:linClrLst>
+    <dgm:effectClrLst/>
+    <dgm:txLinClrLst/>
+    <dgm:txFillClrLst meth="repeat">
+      <a:schemeClr val="lt1"/>
+    </dgm:txFillClrLst>
+    <dgm:txEffectClrLst/>
+  </dgm:styleLbl>
+  <dgm:styleLbl name="fgShp">
+    <dgm:fillClrLst meth="repeat">
+      <a:schemeClr val="accent1">
+        <a:tint val="60000"/>
+      </a:schemeClr>
+    </dgm:fillClrLst>
+    <dgm:linClrLst meth="repeat">
+      <a:schemeClr val="lt1"/>
+    </dgm:linClrLst>
+    <dgm:effectClrLst/>
+    <dgm:txLinClrLst/>
+    <dgm:txFillClrLst meth="repeat">
+      <a:schemeClr val="dk1"/>
+    </dgm:txFillClrLst>
+    <dgm:txEffectClrLst/>
+  </dgm:styleLbl>
+  <dgm:styleLbl name="revTx">
+    <dgm:fillClrLst meth="repeat">
+      <a:schemeClr val="lt1">
+        <a:alpha val="0"/>
+      </a:schemeClr>
+    </dgm:fillClrLst>
+    <dgm:linClrLst meth="repeat">
+      <a:schemeClr val="dk1">
+        <a:alpha val="0"/>
+      </a:schemeClr>
+    </dgm:linClrLst>
+    <dgm:effectClrLst/>
+    <dgm:txLinClrLst/>
+    <dgm:txFillClrLst meth="repeat">
+      <a:schemeClr val="tx1"/>
+    </dgm:txFillClrLst>
+    <dgm:txEffectClrLst/>
+  </dgm:styleLbl>
+</dgm:colorsDef>
+</file>
+
+<file path=ppt/diagrams/colors5.xml><?xml version="1.0" encoding="utf-8"?>
 <dgm:colorsDef xmlns:dgm="http://schemas.openxmlformats.org/drawingml/2006/diagram" xmlns:a="http://schemas.openxmlformats.org/drawingml/2006/main" uniqueId="urn:microsoft.com/office/officeart/2005/8/colors/accent1_2">
   <dgm:title val=""/>
   <dgm:desc val=""/>
@@ -3610,7 +4368,7 @@
   <dgm:whole/>
   <dgm:extLst>
     <a:ext uri="http://schemas.microsoft.com/office/drawing/2008/diagram">
-      <dsp:dataModelExt xmlns:dsp="http://schemas.microsoft.com/office/drawing/2008/diagram" relId="rId7" minVer="http://schemas.openxmlformats.org/drawingml/2006/diagram"/>
+      <dsp:dataModelExt xmlns:dsp="http://schemas.microsoft.com/office/drawing/2008/diagram" relId="rId6" minVer="http://schemas.openxmlformats.org/drawingml/2006/diagram"/>
     </a:ext>
   </dgm:extLst>
 </dgm:dataModel>
@@ -3829,13 +4587,446 @@
   <dgm:whole/>
   <dgm:extLst>
     <a:ext uri="http://schemas.microsoft.com/office/drawing/2008/diagram">
-      <dsp:dataModelExt xmlns:dsp="http://schemas.microsoft.com/office/drawing/2008/diagram" relId="rId7" minVer="http://schemas.openxmlformats.org/drawingml/2006/diagram"/>
+      <dsp:dataModelExt xmlns:dsp="http://schemas.microsoft.com/office/drawing/2008/diagram" relId="rId6" minVer="http://schemas.openxmlformats.org/drawingml/2006/diagram"/>
     </a:ext>
   </dgm:extLst>
 </dgm:dataModel>
 </file>
 
 <file path=ppt/diagrams/data3.xml><?xml version="1.0" encoding="utf-8"?>
+<dgm:dataModel xmlns:dgm="http://schemas.openxmlformats.org/drawingml/2006/diagram" xmlns:a="http://schemas.openxmlformats.org/drawingml/2006/main">
+  <dgm:ptLst>
+    <dgm:pt modelId="{F069BB5A-F41F-074E-936C-688C5AD3ED03}" type="doc">
+      <dgm:prSet loTypeId="urn:microsoft.com/office/officeart/2008/layout/VerticalCurvedList" loCatId="" qsTypeId="urn:microsoft.com/office/officeart/2005/8/quickstyle/simple1" qsCatId="simple" csTypeId="urn:microsoft.com/office/officeart/2005/8/colors/accent1_2" csCatId="accent1" phldr="1"/>
+      <dgm:spPr/>
+      <dgm:t>
+        <a:bodyPr/>
+        <a:lstStyle/>
+        <a:p>
+          <a:endParaRPr lang="zh-CN" altLang="en-US"/>
+        </a:p>
+      </dgm:t>
+    </dgm:pt>
+    <dgm:pt modelId="{7CDF582B-A1C8-0D4C-8637-CA14BD63E8F1}">
+      <dgm:prSet phldrT="[文本]"/>
+      <dgm:spPr/>
+      <dgm:t>
+        <a:bodyPr/>
+        <a:lstStyle/>
+        <a:p>
+          <a:r>
+            <a:rPr lang="en" altLang="en-US" dirty="0" err="1"/>
+            <a:t>eval</a:t>
+          </a:r>
+          <a:r>
+            <a:rPr lang="en" altLang="en-US" dirty="0"/>
+            <a:t> </a:t>
+          </a:r>
+          <a:r>
+            <a:rPr lang="zh-CN" altLang="en-US" dirty="0"/>
+            <a:t>： 每一个模块都执行</a:t>
+          </a:r>
+          <a:r>
+            <a:rPr lang="en" altLang="en-US" dirty="0" err="1"/>
+            <a:t>eval</a:t>
+          </a:r>
+          <a:r>
+            <a:rPr lang="en" altLang="en-US" dirty="0"/>
+            <a:t>()</a:t>
+          </a:r>
+          <a:r>
+            <a:rPr lang="zh-CN" altLang="en-US" dirty="0"/>
+            <a:t>过程，并且会追加</a:t>
+          </a:r>
+          <a:r>
+            <a:rPr lang="en-US" altLang="en-US" dirty="0"/>
+            <a:t>//@ </a:t>
+          </a:r>
+          <a:r>
+            <a:rPr lang="en" altLang="en-US" dirty="0" err="1"/>
+            <a:t>sourceURL</a:t>
+          </a:r>
+          <a:endParaRPr lang="zh-CN" altLang="en-US" dirty="0"/>
+        </a:p>
+      </dgm:t>
+    </dgm:pt>
+    <dgm:pt modelId="{512BFDD8-260E-224E-82FD-DB52D08840E3}" type="parTrans" cxnId="{489305A9-1A85-9843-A8E5-7C1179C40488}">
+      <dgm:prSet/>
+      <dgm:spPr/>
+      <dgm:t>
+        <a:bodyPr/>
+        <a:lstStyle/>
+        <a:p>
+          <a:endParaRPr lang="zh-CN" altLang="en-US"/>
+        </a:p>
+      </dgm:t>
+    </dgm:pt>
+    <dgm:pt modelId="{F97386E8-253C-1E48-B8EA-589652A769F8}" type="sibTrans" cxnId="{489305A9-1A85-9843-A8E5-7C1179C40488}">
+      <dgm:prSet/>
+      <dgm:spPr/>
+      <dgm:t>
+        <a:bodyPr/>
+        <a:lstStyle/>
+        <a:p>
+          <a:endParaRPr lang="zh-CN" altLang="en-US"/>
+        </a:p>
+      </dgm:t>
+    </dgm:pt>
+    <dgm:pt modelId="{A2C627C2-FE75-D748-B4BD-14E5F6E9D0DF}">
+      <dgm:prSet phldrT="[文本]"/>
+      <dgm:spPr/>
+      <dgm:t>
+        <a:bodyPr/>
+        <a:lstStyle/>
+        <a:p>
+          <a:r>
+            <a:rPr lang="en" altLang="en-US"/>
+            <a:t>cheap-eval-source-map</a:t>
+          </a:r>
+          <a:r>
+            <a:rPr lang="zh-CN" altLang="en-US"/>
+            <a:t>：跟</a:t>
+          </a:r>
+          <a:r>
+            <a:rPr lang="en" altLang="en-US"/>
+            <a:t>eval-source-map</a:t>
+          </a:r>
+          <a:r>
+            <a:rPr lang="zh-CN" altLang="en-US"/>
+            <a:t>相同，唯一不同的就是增加了”</a:t>
+          </a:r>
+          <a:r>
+            <a:rPr lang="en" altLang="en-US"/>
+            <a:t>cheap”</a:t>
+          </a:r>
+          <a:r>
+            <a:rPr lang="zh-CN" altLang="en-US"/>
+            <a:t>，”</a:t>
+          </a:r>
+          <a:r>
+            <a:rPr lang="en" altLang="en-US"/>
+            <a:t>cheap”</a:t>
+          </a:r>
+          <a:r>
+            <a:rPr lang="zh-CN" altLang="en-US"/>
+            <a:t>是指忽略了行信息。</a:t>
+          </a:r>
+          <a:endParaRPr lang="zh-CN" altLang="en-US" dirty="0"/>
+        </a:p>
+      </dgm:t>
+    </dgm:pt>
+    <dgm:pt modelId="{CA280D25-248A-AF4B-9C7C-05D5FDFDD5EB}" type="parTrans" cxnId="{0744285E-406B-384A-9EAD-D50BCEF50A10}">
+      <dgm:prSet/>
+      <dgm:spPr/>
+      <dgm:t>
+        <a:bodyPr/>
+        <a:lstStyle/>
+        <a:p>
+          <a:endParaRPr lang="zh-CN" altLang="en-US"/>
+        </a:p>
+      </dgm:t>
+    </dgm:pt>
+    <dgm:pt modelId="{3DABCFAB-C52A-1A40-B289-431E59C41ACE}" type="sibTrans" cxnId="{0744285E-406B-384A-9EAD-D50BCEF50A10}">
+      <dgm:prSet/>
+      <dgm:spPr/>
+      <dgm:t>
+        <a:bodyPr/>
+        <a:lstStyle/>
+        <a:p>
+          <a:endParaRPr lang="zh-CN" altLang="en-US"/>
+        </a:p>
+      </dgm:t>
+    </dgm:pt>
+    <dgm:pt modelId="{FB8586AC-01FF-4D42-A392-7945484715C4}">
+      <dgm:prSet phldrT="[文本]"/>
+      <dgm:spPr/>
+      <dgm:t>
+        <a:bodyPr/>
+        <a:lstStyle/>
+        <a:p>
+          <a:r>
+            <a:rPr lang="en" altLang="en-US" dirty="0"/>
+            <a:t>cheap-module-</a:t>
+          </a:r>
+          <a:r>
+            <a:rPr lang="en" altLang="en-US" dirty="0" err="1"/>
+            <a:t>eval</a:t>
+          </a:r>
+          <a:r>
+            <a:rPr lang="en" altLang="en-US" dirty="0"/>
+            <a:t>-source-map</a:t>
+          </a:r>
+          <a:r>
+            <a:rPr lang="zh-CN" altLang="en-US" dirty="0"/>
+            <a:t>：与</a:t>
+          </a:r>
+          <a:r>
+            <a:rPr lang="en" altLang="en-US" dirty="0"/>
+            <a:t>cheap-</a:t>
+          </a:r>
+          <a:r>
+            <a:rPr lang="en" altLang="en-US" dirty="0" err="1"/>
+            <a:t>eval</a:t>
+          </a:r>
+          <a:r>
+            <a:rPr lang="en" altLang="en-US" dirty="0"/>
+            <a:t>-source-map</a:t>
+          </a:r>
+          <a:r>
+            <a:rPr lang="zh-CN" altLang="en-US" dirty="0"/>
+            <a:t>相同，但是包含了不同</a:t>
+          </a:r>
+          <a:r>
+            <a:rPr lang="en" altLang="en-US" dirty="0"/>
+            <a:t>loader</a:t>
+          </a:r>
+          <a:r>
+            <a:rPr lang="zh-CN" altLang="en-US" dirty="0"/>
+            <a:t>模块之间的</a:t>
+          </a:r>
+          <a:r>
+            <a:rPr lang="en" altLang="en-US" dirty="0" err="1"/>
+            <a:t>sourcemap</a:t>
+          </a:r>
+          <a:endParaRPr lang="zh-CN" altLang="en-US" dirty="0"/>
+        </a:p>
+      </dgm:t>
+    </dgm:pt>
+    <dgm:pt modelId="{C6CEE778-B948-3B4A-9A3F-70731C431492}" type="parTrans" cxnId="{EBBBFBFD-F1B4-3541-B4AB-53F59B2F034D}">
+      <dgm:prSet/>
+      <dgm:spPr/>
+      <dgm:t>
+        <a:bodyPr/>
+        <a:lstStyle/>
+        <a:p>
+          <a:endParaRPr lang="zh-CN" altLang="en-US"/>
+        </a:p>
+      </dgm:t>
+    </dgm:pt>
+    <dgm:pt modelId="{9F582E00-E266-784B-BDED-02D32CB66281}" type="sibTrans" cxnId="{EBBBFBFD-F1B4-3541-B4AB-53F59B2F034D}">
+      <dgm:prSet/>
+      <dgm:spPr/>
+      <dgm:t>
+        <a:bodyPr/>
+        <a:lstStyle/>
+        <a:p>
+          <a:endParaRPr lang="zh-CN" altLang="en-US"/>
+        </a:p>
+      </dgm:t>
+    </dgm:pt>
+    <dgm:pt modelId="{927A04D7-4C75-9C47-ADB0-F937827FB5AE}">
+      <dgm:prSet/>
+      <dgm:spPr/>
+      <dgm:t>
+        <a:bodyPr/>
+        <a:lstStyle/>
+        <a:p>
+          <a:r>
+            <a:rPr lang="en" altLang="en-US"/>
+            <a:t>eval-source-map</a:t>
+          </a:r>
+          <a:r>
+            <a:rPr lang="zh-CN" altLang="en-US"/>
+            <a:t>：每一个模块在执行</a:t>
+          </a:r>
+          <a:r>
+            <a:rPr lang="en" altLang="en-US"/>
+            <a:t>eval()</a:t>
+          </a:r>
+          <a:r>
+            <a:rPr lang="zh-CN" altLang="en-US"/>
+            <a:t>过程之后，并且会为每一个模块生成</a:t>
+          </a:r>
+          <a:r>
+            <a:rPr lang="en" altLang="en-US"/>
+            <a:t>sourcemap</a:t>
+          </a:r>
+          <a:r>
+            <a:rPr lang="zh-CN" altLang="en-US"/>
+            <a:t>文件，生成的</a:t>
+          </a:r>
+          <a:r>
+            <a:rPr lang="en" altLang="en-US"/>
+            <a:t>sourcemap</a:t>
+          </a:r>
+          <a:r>
+            <a:rPr lang="zh-CN" altLang="en-US"/>
+            <a:t>文件通过</a:t>
+          </a:r>
+          <a:r>
+            <a:rPr lang="en" altLang="en-US"/>
+            <a:t>DataURL</a:t>
+          </a:r>
+          <a:r>
+            <a:rPr lang="zh-CN" altLang="en-US"/>
+            <a:t>的方式添加</a:t>
+          </a:r>
+          <a:endParaRPr lang="zh-CN" altLang="en-US" dirty="0"/>
+        </a:p>
+      </dgm:t>
+    </dgm:pt>
+    <dgm:pt modelId="{6EDEF151-2022-E244-9C23-2F604CD22212}" type="parTrans" cxnId="{3DD5E65C-8851-DE4A-9E59-B25CFE6F5180}">
+      <dgm:prSet/>
+      <dgm:spPr/>
+      <dgm:t>
+        <a:bodyPr/>
+        <a:lstStyle/>
+        <a:p>
+          <a:endParaRPr lang="zh-CN" altLang="en-US"/>
+        </a:p>
+      </dgm:t>
+    </dgm:pt>
+    <dgm:pt modelId="{6A1E28B3-243E-0C40-9991-193B11BE0816}" type="sibTrans" cxnId="{3DD5E65C-8851-DE4A-9E59-B25CFE6F5180}">
+      <dgm:prSet/>
+      <dgm:spPr/>
+      <dgm:t>
+        <a:bodyPr/>
+        <a:lstStyle/>
+        <a:p>
+          <a:endParaRPr lang="zh-CN" altLang="en-US"/>
+        </a:p>
+      </dgm:t>
+    </dgm:pt>
+    <dgm:pt modelId="{4B7ABCB5-F8E2-A945-95D9-7CDEC6873D0C}" type="pres">
+      <dgm:prSet presAssocID="{F069BB5A-F41F-074E-936C-688C5AD3ED03}" presName="Name0" presStyleCnt="0">
+        <dgm:presLayoutVars>
+          <dgm:chMax val="7"/>
+          <dgm:chPref val="7"/>
+          <dgm:dir/>
+        </dgm:presLayoutVars>
+      </dgm:prSet>
+      <dgm:spPr/>
+    </dgm:pt>
+    <dgm:pt modelId="{F8897B4B-B268-1F49-923D-636BD2246F76}" type="pres">
+      <dgm:prSet presAssocID="{F069BB5A-F41F-074E-936C-688C5AD3ED03}" presName="Name1" presStyleCnt="0"/>
+      <dgm:spPr/>
+    </dgm:pt>
+    <dgm:pt modelId="{65D3F92C-DAED-7D47-A634-F0D4EAC16A9F}" type="pres">
+      <dgm:prSet presAssocID="{F069BB5A-F41F-074E-936C-688C5AD3ED03}" presName="cycle" presStyleCnt="0"/>
+      <dgm:spPr/>
+    </dgm:pt>
+    <dgm:pt modelId="{7A0D946F-9F77-F34B-8DD3-19C89204A745}" type="pres">
+      <dgm:prSet presAssocID="{F069BB5A-F41F-074E-936C-688C5AD3ED03}" presName="srcNode" presStyleLbl="node1" presStyleIdx="0" presStyleCnt="4"/>
+      <dgm:spPr/>
+    </dgm:pt>
+    <dgm:pt modelId="{9FD1F061-C1E8-5243-8433-16E23A7299EF}" type="pres">
+      <dgm:prSet presAssocID="{F069BB5A-F41F-074E-936C-688C5AD3ED03}" presName="conn" presStyleLbl="parChTrans1D2" presStyleIdx="0" presStyleCnt="1"/>
+      <dgm:spPr/>
+    </dgm:pt>
+    <dgm:pt modelId="{588EC0CA-91F1-BF47-8D02-BE05BFDD6B5B}" type="pres">
+      <dgm:prSet presAssocID="{F069BB5A-F41F-074E-936C-688C5AD3ED03}" presName="extraNode" presStyleLbl="node1" presStyleIdx="0" presStyleCnt="4"/>
+      <dgm:spPr/>
+    </dgm:pt>
+    <dgm:pt modelId="{B94BCC59-D073-B643-86DF-7B8A87A1B4C0}" type="pres">
+      <dgm:prSet presAssocID="{F069BB5A-F41F-074E-936C-688C5AD3ED03}" presName="dstNode" presStyleLbl="node1" presStyleIdx="0" presStyleCnt="4"/>
+      <dgm:spPr/>
+    </dgm:pt>
+    <dgm:pt modelId="{3BD7086D-A8D6-404F-A3C1-B7A0A99BB512}" type="pres">
+      <dgm:prSet presAssocID="{7CDF582B-A1C8-0D4C-8637-CA14BD63E8F1}" presName="text_1" presStyleLbl="node1" presStyleIdx="0" presStyleCnt="4">
+        <dgm:presLayoutVars>
+          <dgm:bulletEnabled val="1"/>
+        </dgm:presLayoutVars>
+      </dgm:prSet>
+      <dgm:spPr/>
+    </dgm:pt>
+    <dgm:pt modelId="{41E37FD5-1455-3643-8A61-4F69BB632050}" type="pres">
+      <dgm:prSet presAssocID="{7CDF582B-A1C8-0D4C-8637-CA14BD63E8F1}" presName="accent_1" presStyleCnt="0"/>
+      <dgm:spPr/>
+    </dgm:pt>
+    <dgm:pt modelId="{A68776D7-D69B-3641-B5FF-71A3FE08FA31}" type="pres">
+      <dgm:prSet presAssocID="{7CDF582B-A1C8-0D4C-8637-CA14BD63E8F1}" presName="accentRepeatNode" presStyleLbl="solidFgAcc1" presStyleIdx="0" presStyleCnt="4"/>
+      <dgm:spPr/>
+    </dgm:pt>
+    <dgm:pt modelId="{DF1CDAC6-1032-0441-8521-EEFB12E4E471}" type="pres">
+      <dgm:prSet presAssocID="{927A04D7-4C75-9C47-ADB0-F937827FB5AE}" presName="text_2" presStyleLbl="node1" presStyleIdx="1" presStyleCnt="4">
+        <dgm:presLayoutVars>
+          <dgm:bulletEnabled val="1"/>
+        </dgm:presLayoutVars>
+      </dgm:prSet>
+      <dgm:spPr/>
+    </dgm:pt>
+    <dgm:pt modelId="{2ED36906-6F41-BF4A-8EB8-D7C54D87F232}" type="pres">
+      <dgm:prSet presAssocID="{927A04D7-4C75-9C47-ADB0-F937827FB5AE}" presName="accent_2" presStyleCnt="0"/>
+      <dgm:spPr/>
+    </dgm:pt>
+    <dgm:pt modelId="{E688402F-B5E6-B24F-B4BA-15D481DF4943}" type="pres">
+      <dgm:prSet presAssocID="{927A04D7-4C75-9C47-ADB0-F937827FB5AE}" presName="accentRepeatNode" presStyleLbl="solidFgAcc1" presStyleIdx="1" presStyleCnt="4"/>
+      <dgm:spPr/>
+    </dgm:pt>
+    <dgm:pt modelId="{5BE03783-A29B-FC43-ACB2-143DCD611C7E}" type="pres">
+      <dgm:prSet presAssocID="{A2C627C2-FE75-D748-B4BD-14E5F6E9D0DF}" presName="text_3" presStyleLbl="node1" presStyleIdx="2" presStyleCnt="4">
+        <dgm:presLayoutVars>
+          <dgm:bulletEnabled val="1"/>
+        </dgm:presLayoutVars>
+      </dgm:prSet>
+      <dgm:spPr/>
+    </dgm:pt>
+    <dgm:pt modelId="{E3697554-CEC1-644F-ABAC-DB7E63001DA7}" type="pres">
+      <dgm:prSet presAssocID="{A2C627C2-FE75-D748-B4BD-14E5F6E9D0DF}" presName="accent_3" presStyleCnt="0"/>
+      <dgm:spPr/>
+    </dgm:pt>
+    <dgm:pt modelId="{EF32AF8D-696C-F042-9F2C-FAAE2D8FB6CD}" type="pres">
+      <dgm:prSet presAssocID="{A2C627C2-FE75-D748-B4BD-14E5F6E9D0DF}" presName="accentRepeatNode" presStyleLbl="solidFgAcc1" presStyleIdx="2" presStyleCnt="4"/>
+      <dgm:spPr/>
+    </dgm:pt>
+    <dgm:pt modelId="{996A84B5-1DFA-B14E-BEDC-163507DFE443}" type="pres">
+      <dgm:prSet presAssocID="{FB8586AC-01FF-4D42-A392-7945484715C4}" presName="text_4" presStyleLbl="node1" presStyleIdx="3" presStyleCnt="4">
+        <dgm:presLayoutVars>
+          <dgm:bulletEnabled val="1"/>
+        </dgm:presLayoutVars>
+      </dgm:prSet>
+      <dgm:spPr/>
+    </dgm:pt>
+    <dgm:pt modelId="{091A54CF-2892-2C4D-920C-7DC0FC67435F}" type="pres">
+      <dgm:prSet presAssocID="{FB8586AC-01FF-4D42-A392-7945484715C4}" presName="accent_4" presStyleCnt="0"/>
+      <dgm:spPr/>
+    </dgm:pt>
+    <dgm:pt modelId="{78B95725-FF78-DF4C-A0E3-B3C25B57FFA2}" type="pres">
+      <dgm:prSet presAssocID="{FB8586AC-01FF-4D42-A392-7945484715C4}" presName="accentRepeatNode" presStyleLbl="solidFgAcc1" presStyleIdx="3" presStyleCnt="4"/>
+      <dgm:spPr/>
+    </dgm:pt>
+  </dgm:ptLst>
+  <dgm:cxnLst>
+    <dgm:cxn modelId="{3B8F843A-9ADD-BB46-A589-88F8CF600B57}" type="presOf" srcId="{F069BB5A-F41F-074E-936C-688C5AD3ED03}" destId="{4B7ABCB5-F8E2-A945-95D9-7CDEC6873D0C}" srcOrd="0" destOrd="0" presId="urn:microsoft.com/office/officeart/2008/layout/VerticalCurvedList"/>
+    <dgm:cxn modelId="{3DD5E65C-8851-DE4A-9E59-B25CFE6F5180}" srcId="{F069BB5A-F41F-074E-936C-688C5AD3ED03}" destId="{927A04D7-4C75-9C47-ADB0-F937827FB5AE}" srcOrd="1" destOrd="0" parTransId="{6EDEF151-2022-E244-9C23-2F604CD22212}" sibTransId="{6A1E28B3-243E-0C40-9991-193B11BE0816}"/>
+    <dgm:cxn modelId="{0744285E-406B-384A-9EAD-D50BCEF50A10}" srcId="{F069BB5A-F41F-074E-936C-688C5AD3ED03}" destId="{A2C627C2-FE75-D748-B4BD-14E5F6E9D0DF}" srcOrd="2" destOrd="0" parTransId="{CA280D25-248A-AF4B-9C7C-05D5FDFDD5EB}" sibTransId="{3DABCFAB-C52A-1A40-B289-431E59C41ACE}"/>
+    <dgm:cxn modelId="{DBA49E82-CB73-F54E-B8E3-B6E638AE735F}" type="presOf" srcId="{A2C627C2-FE75-D748-B4BD-14E5F6E9D0DF}" destId="{5BE03783-A29B-FC43-ACB2-143DCD611C7E}" srcOrd="0" destOrd="0" presId="urn:microsoft.com/office/officeart/2008/layout/VerticalCurvedList"/>
+    <dgm:cxn modelId="{229211A4-7A51-1845-9B43-0C059CEA6DDF}" type="presOf" srcId="{927A04D7-4C75-9C47-ADB0-F937827FB5AE}" destId="{DF1CDAC6-1032-0441-8521-EEFB12E4E471}" srcOrd="0" destOrd="0" presId="urn:microsoft.com/office/officeart/2008/layout/VerticalCurvedList"/>
+    <dgm:cxn modelId="{489305A9-1A85-9843-A8E5-7C1179C40488}" srcId="{F069BB5A-F41F-074E-936C-688C5AD3ED03}" destId="{7CDF582B-A1C8-0D4C-8637-CA14BD63E8F1}" srcOrd="0" destOrd="0" parTransId="{512BFDD8-260E-224E-82FD-DB52D08840E3}" sibTransId="{F97386E8-253C-1E48-B8EA-589652A769F8}"/>
+    <dgm:cxn modelId="{92A087AB-CF37-0F46-81C0-2F55231502E5}" type="presOf" srcId="{7CDF582B-A1C8-0D4C-8637-CA14BD63E8F1}" destId="{3BD7086D-A8D6-404F-A3C1-B7A0A99BB512}" srcOrd="0" destOrd="0" presId="urn:microsoft.com/office/officeart/2008/layout/VerticalCurvedList"/>
+    <dgm:cxn modelId="{2535CDD4-D2FD-6040-8FD1-B8C34C91EEB1}" type="presOf" srcId="{F97386E8-253C-1E48-B8EA-589652A769F8}" destId="{9FD1F061-C1E8-5243-8433-16E23A7299EF}" srcOrd="0" destOrd="0" presId="urn:microsoft.com/office/officeart/2008/layout/VerticalCurvedList"/>
+    <dgm:cxn modelId="{919A2BEC-8DB0-564D-A86E-65AE97079BFF}" type="presOf" srcId="{FB8586AC-01FF-4D42-A392-7945484715C4}" destId="{996A84B5-1DFA-B14E-BEDC-163507DFE443}" srcOrd="0" destOrd="0" presId="urn:microsoft.com/office/officeart/2008/layout/VerticalCurvedList"/>
+    <dgm:cxn modelId="{EBBBFBFD-F1B4-3541-B4AB-53F59B2F034D}" srcId="{F069BB5A-F41F-074E-936C-688C5AD3ED03}" destId="{FB8586AC-01FF-4D42-A392-7945484715C4}" srcOrd="3" destOrd="0" parTransId="{C6CEE778-B948-3B4A-9A3F-70731C431492}" sibTransId="{9F582E00-E266-784B-BDED-02D32CB66281}"/>
+    <dgm:cxn modelId="{682632F4-D411-2549-81E3-25A668B15418}" type="presParOf" srcId="{4B7ABCB5-F8E2-A945-95D9-7CDEC6873D0C}" destId="{F8897B4B-B268-1F49-923D-636BD2246F76}" srcOrd="0" destOrd="0" presId="urn:microsoft.com/office/officeart/2008/layout/VerticalCurvedList"/>
+    <dgm:cxn modelId="{C2E0DAEE-C2CE-4345-89E6-B017253B608F}" type="presParOf" srcId="{F8897B4B-B268-1F49-923D-636BD2246F76}" destId="{65D3F92C-DAED-7D47-A634-F0D4EAC16A9F}" srcOrd="0" destOrd="0" presId="urn:microsoft.com/office/officeart/2008/layout/VerticalCurvedList"/>
+    <dgm:cxn modelId="{FC0A9069-CD39-154A-9A59-395A06A9FE3F}" type="presParOf" srcId="{65D3F92C-DAED-7D47-A634-F0D4EAC16A9F}" destId="{7A0D946F-9F77-F34B-8DD3-19C89204A745}" srcOrd="0" destOrd="0" presId="urn:microsoft.com/office/officeart/2008/layout/VerticalCurvedList"/>
+    <dgm:cxn modelId="{6334302D-B76F-2E42-804B-C09C00B22DD7}" type="presParOf" srcId="{65D3F92C-DAED-7D47-A634-F0D4EAC16A9F}" destId="{9FD1F061-C1E8-5243-8433-16E23A7299EF}" srcOrd="1" destOrd="0" presId="urn:microsoft.com/office/officeart/2008/layout/VerticalCurvedList"/>
+    <dgm:cxn modelId="{6EFA1066-1989-3841-AF22-F2133AD6AC7C}" type="presParOf" srcId="{65D3F92C-DAED-7D47-A634-F0D4EAC16A9F}" destId="{588EC0CA-91F1-BF47-8D02-BE05BFDD6B5B}" srcOrd="2" destOrd="0" presId="urn:microsoft.com/office/officeart/2008/layout/VerticalCurvedList"/>
+    <dgm:cxn modelId="{84ED3C73-5DD7-E440-8E19-9FAFDB42C85F}" type="presParOf" srcId="{65D3F92C-DAED-7D47-A634-F0D4EAC16A9F}" destId="{B94BCC59-D073-B643-86DF-7B8A87A1B4C0}" srcOrd="3" destOrd="0" presId="urn:microsoft.com/office/officeart/2008/layout/VerticalCurvedList"/>
+    <dgm:cxn modelId="{EB4FB21C-74DA-F74D-8892-1C24742BDE95}" type="presParOf" srcId="{F8897B4B-B268-1F49-923D-636BD2246F76}" destId="{3BD7086D-A8D6-404F-A3C1-B7A0A99BB512}" srcOrd="1" destOrd="0" presId="urn:microsoft.com/office/officeart/2008/layout/VerticalCurvedList"/>
+    <dgm:cxn modelId="{4C4E6F0C-5B01-FB46-86F5-21F575221EEB}" type="presParOf" srcId="{F8897B4B-B268-1F49-923D-636BD2246F76}" destId="{41E37FD5-1455-3643-8A61-4F69BB632050}" srcOrd="2" destOrd="0" presId="urn:microsoft.com/office/officeart/2008/layout/VerticalCurvedList"/>
+    <dgm:cxn modelId="{1AAB2DCC-123A-A445-BA9E-BBFE427E7D60}" type="presParOf" srcId="{41E37FD5-1455-3643-8A61-4F69BB632050}" destId="{A68776D7-D69B-3641-B5FF-71A3FE08FA31}" srcOrd="0" destOrd="0" presId="urn:microsoft.com/office/officeart/2008/layout/VerticalCurvedList"/>
+    <dgm:cxn modelId="{AC256E13-CBC1-324F-B0ED-616C619F2D27}" type="presParOf" srcId="{F8897B4B-B268-1F49-923D-636BD2246F76}" destId="{DF1CDAC6-1032-0441-8521-EEFB12E4E471}" srcOrd="3" destOrd="0" presId="urn:microsoft.com/office/officeart/2008/layout/VerticalCurvedList"/>
+    <dgm:cxn modelId="{15A75F30-8E7A-CA4F-8D01-D7154447B138}" type="presParOf" srcId="{F8897B4B-B268-1F49-923D-636BD2246F76}" destId="{2ED36906-6F41-BF4A-8EB8-D7C54D87F232}" srcOrd="4" destOrd="0" presId="urn:microsoft.com/office/officeart/2008/layout/VerticalCurvedList"/>
+    <dgm:cxn modelId="{65849E25-9492-9547-8DD5-084D2562FD4D}" type="presParOf" srcId="{2ED36906-6F41-BF4A-8EB8-D7C54D87F232}" destId="{E688402F-B5E6-B24F-B4BA-15D481DF4943}" srcOrd="0" destOrd="0" presId="urn:microsoft.com/office/officeart/2008/layout/VerticalCurvedList"/>
+    <dgm:cxn modelId="{F4D0DB25-CC43-8343-BA72-76AE2E383414}" type="presParOf" srcId="{F8897B4B-B268-1F49-923D-636BD2246F76}" destId="{5BE03783-A29B-FC43-ACB2-143DCD611C7E}" srcOrd="5" destOrd="0" presId="urn:microsoft.com/office/officeart/2008/layout/VerticalCurvedList"/>
+    <dgm:cxn modelId="{2E6E609D-C481-724F-8C2E-8D1DF2CD31EF}" type="presParOf" srcId="{F8897B4B-B268-1F49-923D-636BD2246F76}" destId="{E3697554-CEC1-644F-ABAC-DB7E63001DA7}" srcOrd="6" destOrd="0" presId="urn:microsoft.com/office/officeart/2008/layout/VerticalCurvedList"/>
+    <dgm:cxn modelId="{DB7ED5C2-A56D-5040-9498-D1E68FEDF83B}" type="presParOf" srcId="{E3697554-CEC1-644F-ABAC-DB7E63001DA7}" destId="{EF32AF8D-696C-F042-9F2C-FAAE2D8FB6CD}" srcOrd="0" destOrd="0" presId="urn:microsoft.com/office/officeart/2008/layout/VerticalCurvedList"/>
+    <dgm:cxn modelId="{9345095D-D222-0948-8DB6-FF98D115F368}" type="presParOf" srcId="{F8897B4B-B268-1F49-923D-636BD2246F76}" destId="{996A84B5-1DFA-B14E-BEDC-163507DFE443}" srcOrd="7" destOrd="0" presId="urn:microsoft.com/office/officeart/2008/layout/VerticalCurvedList"/>
+    <dgm:cxn modelId="{0715B444-052C-9149-8A2E-FA910C1D8935}" type="presParOf" srcId="{F8897B4B-B268-1F49-923D-636BD2246F76}" destId="{091A54CF-2892-2C4D-920C-7DC0FC67435F}" srcOrd="8" destOrd="0" presId="urn:microsoft.com/office/officeart/2008/layout/VerticalCurvedList"/>
+    <dgm:cxn modelId="{98F5C673-8374-0048-AADE-9CC1C23D5A25}" type="presParOf" srcId="{091A54CF-2892-2C4D-920C-7DC0FC67435F}" destId="{78B95725-FF78-DF4C-A0E3-B3C25B57FFA2}" srcOrd="0" destOrd="0" presId="urn:microsoft.com/office/officeart/2008/layout/VerticalCurvedList"/>
+  </dgm:cxnLst>
+  <dgm:bg/>
+  <dgm:whole/>
+  <dgm:extLst>
+    <a:ext uri="http://schemas.microsoft.com/office/drawing/2008/diagram">
+      <dsp:dataModelExt xmlns:dsp="http://schemas.microsoft.com/office/drawing/2008/diagram" relId="rId6" minVer="http://schemas.openxmlformats.org/drawingml/2006/diagram"/>
+    </a:ext>
+  </dgm:extLst>
+</dgm:dataModel>
+</file>
+
+<file path=ppt/diagrams/data4.xml><?xml version="1.0" encoding="utf-8"?>
 <dgm:dataModel xmlns:dgm="http://schemas.openxmlformats.org/drawingml/2006/diagram" xmlns:a="http://schemas.openxmlformats.org/drawingml/2006/main">
   <dgm:ptLst>
     <dgm:pt modelId="{2A92BF0C-AEA7-0341-89A9-B7E099CE87D0}" type="doc">
@@ -4151,13 +5342,13 @@
   <dgm:whole/>
   <dgm:extLst>
     <a:ext uri="http://schemas.microsoft.com/office/drawing/2008/diagram">
-      <dsp:dataModelExt xmlns:dsp="http://schemas.microsoft.com/office/drawing/2008/diagram" relId="rId7" minVer="http://schemas.openxmlformats.org/drawingml/2006/diagram"/>
+      <dsp:dataModelExt xmlns:dsp="http://schemas.microsoft.com/office/drawing/2008/diagram" relId="rId6" minVer="http://schemas.openxmlformats.org/drawingml/2006/diagram"/>
     </a:ext>
   </dgm:extLst>
 </dgm:dataModel>
 </file>
 
-<file path=ppt/diagrams/data4.xml><?xml version="1.0" encoding="utf-8"?>
+<file path=ppt/diagrams/data5.xml><?xml version="1.0" encoding="utf-8"?>
 <dgm:dataModel xmlns:dgm="http://schemas.openxmlformats.org/drawingml/2006/diagram" xmlns:a="http://schemas.openxmlformats.org/drawingml/2006/main">
   <dgm:ptLst>
     <dgm:pt modelId="{A36CBE9D-E64A-9249-85AD-7A3874F94C69}" type="doc">
@@ -4394,7 +5585,7 @@
   <dgm:whole/>
   <dgm:extLst>
     <a:ext uri="http://schemas.microsoft.com/office/drawing/2008/diagram">
-      <dsp:dataModelExt xmlns:dsp="http://schemas.microsoft.com/office/drawing/2008/diagram" relId="rId7" minVer="http://schemas.openxmlformats.org/drawingml/2006/diagram"/>
+      <dsp:dataModelExt xmlns:dsp="http://schemas.microsoft.com/office/drawing/2008/diagram" relId="rId6" minVer="http://schemas.openxmlformats.org/drawingml/2006/diagram"/>
     </a:ext>
   </dgm:extLst>
 </dgm:dataModel>
@@ -5424,6 +6615,704 @@
       <dsp:cNvGrpSpPr/>
     </dsp:nvGrpSpPr>
     <dsp:grpSpPr/>
+    <dsp:sp modelId="{9FD1F061-C1E8-5243-8433-16E23A7299EF}">
+      <dsp:nvSpPr>
+        <dsp:cNvPr id="0" name=""/>
+        <dsp:cNvSpPr/>
+      </dsp:nvSpPr>
+      <dsp:spPr>
+        <a:xfrm>
+          <a:off x="-3941045" y="-605090"/>
+          <a:ext cx="4696754" cy="4696754"/>
+        </a:xfrm>
+        <a:prstGeom prst="blockArc">
+          <a:avLst>
+            <a:gd name="adj1" fmla="val 18900000"/>
+            <a:gd name="adj2" fmla="val 2700000"/>
+            <a:gd name="adj3" fmla="val 460"/>
+          </a:avLst>
+        </a:prstGeom>
+        <a:noFill/>
+        <a:ln w="12700" cap="flat" cmpd="sng" algn="ctr">
+          <a:solidFill>
+            <a:schemeClr val="accent1">
+              <a:shade val="60000"/>
+              <a:hueOff val="0"/>
+              <a:satOff val="0"/>
+              <a:lumOff val="0"/>
+              <a:alphaOff val="0"/>
+            </a:schemeClr>
+          </a:solidFill>
+          <a:prstDash val="solid"/>
+          <a:miter lim="800000"/>
+        </a:ln>
+        <a:effectLst/>
+      </dsp:spPr>
+      <dsp:style>
+        <a:lnRef idx="2">
+          <a:scrgbClr r="0" g="0" b="0"/>
+        </a:lnRef>
+        <a:fillRef idx="0">
+          <a:scrgbClr r="0" g="0" b="0"/>
+        </a:fillRef>
+        <a:effectRef idx="0">
+          <a:scrgbClr r="0" g="0" b="0"/>
+        </a:effectRef>
+        <a:fontRef idx="minor"/>
+      </dsp:style>
+    </dsp:sp>
+    <dsp:sp modelId="{3BD7086D-A8D6-404F-A3C1-B7A0A99BB512}">
+      <dsp:nvSpPr>
+        <dsp:cNvPr id="0" name=""/>
+        <dsp:cNvSpPr/>
+      </dsp:nvSpPr>
+      <dsp:spPr>
+        <a:xfrm>
+          <a:off x="396030" y="268047"/>
+          <a:ext cx="5533433" cy="536374"/>
+        </a:xfrm>
+        <a:prstGeom prst="rect">
+          <a:avLst/>
+        </a:prstGeom>
+        <a:solidFill>
+          <a:schemeClr val="accent1">
+            <a:hueOff val="0"/>
+            <a:satOff val="0"/>
+            <a:lumOff val="0"/>
+            <a:alphaOff val="0"/>
+          </a:schemeClr>
+        </a:solidFill>
+        <a:ln w="12700" cap="flat" cmpd="sng" algn="ctr">
+          <a:solidFill>
+            <a:schemeClr val="lt1">
+              <a:hueOff val="0"/>
+              <a:satOff val="0"/>
+              <a:lumOff val="0"/>
+              <a:alphaOff val="0"/>
+            </a:schemeClr>
+          </a:solidFill>
+          <a:prstDash val="solid"/>
+          <a:miter lim="800000"/>
+        </a:ln>
+        <a:effectLst/>
+      </dsp:spPr>
+      <dsp:style>
+        <a:lnRef idx="2">
+          <a:scrgbClr r="0" g="0" b="0"/>
+        </a:lnRef>
+        <a:fillRef idx="1">
+          <a:scrgbClr r="0" g="0" b="0"/>
+        </a:fillRef>
+        <a:effectRef idx="0">
+          <a:scrgbClr r="0" g="0" b="0"/>
+        </a:effectRef>
+        <a:fontRef idx="minor">
+          <a:schemeClr val="lt1"/>
+        </a:fontRef>
+      </dsp:style>
+      <dsp:txBody>
+        <a:bodyPr spcFirstLastPara="0" vert="horz" wrap="square" lIns="425747" tIns="27940" rIns="27940" bIns="27940" numCol="1" spcCol="1270" anchor="ctr" anchorCtr="0">
+          <a:noAutofit/>
+        </a:bodyPr>
+        <a:lstStyle/>
+        <a:p>
+          <a:pPr marL="0" lvl="0" indent="0" algn="l" defTabSz="488950">
+            <a:lnSpc>
+              <a:spcPct val="90000"/>
+            </a:lnSpc>
+            <a:spcBef>
+              <a:spcPct val="0"/>
+            </a:spcBef>
+            <a:spcAft>
+              <a:spcPct val="35000"/>
+            </a:spcAft>
+            <a:buNone/>
+          </a:pPr>
+          <a:r>
+            <a:rPr lang="en" altLang="en-US" sz="1100" kern="1200" dirty="0" err="1"/>
+            <a:t>eval</a:t>
+          </a:r>
+          <a:r>
+            <a:rPr lang="en" altLang="en-US" sz="1100" kern="1200" dirty="0"/>
+            <a:t> </a:t>
+          </a:r>
+          <a:r>
+            <a:rPr lang="zh-CN" altLang="en-US" sz="1100" kern="1200" dirty="0"/>
+            <a:t>： 每一个模块都执行</a:t>
+          </a:r>
+          <a:r>
+            <a:rPr lang="en" altLang="en-US" sz="1100" kern="1200" dirty="0" err="1"/>
+            <a:t>eval</a:t>
+          </a:r>
+          <a:r>
+            <a:rPr lang="en" altLang="en-US" sz="1100" kern="1200" dirty="0"/>
+            <a:t>()</a:t>
+          </a:r>
+          <a:r>
+            <a:rPr lang="zh-CN" altLang="en-US" sz="1100" kern="1200" dirty="0"/>
+            <a:t>过程，并且会追加</a:t>
+          </a:r>
+          <a:r>
+            <a:rPr lang="en-US" altLang="en-US" sz="1100" kern="1200" dirty="0"/>
+            <a:t>//@ </a:t>
+          </a:r>
+          <a:r>
+            <a:rPr lang="en" altLang="en-US" sz="1100" kern="1200" dirty="0" err="1"/>
+            <a:t>sourceURL</a:t>
+          </a:r>
+          <a:endParaRPr lang="zh-CN" altLang="en-US" sz="1100" kern="1200" dirty="0"/>
+        </a:p>
+      </dsp:txBody>
+      <dsp:txXfrm>
+        <a:off x="396030" y="268047"/>
+        <a:ext cx="5533433" cy="536374"/>
+      </dsp:txXfrm>
+    </dsp:sp>
+    <dsp:sp modelId="{A68776D7-D69B-3641-B5FF-71A3FE08FA31}">
+      <dsp:nvSpPr>
+        <dsp:cNvPr id="0" name=""/>
+        <dsp:cNvSpPr/>
+      </dsp:nvSpPr>
+      <dsp:spPr>
+        <a:xfrm>
+          <a:off x="60796" y="201000"/>
+          <a:ext cx="670467" cy="670467"/>
+        </a:xfrm>
+        <a:prstGeom prst="ellipse">
+          <a:avLst/>
+        </a:prstGeom>
+        <a:solidFill>
+          <a:schemeClr val="lt1">
+            <a:hueOff val="0"/>
+            <a:satOff val="0"/>
+            <a:lumOff val="0"/>
+            <a:alphaOff val="0"/>
+          </a:schemeClr>
+        </a:solidFill>
+        <a:ln w="12700" cap="flat" cmpd="sng" algn="ctr">
+          <a:solidFill>
+            <a:schemeClr val="accent1">
+              <a:hueOff val="0"/>
+              <a:satOff val="0"/>
+              <a:lumOff val="0"/>
+              <a:alphaOff val="0"/>
+            </a:schemeClr>
+          </a:solidFill>
+          <a:prstDash val="solid"/>
+          <a:miter lim="800000"/>
+        </a:ln>
+        <a:effectLst/>
+      </dsp:spPr>
+      <dsp:style>
+        <a:lnRef idx="2">
+          <a:scrgbClr r="0" g="0" b="0"/>
+        </a:lnRef>
+        <a:fillRef idx="1">
+          <a:scrgbClr r="0" g="0" b="0"/>
+        </a:fillRef>
+        <a:effectRef idx="0">
+          <a:scrgbClr r="0" g="0" b="0"/>
+        </a:effectRef>
+        <a:fontRef idx="minor"/>
+      </dsp:style>
+    </dsp:sp>
+    <dsp:sp modelId="{DF1CDAC6-1032-0441-8521-EEFB12E4E471}">
+      <dsp:nvSpPr>
+        <dsp:cNvPr id="0" name=""/>
+        <dsp:cNvSpPr/>
+      </dsp:nvSpPr>
+      <dsp:spPr>
+        <a:xfrm>
+          <a:off x="703546" y="1072748"/>
+          <a:ext cx="5225917" cy="536374"/>
+        </a:xfrm>
+        <a:prstGeom prst="rect">
+          <a:avLst/>
+        </a:prstGeom>
+        <a:solidFill>
+          <a:schemeClr val="accent1">
+            <a:hueOff val="0"/>
+            <a:satOff val="0"/>
+            <a:lumOff val="0"/>
+            <a:alphaOff val="0"/>
+          </a:schemeClr>
+        </a:solidFill>
+        <a:ln w="12700" cap="flat" cmpd="sng" algn="ctr">
+          <a:solidFill>
+            <a:schemeClr val="lt1">
+              <a:hueOff val="0"/>
+              <a:satOff val="0"/>
+              <a:lumOff val="0"/>
+              <a:alphaOff val="0"/>
+            </a:schemeClr>
+          </a:solidFill>
+          <a:prstDash val="solid"/>
+          <a:miter lim="800000"/>
+        </a:ln>
+        <a:effectLst/>
+      </dsp:spPr>
+      <dsp:style>
+        <a:lnRef idx="2">
+          <a:scrgbClr r="0" g="0" b="0"/>
+        </a:lnRef>
+        <a:fillRef idx="1">
+          <a:scrgbClr r="0" g="0" b="0"/>
+        </a:fillRef>
+        <a:effectRef idx="0">
+          <a:scrgbClr r="0" g="0" b="0"/>
+        </a:effectRef>
+        <a:fontRef idx="minor">
+          <a:schemeClr val="lt1"/>
+        </a:fontRef>
+      </dsp:style>
+      <dsp:txBody>
+        <a:bodyPr spcFirstLastPara="0" vert="horz" wrap="square" lIns="425747" tIns="27940" rIns="27940" bIns="27940" numCol="1" spcCol="1270" anchor="ctr" anchorCtr="0">
+          <a:noAutofit/>
+        </a:bodyPr>
+        <a:lstStyle/>
+        <a:p>
+          <a:pPr marL="0" lvl="0" indent="0" algn="l" defTabSz="488950">
+            <a:lnSpc>
+              <a:spcPct val="90000"/>
+            </a:lnSpc>
+            <a:spcBef>
+              <a:spcPct val="0"/>
+            </a:spcBef>
+            <a:spcAft>
+              <a:spcPct val="35000"/>
+            </a:spcAft>
+            <a:buNone/>
+          </a:pPr>
+          <a:r>
+            <a:rPr lang="en" altLang="en-US" sz="1100" kern="1200"/>
+            <a:t>eval-source-map</a:t>
+          </a:r>
+          <a:r>
+            <a:rPr lang="zh-CN" altLang="en-US" sz="1100" kern="1200"/>
+            <a:t>：每一个模块在执行</a:t>
+          </a:r>
+          <a:r>
+            <a:rPr lang="en" altLang="en-US" sz="1100" kern="1200"/>
+            <a:t>eval()</a:t>
+          </a:r>
+          <a:r>
+            <a:rPr lang="zh-CN" altLang="en-US" sz="1100" kern="1200"/>
+            <a:t>过程之后，并且会为每一个模块生成</a:t>
+          </a:r>
+          <a:r>
+            <a:rPr lang="en" altLang="en-US" sz="1100" kern="1200"/>
+            <a:t>sourcemap</a:t>
+          </a:r>
+          <a:r>
+            <a:rPr lang="zh-CN" altLang="en-US" sz="1100" kern="1200"/>
+            <a:t>文件，生成的</a:t>
+          </a:r>
+          <a:r>
+            <a:rPr lang="en" altLang="en-US" sz="1100" kern="1200"/>
+            <a:t>sourcemap</a:t>
+          </a:r>
+          <a:r>
+            <a:rPr lang="zh-CN" altLang="en-US" sz="1100" kern="1200"/>
+            <a:t>文件通过</a:t>
+          </a:r>
+          <a:r>
+            <a:rPr lang="en" altLang="en-US" sz="1100" kern="1200"/>
+            <a:t>DataURL</a:t>
+          </a:r>
+          <a:r>
+            <a:rPr lang="zh-CN" altLang="en-US" sz="1100" kern="1200"/>
+            <a:t>的方式添加</a:t>
+          </a:r>
+          <a:endParaRPr lang="zh-CN" altLang="en-US" sz="1100" kern="1200" dirty="0"/>
+        </a:p>
+      </dsp:txBody>
+      <dsp:txXfrm>
+        <a:off x="703546" y="1072748"/>
+        <a:ext cx="5225917" cy="536374"/>
+      </dsp:txXfrm>
+    </dsp:sp>
+    <dsp:sp modelId="{E688402F-B5E6-B24F-B4BA-15D481DF4943}">
+      <dsp:nvSpPr>
+        <dsp:cNvPr id="0" name=""/>
+        <dsp:cNvSpPr/>
+      </dsp:nvSpPr>
+      <dsp:spPr>
+        <a:xfrm>
+          <a:off x="368312" y="1005701"/>
+          <a:ext cx="670467" cy="670467"/>
+        </a:xfrm>
+        <a:prstGeom prst="ellipse">
+          <a:avLst/>
+        </a:prstGeom>
+        <a:solidFill>
+          <a:schemeClr val="lt1">
+            <a:hueOff val="0"/>
+            <a:satOff val="0"/>
+            <a:lumOff val="0"/>
+            <a:alphaOff val="0"/>
+          </a:schemeClr>
+        </a:solidFill>
+        <a:ln w="12700" cap="flat" cmpd="sng" algn="ctr">
+          <a:solidFill>
+            <a:schemeClr val="accent1">
+              <a:hueOff val="0"/>
+              <a:satOff val="0"/>
+              <a:lumOff val="0"/>
+              <a:alphaOff val="0"/>
+            </a:schemeClr>
+          </a:solidFill>
+          <a:prstDash val="solid"/>
+          <a:miter lim="800000"/>
+        </a:ln>
+        <a:effectLst/>
+      </dsp:spPr>
+      <dsp:style>
+        <a:lnRef idx="2">
+          <a:scrgbClr r="0" g="0" b="0"/>
+        </a:lnRef>
+        <a:fillRef idx="1">
+          <a:scrgbClr r="0" g="0" b="0"/>
+        </a:fillRef>
+        <a:effectRef idx="0">
+          <a:scrgbClr r="0" g="0" b="0"/>
+        </a:effectRef>
+        <a:fontRef idx="minor"/>
+      </dsp:style>
+    </dsp:sp>
+    <dsp:sp modelId="{5BE03783-A29B-FC43-ACB2-143DCD611C7E}">
+      <dsp:nvSpPr>
+        <dsp:cNvPr id="0" name=""/>
+        <dsp:cNvSpPr/>
+      </dsp:nvSpPr>
+      <dsp:spPr>
+        <a:xfrm>
+          <a:off x="703546" y="1877449"/>
+          <a:ext cx="5225917" cy="536374"/>
+        </a:xfrm>
+        <a:prstGeom prst="rect">
+          <a:avLst/>
+        </a:prstGeom>
+        <a:solidFill>
+          <a:schemeClr val="accent1">
+            <a:hueOff val="0"/>
+            <a:satOff val="0"/>
+            <a:lumOff val="0"/>
+            <a:alphaOff val="0"/>
+          </a:schemeClr>
+        </a:solidFill>
+        <a:ln w="12700" cap="flat" cmpd="sng" algn="ctr">
+          <a:solidFill>
+            <a:schemeClr val="lt1">
+              <a:hueOff val="0"/>
+              <a:satOff val="0"/>
+              <a:lumOff val="0"/>
+              <a:alphaOff val="0"/>
+            </a:schemeClr>
+          </a:solidFill>
+          <a:prstDash val="solid"/>
+          <a:miter lim="800000"/>
+        </a:ln>
+        <a:effectLst/>
+      </dsp:spPr>
+      <dsp:style>
+        <a:lnRef idx="2">
+          <a:scrgbClr r="0" g="0" b="0"/>
+        </a:lnRef>
+        <a:fillRef idx="1">
+          <a:scrgbClr r="0" g="0" b="0"/>
+        </a:fillRef>
+        <a:effectRef idx="0">
+          <a:scrgbClr r="0" g="0" b="0"/>
+        </a:effectRef>
+        <a:fontRef idx="minor">
+          <a:schemeClr val="lt1"/>
+        </a:fontRef>
+      </dsp:style>
+      <dsp:txBody>
+        <a:bodyPr spcFirstLastPara="0" vert="horz" wrap="square" lIns="425747" tIns="27940" rIns="27940" bIns="27940" numCol="1" spcCol="1270" anchor="ctr" anchorCtr="0">
+          <a:noAutofit/>
+        </a:bodyPr>
+        <a:lstStyle/>
+        <a:p>
+          <a:pPr marL="0" lvl="0" indent="0" algn="l" defTabSz="488950">
+            <a:lnSpc>
+              <a:spcPct val="90000"/>
+            </a:lnSpc>
+            <a:spcBef>
+              <a:spcPct val="0"/>
+            </a:spcBef>
+            <a:spcAft>
+              <a:spcPct val="35000"/>
+            </a:spcAft>
+            <a:buNone/>
+          </a:pPr>
+          <a:r>
+            <a:rPr lang="en" altLang="en-US" sz="1100" kern="1200"/>
+            <a:t>cheap-eval-source-map</a:t>
+          </a:r>
+          <a:r>
+            <a:rPr lang="zh-CN" altLang="en-US" sz="1100" kern="1200"/>
+            <a:t>：跟</a:t>
+          </a:r>
+          <a:r>
+            <a:rPr lang="en" altLang="en-US" sz="1100" kern="1200"/>
+            <a:t>eval-source-map</a:t>
+          </a:r>
+          <a:r>
+            <a:rPr lang="zh-CN" altLang="en-US" sz="1100" kern="1200"/>
+            <a:t>相同，唯一不同的就是增加了”</a:t>
+          </a:r>
+          <a:r>
+            <a:rPr lang="en" altLang="en-US" sz="1100" kern="1200"/>
+            <a:t>cheap”</a:t>
+          </a:r>
+          <a:r>
+            <a:rPr lang="zh-CN" altLang="en-US" sz="1100" kern="1200"/>
+            <a:t>，”</a:t>
+          </a:r>
+          <a:r>
+            <a:rPr lang="en" altLang="en-US" sz="1100" kern="1200"/>
+            <a:t>cheap”</a:t>
+          </a:r>
+          <a:r>
+            <a:rPr lang="zh-CN" altLang="en-US" sz="1100" kern="1200"/>
+            <a:t>是指忽略了行信息。</a:t>
+          </a:r>
+          <a:endParaRPr lang="zh-CN" altLang="en-US" sz="1100" kern="1200" dirty="0"/>
+        </a:p>
+      </dsp:txBody>
+      <dsp:txXfrm>
+        <a:off x="703546" y="1877449"/>
+        <a:ext cx="5225917" cy="536374"/>
+      </dsp:txXfrm>
+    </dsp:sp>
+    <dsp:sp modelId="{EF32AF8D-696C-F042-9F2C-FAAE2D8FB6CD}">
+      <dsp:nvSpPr>
+        <dsp:cNvPr id="0" name=""/>
+        <dsp:cNvSpPr/>
+      </dsp:nvSpPr>
+      <dsp:spPr>
+        <a:xfrm>
+          <a:off x="368312" y="1810403"/>
+          <a:ext cx="670467" cy="670467"/>
+        </a:xfrm>
+        <a:prstGeom prst="ellipse">
+          <a:avLst/>
+        </a:prstGeom>
+        <a:solidFill>
+          <a:schemeClr val="lt1">
+            <a:hueOff val="0"/>
+            <a:satOff val="0"/>
+            <a:lumOff val="0"/>
+            <a:alphaOff val="0"/>
+          </a:schemeClr>
+        </a:solidFill>
+        <a:ln w="12700" cap="flat" cmpd="sng" algn="ctr">
+          <a:solidFill>
+            <a:schemeClr val="accent1">
+              <a:hueOff val="0"/>
+              <a:satOff val="0"/>
+              <a:lumOff val="0"/>
+              <a:alphaOff val="0"/>
+            </a:schemeClr>
+          </a:solidFill>
+          <a:prstDash val="solid"/>
+          <a:miter lim="800000"/>
+        </a:ln>
+        <a:effectLst/>
+      </dsp:spPr>
+      <dsp:style>
+        <a:lnRef idx="2">
+          <a:scrgbClr r="0" g="0" b="0"/>
+        </a:lnRef>
+        <a:fillRef idx="1">
+          <a:scrgbClr r="0" g="0" b="0"/>
+        </a:fillRef>
+        <a:effectRef idx="0">
+          <a:scrgbClr r="0" g="0" b="0"/>
+        </a:effectRef>
+        <a:fontRef idx="minor"/>
+      </dsp:style>
+    </dsp:sp>
+    <dsp:sp modelId="{996A84B5-1DFA-B14E-BEDC-163507DFE443}">
+      <dsp:nvSpPr>
+        <dsp:cNvPr id="0" name=""/>
+        <dsp:cNvSpPr/>
+      </dsp:nvSpPr>
+      <dsp:spPr>
+        <a:xfrm>
+          <a:off x="396030" y="2682150"/>
+          <a:ext cx="5533433" cy="536374"/>
+        </a:xfrm>
+        <a:prstGeom prst="rect">
+          <a:avLst/>
+        </a:prstGeom>
+        <a:solidFill>
+          <a:schemeClr val="accent1">
+            <a:hueOff val="0"/>
+            <a:satOff val="0"/>
+            <a:lumOff val="0"/>
+            <a:alphaOff val="0"/>
+          </a:schemeClr>
+        </a:solidFill>
+        <a:ln w="12700" cap="flat" cmpd="sng" algn="ctr">
+          <a:solidFill>
+            <a:schemeClr val="lt1">
+              <a:hueOff val="0"/>
+              <a:satOff val="0"/>
+              <a:lumOff val="0"/>
+              <a:alphaOff val="0"/>
+            </a:schemeClr>
+          </a:solidFill>
+          <a:prstDash val="solid"/>
+          <a:miter lim="800000"/>
+        </a:ln>
+        <a:effectLst/>
+      </dsp:spPr>
+      <dsp:style>
+        <a:lnRef idx="2">
+          <a:scrgbClr r="0" g="0" b="0"/>
+        </a:lnRef>
+        <a:fillRef idx="1">
+          <a:scrgbClr r="0" g="0" b="0"/>
+        </a:fillRef>
+        <a:effectRef idx="0">
+          <a:scrgbClr r="0" g="0" b="0"/>
+        </a:effectRef>
+        <a:fontRef idx="minor">
+          <a:schemeClr val="lt1"/>
+        </a:fontRef>
+      </dsp:style>
+      <dsp:txBody>
+        <a:bodyPr spcFirstLastPara="0" vert="horz" wrap="square" lIns="425747" tIns="27940" rIns="27940" bIns="27940" numCol="1" spcCol="1270" anchor="ctr" anchorCtr="0">
+          <a:noAutofit/>
+        </a:bodyPr>
+        <a:lstStyle/>
+        <a:p>
+          <a:pPr marL="0" lvl="0" indent="0" algn="l" defTabSz="488950">
+            <a:lnSpc>
+              <a:spcPct val="90000"/>
+            </a:lnSpc>
+            <a:spcBef>
+              <a:spcPct val="0"/>
+            </a:spcBef>
+            <a:spcAft>
+              <a:spcPct val="35000"/>
+            </a:spcAft>
+            <a:buNone/>
+          </a:pPr>
+          <a:r>
+            <a:rPr lang="en" altLang="en-US" sz="1100" kern="1200" dirty="0"/>
+            <a:t>cheap-module-</a:t>
+          </a:r>
+          <a:r>
+            <a:rPr lang="en" altLang="en-US" sz="1100" kern="1200" dirty="0" err="1"/>
+            <a:t>eval</a:t>
+          </a:r>
+          <a:r>
+            <a:rPr lang="en" altLang="en-US" sz="1100" kern="1200" dirty="0"/>
+            <a:t>-source-map</a:t>
+          </a:r>
+          <a:r>
+            <a:rPr lang="zh-CN" altLang="en-US" sz="1100" kern="1200" dirty="0"/>
+            <a:t>：与</a:t>
+          </a:r>
+          <a:r>
+            <a:rPr lang="en" altLang="en-US" sz="1100" kern="1200" dirty="0"/>
+            <a:t>cheap-</a:t>
+          </a:r>
+          <a:r>
+            <a:rPr lang="en" altLang="en-US" sz="1100" kern="1200" dirty="0" err="1"/>
+            <a:t>eval</a:t>
+          </a:r>
+          <a:r>
+            <a:rPr lang="en" altLang="en-US" sz="1100" kern="1200" dirty="0"/>
+            <a:t>-source-map</a:t>
+          </a:r>
+          <a:r>
+            <a:rPr lang="zh-CN" altLang="en-US" sz="1100" kern="1200" dirty="0"/>
+            <a:t>相同，但是包含了不同</a:t>
+          </a:r>
+          <a:r>
+            <a:rPr lang="en" altLang="en-US" sz="1100" kern="1200" dirty="0"/>
+            <a:t>loader</a:t>
+          </a:r>
+          <a:r>
+            <a:rPr lang="zh-CN" altLang="en-US" sz="1100" kern="1200" dirty="0"/>
+            <a:t>模块之间的</a:t>
+          </a:r>
+          <a:r>
+            <a:rPr lang="en" altLang="en-US" sz="1100" kern="1200" dirty="0" err="1"/>
+            <a:t>sourcemap</a:t>
+          </a:r>
+          <a:endParaRPr lang="zh-CN" altLang="en-US" sz="1100" kern="1200" dirty="0"/>
+        </a:p>
+      </dsp:txBody>
+      <dsp:txXfrm>
+        <a:off x="396030" y="2682150"/>
+        <a:ext cx="5533433" cy="536374"/>
+      </dsp:txXfrm>
+    </dsp:sp>
+    <dsp:sp modelId="{78B95725-FF78-DF4C-A0E3-B3C25B57FFA2}">
+      <dsp:nvSpPr>
+        <dsp:cNvPr id="0" name=""/>
+        <dsp:cNvSpPr/>
+      </dsp:nvSpPr>
+      <dsp:spPr>
+        <a:xfrm>
+          <a:off x="60796" y="2615104"/>
+          <a:ext cx="670467" cy="670467"/>
+        </a:xfrm>
+        <a:prstGeom prst="ellipse">
+          <a:avLst/>
+        </a:prstGeom>
+        <a:solidFill>
+          <a:schemeClr val="lt1">
+            <a:hueOff val="0"/>
+            <a:satOff val="0"/>
+            <a:lumOff val="0"/>
+            <a:alphaOff val="0"/>
+          </a:schemeClr>
+        </a:solidFill>
+        <a:ln w="12700" cap="flat" cmpd="sng" algn="ctr">
+          <a:solidFill>
+            <a:schemeClr val="accent1">
+              <a:hueOff val="0"/>
+              <a:satOff val="0"/>
+              <a:lumOff val="0"/>
+              <a:alphaOff val="0"/>
+            </a:schemeClr>
+          </a:solidFill>
+          <a:prstDash val="solid"/>
+          <a:miter lim="800000"/>
+        </a:ln>
+        <a:effectLst/>
+      </dsp:spPr>
+      <dsp:style>
+        <a:lnRef idx="2">
+          <a:scrgbClr r="0" g="0" b="0"/>
+        </a:lnRef>
+        <a:fillRef idx="1">
+          <a:scrgbClr r="0" g="0" b="0"/>
+        </a:fillRef>
+        <a:effectRef idx="0">
+          <a:scrgbClr r="0" g="0" b="0"/>
+        </a:effectRef>
+        <a:fontRef idx="minor"/>
+      </dsp:style>
+    </dsp:sp>
+  </dsp:spTree>
+</dsp:drawing>
+</file>
+
+<file path=ppt/diagrams/drawing4.xml><?xml version="1.0" encoding="utf-8"?>
+<dsp:drawing xmlns:dgm="http://schemas.openxmlformats.org/drawingml/2006/diagram" xmlns:dsp="http://schemas.microsoft.com/office/drawing/2008/diagram" xmlns:a="http://schemas.openxmlformats.org/drawingml/2006/main">
+  <dsp:spTree>
+    <dsp:nvGrpSpPr>
+      <dsp:cNvPr id="0" name=""/>
+      <dsp:cNvGrpSpPr/>
+    </dsp:nvGrpSpPr>
+    <dsp:grpSpPr/>
     <dsp:sp modelId="{8A6C1889-9338-ED4C-A5F3-5735419ABFC3}">
       <dsp:nvSpPr>
         <dsp:cNvPr id="0" name=""/>
@@ -5884,7 +7773,7 @@
 </dsp:drawing>
 </file>
 
-<file path=ppt/diagrams/drawing4.xml><?xml version="1.0" encoding="utf-8"?>
+<file path=ppt/diagrams/drawing5.xml><?xml version="1.0" encoding="utf-8"?>
 <dsp:drawing xmlns:dgm="http://schemas.openxmlformats.org/drawingml/2006/diagram" xmlns:dsp="http://schemas.microsoft.com/office/drawing/2008/diagram" xmlns:a="http://schemas.openxmlformats.org/drawingml/2006/main">
   <dsp:spTree>
     <dsp:nvGrpSpPr>
@@ -8674,6 +10563,1284 @@
 </file>
 
 <file path=ppt/diagrams/layout3.xml><?xml version="1.0" encoding="utf-8"?>
+<dgm:layoutDef xmlns:dgm="http://schemas.openxmlformats.org/drawingml/2006/diagram" xmlns:a="http://schemas.openxmlformats.org/drawingml/2006/main" uniqueId="urn:microsoft.com/office/officeart/2008/layout/VerticalCurvedList">
+  <dgm:title val=""/>
+  <dgm:desc val=""/>
+  <dgm:catLst>
+    <dgm:cat type="list" pri="20000"/>
+  </dgm:catLst>
+  <dgm:sampData>
+    <dgm:dataModel>
+      <dgm:ptLst>
+        <dgm:pt modelId="0" type="doc"/>
+        <dgm:pt modelId="1">
+          <dgm:prSet phldr="1"/>
+        </dgm:pt>
+        <dgm:pt modelId="2">
+          <dgm:prSet phldr="1"/>
+        </dgm:pt>
+        <dgm:pt modelId="3">
+          <dgm:prSet phldr="1"/>
+        </dgm:pt>
+      </dgm:ptLst>
+      <dgm:cxnLst>
+        <dgm:cxn modelId="4" srcId="0" destId="1" srcOrd="0" destOrd="0"/>
+        <dgm:cxn modelId="5" srcId="0" destId="2" srcOrd="1" destOrd="0"/>
+        <dgm:cxn modelId="6" srcId="0" destId="3" srcOrd="2" destOrd="0"/>
+      </dgm:cxnLst>
+      <dgm:bg/>
+      <dgm:whole/>
+    </dgm:dataModel>
+  </dgm:sampData>
+  <dgm:styleData>
+    <dgm:dataModel>
+      <dgm:ptLst>
+        <dgm:pt modelId="0" type="doc"/>
+        <dgm:pt modelId="1">
+          <dgm:prSet phldr="1"/>
+        </dgm:pt>
+        <dgm:pt modelId="2">
+          <dgm:prSet phldr="1"/>
+        </dgm:pt>
+      </dgm:ptLst>
+      <dgm:cxnLst>
+        <dgm:cxn modelId="3" srcId="0" destId="1" srcOrd="0" destOrd="0"/>
+        <dgm:cxn modelId="4" srcId="0" destId="2" srcOrd="1" destOrd="0"/>
+      </dgm:cxnLst>
+      <dgm:bg/>
+      <dgm:whole/>
+    </dgm:dataModel>
+  </dgm:styleData>
+  <dgm:clrData>
+    <dgm:dataModel>
+      <dgm:ptLst>
+        <dgm:pt modelId="0" type="doc"/>
+        <dgm:pt modelId="1">
+          <dgm:prSet phldr="1"/>
+        </dgm:pt>
+        <dgm:pt modelId="2">
+          <dgm:prSet phldr="1"/>
+        </dgm:pt>
+        <dgm:pt modelId="3">
+          <dgm:prSet phldr="1"/>
+        </dgm:pt>
+        <dgm:pt modelId="4">
+          <dgm:prSet phldr="1"/>
+        </dgm:pt>
+      </dgm:ptLst>
+      <dgm:cxnLst>
+        <dgm:cxn modelId="5" srcId="0" destId="1" srcOrd="0" destOrd="0"/>
+        <dgm:cxn modelId="6" srcId="0" destId="2" srcOrd="1" destOrd="0"/>
+        <dgm:cxn modelId="7" srcId="0" destId="3" srcOrd="2" destOrd="0"/>
+        <dgm:cxn modelId="8" srcId="0" destId="4" srcOrd="3" destOrd="0"/>
+      </dgm:cxnLst>
+      <dgm:bg/>
+      <dgm:whole/>
+    </dgm:dataModel>
+  </dgm:clrData>
+  <dgm:layoutNode name="Name0">
+    <dgm:varLst>
+      <dgm:chMax val="7"/>
+      <dgm:chPref val="7"/>
+      <dgm:dir/>
+    </dgm:varLst>
+    <dgm:alg type="composite"/>
+    <dgm:shape xmlns:r="http://schemas.openxmlformats.org/officeDocument/2006/relationships" r:blip="">
+      <dgm:adjLst/>
+    </dgm:shape>
+    <dgm:constrLst>
+      <dgm:constr type="w" for="ch" refType="h" refFor="ch" op="gte" fact="0.8"/>
+    </dgm:constrLst>
+    <dgm:layoutNode name="Name1">
+      <dgm:alg type="composite"/>
+      <dgm:shape xmlns:r="http://schemas.openxmlformats.org/officeDocument/2006/relationships" r:blip="">
+        <dgm:adjLst/>
+      </dgm:shape>
+      <dgm:choose name="Name2">
+        <dgm:if name="Name3" func="var" arg="dir" op="equ" val="norm">
+          <dgm:choose name="Name4">
+            <dgm:if name="Name5" axis="ch" ptType="node" func="cnt" op="equ" val="1">
+              <dgm:constrLst>
+                <dgm:constr type="h" for="ch" forName="cycle" refType="h"/>
+                <dgm:constr type="w" for="ch" forName="cycle" refType="h" refFor="ch" refForName="cycle" fact="0.26"/>
+                <dgm:constr type="l" for="ch" forName="cycle"/>
+                <dgm:constr type="ctrY" for="ch" forName="cycle" refType="h" fact="0.5"/>
+                <dgm:constr type="diam" for="ch" forName="cycle" refType="h" fact="1.344"/>
+                <dgm:constr type="h" for="ch" forName="accent_1" refType="h" fact="0.625"/>
+                <dgm:constr type="w" for="ch" forName="accent_1" refType="h" refFor="ch" refForName="accent_1" op="equ"/>
+                <dgm:constr type="ctrY" for="ch" forName="accent_1" refType="h" fact="0.5"/>
+                <dgm:constr type="ctrX" for="ch" forName="accent_1" refType="h" fact="0.2253"/>
+                <dgm:constr type="l" for="ch" forName="text_1" refType="ctrX" refFor="ch" refForName="accent_1"/>
+                <dgm:constr type="r" for="ch" forName="text_1" refType="w"/>
+                <dgm:constr type="w" for="ch" forName="text_1" refType="h" refFor="ch" refForName="text_1" op="gte"/>
+                <dgm:constr type="h" for="ch" forName="text_1" refType="h" refFor="ch" refForName="accent_1" fact="0.8"/>
+                <dgm:constr type="ctrY" for="ch" forName="text_1" refType="ctrY" refFor="ch" refForName="accent_1"/>
+                <dgm:constr type="lMarg" for="ch" forName="text_1" refType="w" refFor="ch" refForName="accent_1" fact="1.8"/>
+                <dgm:constr type="primFontSz" for="ch" ptType="node" op="equ" val="65"/>
+              </dgm:constrLst>
+            </dgm:if>
+            <dgm:if name="Name6" axis="ch" ptType="node" func="cnt" op="equ" val="2">
+              <dgm:constrLst>
+                <dgm:constr type="h" for="ch" forName="cycle" refType="h"/>
+                <dgm:constr type="w" for="ch" forName="cycle" refType="h" refFor="ch" refForName="cycle" fact="0.26"/>
+                <dgm:constr type="l" for="ch" forName="cycle"/>
+                <dgm:constr type="ctrY" for="ch" forName="cycle" refType="h" fact="0.5"/>
+                <dgm:constr type="diam" for="ch" forName="cycle" refType="h" fact="1.344"/>
+                <dgm:constr type="h" for="ch" forName="accent_1" refType="h" fact="0.3571"/>
+                <dgm:constr type="w" for="ch" forName="accent_1" refType="h" refFor="ch" refForName="accent_1" op="equ"/>
+                <dgm:constr type="ctrY" for="ch" forName="accent_1" refType="h" fact="0.2857"/>
+                <dgm:constr type="ctrX" for="ch" forName="accent_1" refType="h" fact="0.1891"/>
+                <dgm:constr type="l" for="ch" forName="text_1" refType="ctrX" refFor="ch" refForName="accent_1"/>
+                <dgm:constr type="r" for="ch" forName="text_1" refType="w"/>
+                <dgm:constr type="w" for="ch" forName="text_1" refType="h" refFor="ch" refForName="text_1" op="gte"/>
+                <dgm:constr type="h" for="ch" forName="text_1" refType="h" refFor="ch" refForName="accent_1" fact="0.8"/>
+                <dgm:constr type="ctrY" for="ch" forName="text_1" refType="ctrY" refFor="ch" refForName="accent_1"/>
+                <dgm:constr type="lMarg" for="ch" forName="text_1" refType="w" refFor="ch" refForName="accent_1" fact="1.8"/>
+                <dgm:constr type="h" for="ch" forName="accent_2" refType="h" fact="0.3571"/>
+                <dgm:constr type="w" for="ch" forName="accent_2" refType="h" refFor="ch" refForName="accent_2" op="equ"/>
+                <dgm:constr type="ctrY" for="ch" forName="accent_2" refType="h" fact="0.7143"/>
+                <dgm:constr type="ctrX" for="ch" forName="accent_2" refType="h" fact="0.1891"/>
+                <dgm:constr type="l" for="ch" forName="text_2" refType="ctrX" refFor="ch" refForName="accent_2"/>
+                <dgm:constr type="r" for="ch" forName="text_2" refType="w"/>
+                <dgm:constr type="w" for="ch" forName="text_2" refType="h" refFor="ch" refForName="text_2" op="gte"/>
+                <dgm:constr type="h" for="ch" forName="text_2" refType="h" refFor="ch" refForName="accent_2" fact="0.8"/>
+                <dgm:constr type="ctrY" for="ch" forName="text_2" refType="ctrY" refFor="ch" refForName="accent_2"/>
+                <dgm:constr type="lMarg" for="ch" forName="text_2" refType="w" refFor="ch" refForName="accent_2" fact="1.8"/>
+                <dgm:constr type="primFontSz" for="ch" ptType="node" op="equ" val="65"/>
+              </dgm:constrLst>
+            </dgm:if>
+            <dgm:if name="Name7" axis="ch" ptType="node" func="cnt" op="equ" val="3">
+              <dgm:constrLst>
+                <dgm:constr type="h" for="ch" forName="cycle" refType="h"/>
+                <dgm:constr type="w" for="ch" forName="cycle" refType="h" refFor="ch" refForName="cycle" fact="0.26"/>
+                <dgm:constr type="l" for="ch" forName="cycle"/>
+                <dgm:constr type="ctrY" for="ch" forName="cycle" refType="h" fact="0.5"/>
+                <dgm:constr type="diam" for="ch" forName="cycle" refType="h" fact="1.344"/>
+                <dgm:constr type="h" for="ch" forName="accent_1" refType="h" fact="0.25"/>
+                <dgm:constr type="w" for="ch" forName="accent_1" refType="h" refFor="ch" refForName="accent_1" op="equ"/>
+                <dgm:constr type="ctrY" for="ch" forName="accent_1" refType="h" fact="0.2"/>
+                <dgm:constr type="ctrX" for="ch" forName="accent_1" refType="h" fact="0.1526"/>
+                <dgm:constr type="l" for="ch" forName="text_1" refType="ctrX" refFor="ch" refForName="accent_1"/>
+                <dgm:constr type="r" for="ch" forName="text_1" refType="w"/>
+                <dgm:constr type="w" for="ch" forName="text_1" refType="h" refFor="ch" refForName="text_1" op="gte"/>
+                <dgm:constr type="h" for="ch" forName="text_1" refType="h" refFor="ch" refForName="accent_1" fact="0.8"/>
+                <dgm:constr type="ctrY" for="ch" forName="text_1" refType="ctrY" refFor="ch" refForName="accent_1"/>
+                <dgm:constr type="lMarg" for="ch" forName="text_1" refType="w" refFor="ch" refForName="accent_1" fact="1.8"/>
+                <dgm:constr type="h" for="ch" forName="accent_2" refType="h" fact="0.25"/>
+                <dgm:constr type="w" for="ch" forName="accent_2" refType="h" refFor="ch" refForName="accent_2" op="equ"/>
+                <dgm:constr type="ctrY" for="ch" forName="accent_2" refType="h" fact="0.5"/>
+                <dgm:constr type="ctrX" for="ch" forName="accent_2" refType="h" fact="0.2253"/>
+                <dgm:constr type="l" for="ch" forName="text_2" refType="ctrX" refFor="ch" refForName="accent_2"/>
+                <dgm:constr type="r" for="ch" forName="text_2" refType="w"/>
+                <dgm:constr type="w" for="ch" forName="text_2" refType="h" refFor="ch" refForName="text_2" op="gte"/>
+                <dgm:constr type="h" for="ch" forName="text_2" refType="h" refFor="ch" refForName="accent_2" fact="0.8"/>
+                <dgm:constr type="ctrY" for="ch" forName="text_2" refType="ctrY" refFor="ch" refForName="accent_2"/>
+                <dgm:constr type="lMarg" for="ch" forName="text_2" refType="w" refFor="ch" refForName="accent_2" fact="1.8"/>
+                <dgm:constr type="h" for="ch" forName="accent_3" refType="h" fact="0.25"/>
+                <dgm:constr type="w" for="ch" forName="accent_3" refType="h" refFor="ch" refForName="accent_3" op="equ"/>
+                <dgm:constr type="ctrY" for="ch" forName="accent_3" refType="h" fact="0.8"/>
+                <dgm:constr type="ctrX" for="ch" forName="accent_3" refType="h" fact="0.1526"/>
+                <dgm:constr type="l" for="ch" forName="text_3" refType="ctrX" refFor="ch" refForName="accent_3"/>
+                <dgm:constr type="r" for="ch" forName="text_3" refType="w"/>
+                <dgm:constr type="w" for="ch" forName="text_3" refType="h" refFor="ch" refForName="text_3" op="gte"/>
+                <dgm:constr type="h" for="ch" forName="text_3" refType="h" refFor="ch" refForName="accent_3" fact="0.8"/>
+                <dgm:constr type="ctrY" for="ch" forName="text_3" refType="ctrY" refFor="ch" refForName="accent_3"/>
+                <dgm:constr type="lMarg" for="ch" forName="text_3" refType="w" refFor="ch" refForName="accent_3" fact="1.8"/>
+                <dgm:constr type="primFontSz" for="ch" ptType="node" op="equ" val="65"/>
+              </dgm:constrLst>
+            </dgm:if>
+            <dgm:if name="Name8" axis="ch" ptType="node" func="cnt" op="equ" val="4">
+              <dgm:constrLst>
+                <dgm:constr type="h" for="ch" forName="cycle" refType="h"/>
+                <dgm:constr type="w" for="ch" forName="cycle" refType="h" refFor="ch" refForName="cycle" fact="0.26"/>
+                <dgm:constr type="l" for="ch" forName="cycle"/>
+                <dgm:constr type="ctrY" for="ch" forName="cycle" refType="h" fact="0.5"/>
+                <dgm:constr type="diam" for="ch" forName="cycle" refType="h" fact="1.344"/>
+                <dgm:constr type="h" for="ch" forName="accent_1" refType="h" fact="0.1923"/>
+                <dgm:constr type="w" for="ch" forName="accent_1" refType="h" refFor="ch" refForName="accent_1" op="equ"/>
+                <dgm:constr type="ctrY" for="ch" forName="accent_1" refType="h" fact="0.1538"/>
+                <dgm:constr type="ctrX" for="ch" forName="accent_1" refType="h" fact="0.1268"/>
+                <dgm:constr type="l" for="ch" forName="text_1" refType="ctrX" refFor="ch" refForName="accent_1"/>
+                <dgm:constr type="r" for="ch" forName="text_1" refType="w"/>
+                <dgm:constr type="w" for="ch" forName="text_1" refType="h" refFor="ch" refForName="text_1" op="gte"/>
+                <dgm:constr type="h" for="ch" forName="text_1" refType="h" refFor="ch" refForName="accent_1" fact="0.8"/>
+                <dgm:constr type="ctrY" for="ch" forName="text_1" refType="ctrY" refFor="ch" refForName="accent_1"/>
+                <dgm:constr type="lMarg" for="ch" forName="text_1" refType="w" refFor="ch" refForName="accent_1" fact="1.8"/>
+                <dgm:constr type="h" for="ch" forName="accent_2" refType="h" fact="0.1923"/>
+                <dgm:constr type="w" for="ch" forName="accent_2" refType="h" refFor="ch" refForName="accent_2" op="equ"/>
+                <dgm:constr type="ctrY" for="ch" forName="accent_2" refType="h" fact="0.3846"/>
+                <dgm:constr type="ctrX" for="ch" forName="accent_2" refType="h" fact="0.215"/>
+                <dgm:constr type="l" for="ch" forName="text_2" refType="ctrX" refFor="ch" refForName="accent_2"/>
+                <dgm:constr type="r" for="ch" forName="text_2" refType="w"/>
+                <dgm:constr type="w" for="ch" forName="text_2" refType="h" refFor="ch" refForName="text_2" op="gte"/>
+                <dgm:constr type="h" for="ch" forName="text_2" refType="h" refFor="ch" refForName="accent_2" fact="0.8"/>
+                <dgm:constr type="ctrY" for="ch" forName="text_2" refType="ctrY" refFor="ch" refForName="accent_2"/>
+                <dgm:constr type="lMarg" for="ch" forName="text_2" refType="w" refFor="ch" refForName="accent_2" fact="1.8"/>
+                <dgm:constr type="h" for="ch" forName="accent_3" refType="h" fact="0.1923"/>
+                <dgm:constr type="w" for="ch" forName="accent_3" refType="h" refFor="ch" refForName="accent_3" op="equ"/>
+                <dgm:constr type="ctrY" for="ch" forName="accent_3" refType="h" fact="0.6154"/>
+                <dgm:constr type="ctrX" for="ch" forName="accent_3" refType="h" fact="0.215"/>
+                <dgm:constr type="l" for="ch" forName="text_3" refType="ctrX" refFor="ch" refForName="accent_3"/>
+                <dgm:constr type="r" for="ch" forName="text_3" refType="w"/>
+                <dgm:constr type="w" for="ch" forName="text_3" refType="h" refFor="ch" refForName="text_3" op="gte"/>
+                <dgm:constr type="h" for="ch" forName="text_3" refType="h" refFor="ch" refForName="accent_3" fact="0.8"/>
+                <dgm:constr type="ctrY" for="ch" forName="text_3" refType="ctrY" refFor="ch" refForName="accent_3"/>
+                <dgm:constr type="lMarg" for="ch" forName="text_3" refType="w" refFor="ch" refForName="accent_3" fact="1.8"/>
+                <dgm:constr type="h" for="ch" forName="accent_4" refType="h" fact="0.1923"/>
+                <dgm:constr type="w" for="ch" forName="accent_4" refType="h" refFor="ch" refForName="accent_4" op="equ"/>
+                <dgm:constr type="ctrY" for="ch" forName="accent_4" refType="h" fact="0.8462"/>
+                <dgm:constr type="ctrX" for="ch" forName="accent_4" refType="h" fact="0.1268"/>
+                <dgm:constr type="l" for="ch" forName="text_4" refType="ctrX" refFor="ch" refForName="accent_4"/>
+                <dgm:constr type="r" for="ch" forName="text_4" refType="w"/>
+                <dgm:constr type="w" for="ch" forName="text_4" refType="h" refFor="ch" refForName="text_4" op="gte"/>
+                <dgm:constr type="h" for="ch" forName="text_4" refType="h" refFor="ch" refForName="accent_4" fact="0.8"/>
+                <dgm:constr type="ctrY" for="ch" forName="text_4" refType="ctrY" refFor="ch" refForName="accent_4"/>
+                <dgm:constr type="lMarg" for="ch" forName="text_4" refType="w" refFor="ch" refForName="accent_4" fact="1.8"/>
+                <dgm:constr type="primFontSz" for="ch" ptType="node" op="equ" val="65"/>
+              </dgm:constrLst>
+            </dgm:if>
+            <dgm:if name="Name9" axis="ch" ptType="node" func="cnt" op="equ" val="5">
+              <dgm:constrLst>
+                <dgm:constr type="h" for="ch" forName="cycle" refType="h"/>
+                <dgm:constr type="w" for="ch" forName="cycle" refType="h" refFor="ch" refForName="cycle" fact="0.26"/>
+                <dgm:constr type="l" for="ch" forName="cycle"/>
+                <dgm:constr type="ctrY" for="ch" forName="cycle" refType="h" fact="0.5"/>
+                <dgm:constr type="diam" for="ch" forName="cycle" refType="h" fact="1.344"/>
+                <dgm:constr type="h" for="ch" forName="accent_1" refType="h" fact="0.1563"/>
+                <dgm:constr type="w" for="ch" forName="accent_1" refType="h" refFor="ch" refForName="accent_1" op="equ"/>
+                <dgm:constr type="ctrY" for="ch" forName="accent_1" refType="h" fact="0.125"/>
+                <dgm:constr type="ctrX" for="ch" forName="accent_1" refType="h" fact="0.1082"/>
+                <dgm:constr type="l" for="ch" forName="text_1" refType="ctrX" refFor="ch" refForName="accent_1"/>
+                <dgm:constr type="r" for="ch" forName="text_1" refType="w"/>
+                <dgm:constr type="w" for="ch" forName="text_1" refType="h" refFor="ch" refForName="text_1" op="gte"/>
+                <dgm:constr type="h" for="ch" forName="text_1" refType="h" refFor="ch" refForName="accent_1" fact="0.8"/>
+                <dgm:constr type="ctrY" for="ch" forName="text_1" refType="ctrY" refFor="ch" refForName="accent_1"/>
+                <dgm:constr type="lMarg" for="ch" forName="text_1" refType="w" refFor="ch" refForName="accent_1" fact="1.8"/>
+                <dgm:constr type="h" for="ch" forName="accent_2" refType="h" fact="0.1563"/>
+                <dgm:constr type="w" for="ch" forName="accent_2" refType="h" refFor="ch" refForName="accent_2" op="equ"/>
+                <dgm:constr type="ctrY" for="ch" forName="accent_2" refType="h" fact="0.3125"/>
+                <dgm:constr type="ctrX" for="ch" forName="accent_2" refType="h" fact="0.1978"/>
+                <dgm:constr type="l" for="ch" forName="text_2" refType="ctrX" refFor="ch" refForName="accent_2"/>
+                <dgm:constr type="r" for="ch" forName="text_2" refType="w"/>
+                <dgm:constr type="w" for="ch" forName="text_2" refType="h" refFor="ch" refForName="text_2" op="gte"/>
+                <dgm:constr type="h" for="ch" forName="text_2" refType="h" refFor="ch" refForName="accent_2" fact="0.8"/>
+                <dgm:constr type="ctrY" for="ch" forName="text_2" refType="ctrY" refFor="ch" refForName="accent_2"/>
+                <dgm:constr type="lMarg" for="ch" forName="text_2" refType="w" refFor="ch" refForName="accent_2" fact="1.8"/>
+                <dgm:constr type="h" for="ch" forName="accent_3" refType="h" fact="0.1563"/>
+                <dgm:constr type="w" for="ch" forName="accent_3" refType="h" refFor="ch" refForName="accent_3" op="equ"/>
+                <dgm:constr type="ctrY" for="ch" forName="accent_3" refType="h" fact="0.5"/>
+                <dgm:constr type="ctrX" for="ch" forName="accent_3" refType="h" fact="0.2253"/>
+                <dgm:constr type="l" for="ch" forName="text_3" refType="ctrX" refFor="ch" refForName="accent_3"/>
+                <dgm:constr type="r" for="ch" forName="text_3" refType="w"/>
+                <dgm:constr type="w" for="ch" forName="text_3" refType="h" refFor="ch" refForName="text_3" op="gte"/>
+                <dgm:constr type="h" for="ch" forName="text_3" refType="h" refFor="ch" refForName="accent_3" fact="0.8"/>
+                <dgm:constr type="ctrY" for="ch" forName="text_3" refType="ctrY" refFor="ch" refForName="accent_3"/>
+                <dgm:constr type="lMarg" for="ch" forName="text_3" refType="w" refFor="ch" refForName="accent_3" fact="1.8"/>
+                <dgm:constr type="h" for="ch" forName="accent_4" refType="h" fact="0.1563"/>
+                <dgm:constr type="w" for="ch" forName="accent_4" refType="h" refFor="ch" refForName="accent_4" op="equ"/>
+                <dgm:constr type="ctrY" for="ch" forName="accent_4" refType="h" fact="0.6875"/>
+                <dgm:constr type="ctrX" for="ch" forName="accent_4" refType="h" fact="0.1978"/>
+                <dgm:constr type="l" for="ch" forName="text_4" refType="ctrX" refFor="ch" refForName="accent_4"/>
+                <dgm:constr type="r" for="ch" forName="text_4" refType="w"/>
+                <dgm:constr type="w" for="ch" forName="text_4" refType="h" refFor="ch" refForName="text_4" op="gte"/>
+                <dgm:constr type="h" for="ch" forName="text_4" refType="h" refFor="ch" refForName="accent_4" fact="0.8"/>
+                <dgm:constr type="ctrY" for="ch" forName="text_4" refType="ctrY" refFor="ch" refForName="accent_4"/>
+                <dgm:constr type="lMarg" for="ch" forName="text_4" refType="w" refFor="ch" refForName="accent_4" fact="1.8"/>
+                <dgm:constr type="h" for="ch" forName="accent_5" refType="h" fact="0.1563"/>
+                <dgm:constr type="w" for="ch" forName="accent_5" refType="h" refFor="ch" refForName="accent_5" op="equ"/>
+                <dgm:constr type="ctrY" for="ch" forName="accent_5" refType="h" fact="0.875"/>
+                <dgm:constr type="ctrX" for="ch" forName="accent_5" refType="h" fact="0.1082"/>
+                <dgm:constr type="l" for="ch" forName="text_5" refType="ctrX" refFor="ch" refForName="accent_5"/>
+                <dgm:constr type="r" for="ch" forName="text_5" refType="w"/>
+                <dgm:constr type="w" for="ch" forName="text_5" refType="h" refFor="ch" refForName="text_5" op="gte"/>
+                <dgm:constr type="h" for="ch" forName="text_5" refType="h" refFor="ch" refForName="accent_5" fact="0.8"/>
+                <dgm:constr type="ctrY" for="ch" forName="text_5" refType="ctrY" refFor="ch" refForName="accent_5"/>
+                <dgm:constr type="lMarg" for="ch" forName="text_5" refType="w" refFor="ch" refForName="accent_5" fact="1.8"/>
+                <dgm:constr type="primFontSz" for="ch" ptType="node" op="equ" val="65"/>
+              </dgm:constrLst>
+            </dgm:if>
+            <dgm:if name="Name10" axis="ch" ptType="node" func="cnt" op="equ" val="6">
+              <dgm:constrLst>
+                <dgm:constr type="h" for="ch" forName="cycle" refType="h"/>
+                <dgm:constr type="w" for="ch" forName="cycle" refType="h" refFor="ch" refForName="cycle" fact="0.26"/>
+                <dgm:constr type="l" for="ch" forName="cycle"/>
+                <dgm:constr type="ctrY" for="ch" forName="cycle" refType="h" fact="0.5"/>
+                <dgm:constr type="diam" for="ch" forName="cycle" refType="h" fact="1.344"/>
+                <dgm:constr type="h" for="ch" forName="accent_1" refType="h" fact="0.1316"/>
+                <dgm:constr type="w" for="ch" forName="accent_1" refType="h" refFor="ch" refForName="accent_1" op="equ"/>
+                <dgm:constr type="ctrY" for="ch" forName="accent_1" refType="h" fact="0.1053"/>
+                <dgm:constr type="ctrX" for="ch" forName="accent_1" refType="h" fact="0.0943"/>
+                <dgm:constr type="l" for="ch" forName="text_1" refType="ctrX" refFor="ch" refForName="accent_1"/>
+                <dgm:constr type="r" for="ch" forName="text_1" refType="w"/>
+                <dgm:constr type="w" for="ch" forName="text_1" refType="h" refFor="ch" refForName="text_1" op="gte"/>
+                <dgm:constr type="h" for="ch" forName="text_1" refType="h" refFor="ch" refForName="accent_1" fact="0.8"/>
+                <dgm:constr type="ctrY" for="ch" forName="text_1" refType="ctrY" refFor="ch" refForName="accent_1"/>
+                <dgm:constr type="lMarg" for="ch" forName="text_1" refType="w" refFor="ch" refForName="accent_1" fact="1.8"/>
+                <dgm:constr type="h" for="ch" forName="accent_2" refType="h" fact="0.1316"/>
+                <dgm:constr type="w" for="ch" forName="accent_2" refType="h" refFor="ch" refForName="accent_2" op="equ"/>
+                <dgm:constr type="ctrY" for="ch" forName="accent_2" refType="h" fact="0.2632"/>
+                <dgm:constr type="ctrX" for="ch" forName="accent_2" refType="h" fact="0.1809"/>
+                <dgm:constr type="l" for="ch" forName="text_2" refType="ctrX" refFor="ch" refForName="accent_2"/>
+                <dgm:constr type="r" for="ch" forName="text_2" refType="w"/>
+                <dgm:constr type="w" for="ch" forName="text_2" refType="h" refFor="ch" refForName="text_2" op="gte"/>
+                <dgm:constr type="h" for="ch" forName="text_2" refType="h" refFor="ch" refForName="accent_2" fact="0.8"/>
+                <dgm:constr type="ctrY" for="ch" forName="text_2" refType="ctrY" refFor="ch" refForName="accent_2"/>
+                <dgm:constr type="lMarg" for="ch" forName="text_2" refType="w" refFor="ch" refForName="accent_2" fact="1.8"/>
+                <dgm:constr type="h" for="ch" forName="accent_3" refType="h" fact="0.1316"/>
+                <dgm:constr type="w" for="ch" forName="accent_3" refType="h" refFor="ch" refForName="accent_3" op="equ"/>
+                <dgm:constr type="ctrY" for="ch" forName="accent_3" refType="h" fact="0.4211"/>
+                <dgm:constr type="ctrX" for="ch" forName="accent_3" refType="h" fact="0.2205"/>
+                <dgm:constr type="l" for="ch" forName="text_3" refType="ctrX" refFor="ch" refForName="accent_3"/>
+                <dgm:constr type="r" for="ch" forName="text_3" refType="w"/>
+                <dgm:constr type="w" for="ch" forName="text_3" refType="h" refFor="ch" refForName="text_3" op="gte"/>
+                <dgm:constr type="h" for="ch" forName="text_3" refType="h" refFor="ch" refForName="accent_3" fact="0.8"/>
+                <dgm:constr type="ctrY" for="ch" forName="text_3" refType="ctrY" refFor="ch" refForName="accent_3"/>
+                <dgm:constr type="lMarg" for="ch" forName="text_3" refType="w" refFor="ch" refForName="accent_3" fact="1.8"/>
+                <dgm:constr type="h" for="ch" forName="accent_4" refType="h" fact="0.1316"/>
+                <dgm:constr type="w" for="ch" forName="accent_4" refType="h" refFor="ch" refForName="accent_4" op="equ"/>
+                <dgm:constr type="ctrY" for="ch" forName="accent_4" refType="h" fact="0.5789"/>
+                <dgm:constr type="ctrX" for="ch" forName="accent_4" refType="h" fact="0.2205"/>
+                <dgm:constr type="l" for="ch" forName="text_4" refType="ctrX" refFor="ch" refForName="accent_4"/>
+                <dgm:constr type="r" for="ch" forName="text_4" refType="w"/>
+                <dgm:constr type="w" for="ch" forName="text_4" refType="h" refFor="ch" refForName="text_4" op="gte"/>
+                <dgm:constr type="h" for="ch" forName="text_4" refType="h" refFor="ch" refForName="accent_4" fact="0.8"/>
+                <dgm:constr type="ctrY" for="ch" forName="text_4" refType="ctrY" refFor="ch" refForName="accent_4"/>
+                <dgm:constr type="lMarg" for="ch" forName="text_4" refType="w" refFor="ch" refForName="accent_4" fact="1.8"/>
+                <dgm:constr type="h" for="ch" forName="accent_5" refType="h" fact="0.1316"/>
+                <dgm:constr type="w" for="ch" forName="accent_5" refType="h" refFor="ch" refForName="accent_5" op="equ"/>
+                <dgm:constr type="ctrY" for="ch" forName="accent_5" refType="h" fact="0.7368"/>
+                <dgm:constr type="ctrX" for="ch" forName="accent_5" refType="h" fact="0.1809"/>
+                <dgm:constr type="l" for="ch" forName="text_5" refType="ctrX" refFor="ch" refForName="accent_5"/>
+                <dgm:constr type="r" for="ch" forName="text_5" refType="w"/>
+                <dgm:constr type="w" for="ch" forName="text_5" refType="h" refFor="ch" refForName="text_5" op="gte"/>
+                <dgm:constr type="h" for="ch" forName="text_5" refType="h" refFor="ch" refForName="accent_5" fact="0.8"/>
+                <dgm:constr type="ctrY" for="ch" forName="text_5" refType="ctrY" refFor="ch" refForName="accent_5"/>
+                <dgm:constr type="lMarg" for="ch" forName="text_5" refType="w" refFor="ch" refForName="accent_5" fact="1.8"/>
+                <dgm:constr type="h" for="ch" forName="accent_6" refType="h" fact="0.1316"/>
+                <dgm:constr type="w" for="ch" forName="accent_6" refType="h" refFor="ch" refForName="accent_6" op="equ"/>
+                <dgm:constr type="ctrY" for="ch" forName="accent_6" refType="h" fact="0.8947"/>
+                <dgm:constr type="ctrX" for="ch" forName="accent_6" refType="h" fact="0.0943"/>
+                <dgm:constr type="l" for="ch" forName="text_6" refType="ctrX" refFor="ch" refForName="accent_6"/>
+                <dgm:constr type="r" for="ch" forName="text_6" refType="w"/>
+                <dgm:constr type="w" for="ch" forName="text_6" refType="h" refFor="ch" refForName="text_6" op="gte"/>
+                <dgm:constr type="h" for="ch" forName="text_6" refType="h" refFor="ch" refForName="accent_6" fact="0.8"/>
+                <dgm:constr type="ctrY" for="ch" forName="text_6" refType="ctrY" refFor="ch" refForName="accent_6"/>
+                <dgm:constr type="lMarg" for="ch" forName="text_6" refType="w" refFor="ch" refForName="accent_6" fact="1.8"/>
+                <dgm:constr type="primFontSz" for="ch" ptType="node" op="equ" val="65"/>
+              </dgm:constrLst>
+            </dgm:if>
+            <dgm:else name="Name11">
+              <dgm:constrLst>
+                <dgm:constr type="h" for="ch" forName="cycle" refType="h"/>
+                <dgm:constr type="w" for="ch" forName="cycle" refType="h" refFor="ch" refForName="cycle" fact="0.26"/>
+                <dgm:constr type="l" for="ch" forName="cycle"/>
+                <dgm:constr type="ctrY" for="ch" forName="cycle" refType="h" fact="0.5"/>
+                <dgm:constr type="diam" for="ch" forName="cycle" refType="h" fact="1.344"/>
+                <dgm:constr type="h" for="ch" forName="accent_1" refType="h" fact="0.1136"/>
+                <dgm:constr type="w" for="ch" forName="accent_1" refType="h" refFor="ch" refForName="accent_1" op="equ"/>
+                <dgm:constr type="ctrY" for="ch" forName="accent_1" refType="h" fact="0.0909"/>
+                <dgm:constr type="ctrX" for="ch" forName="accent_1" refType="h" fact="0.0835"/>
+                <dgm:constr type="l" for="ch" forName="text_1" refType="ctrX" refFor="ch" refForName="accent_1"/>
+                <dgm:constr type="r" for="ch" forName="text_1" refType="w"/>
+                <dgm:constr type="w" for="ch" forName="text_1" refType="h" refFor="ch" refForName="text_1" op="gte"/>
+                <dgm:constr type="h" for="ch" forName="text_1" refType="h" refFor="ch" refForName="accent_1" fact="0.8"/>
+                <dgm:constr type="ctrY" for="ch" forName="text_1" refType="ctrY" refFor="ch" refForName="accent_1"/>
+                <dgm:constr type="lMarg" for="ch" forName="text_1" refType="w" refFor="ch" refForName="accent_1" fact="1.8"/>
+                <dgm:constr type="h" for="ch" forName="accent_2" refType="h" fact="0.1136"/>
+                <dgm:constr type="w" for="ch" forName="accent_2" refType="h" refFor="ch" refForName="accent_2" op="equ"/>
+                <dgm:constr type="ctrY" for="ch" forName="accent_2" refType="h" fact="0.2273"/>
+                <dgm:constr type="ctrX" for="ch" forName="accent_2" refType="h" fact="0.1658"/>
+                <dgm:constr type="l" for="ch" forName="text_2" refType="ctrX" refFor="ch" refForName="accent_2"/>
+                <dgm:constr type="r" for="ch" forName="text_2" refType="w"/>
+                <dgm:constr type="w" for="ch" forName="text_2" refType="h" refFor="ch" refForName="text_2" op="gte"/>
+                <dgm:constr type="h" for="ch" forName="text_2" refType="h" refFor="ch" refForName="accent_2" fact="0.8"/>
+                <dgm:constr type="ctrY" for="ch" forName="text_2" refType="ctrY" refFor="ch" refForName="accent_2"/>
+                <dgm:constr type="lMarg" for="ch" forName="text_2" refType="w" refFor="ch" refForName="accent_2" fact="1.8"/>
+                <dgm:constr type="h" for="ch" forName="accent_3" refType="h" fact="0.1136"/>
+                <dgm:constr type="w" for="ch" forName="accent_3" refType="h" refFor="ch" refForName="accent_3" op="equ"/>
+                <dgm:constr type="ctrY" for="ch" forName="accent_3" refType="h" fact="0.3636"/>
+                <dgm:constr type="ctrX" for="ch" forName="accent_3" refType="h" fact="0.2109"/>
+                <dgm:constr type="l" for="ch" forName="text_3" refType="ctrX" refFor="ch" refForName="accent_3"/>
+                <dgm:constr type="r" for="ch" forName="text_3" refType="w"/>
+                <dgm:constr type="w" for="ch" forName="text_3" refType="h" refFor="ch" refForName="text_3" op="gte"/>
+                <dgm:constr type="h" for="ch" forName="text_3" refType="h" refFor="ch" refForName="accent_3" fact="0.8"/>
+                <dgm:constr type="ctrY" for="ch" forName="text_3" refType="ctrY" refFor="ch" refForName="accent_3"/>
+                <dgm:constr type="lMarg" for="ch" forName="text_3" refType="w" refFor="ch" refForName="accent_3" fact="1.8"/>
+                <dgm:constr type="h" for="ch" forName="accent_4" refType="h" fact="0.1136"/>
+                <dgm:constr type="w" for="ch" forName="accent_4" refType="h" refFor="ch" refForName="accent_4" op="equ"/>
+                <dgm:constr type="ctrY" for="ch" forName="accent_4" refType="h" fact="0.5"/>
+                <dgm:constr type="ctrX" for="ch" forName="accent_4" refType="h" fact="0.2253"/>
+                <dgm:constr type="l" for="ch" forName="text_4" refType="ctrX" refFor="ch" refForName="accent_4"/>
+                <dgm:constr type="r" for="ch" forName="text_4" refType="w"/>
+                <dgm:constr type="w" for="ch" forName="text_4" refType="h" refFor="ch" refForName="text_4" op="gte"/>
+                <dgm:constr type="h" for="ch" forName="text_4" refType="h" refFor="ch" refForName="accent_4" fact="0.8"/>
+                <dgm:constr type="ctrY" for="ch" forName="text_4" refType="ctrY" refFor="ch" refForName="accent_4"/>
+                <dgm:constr type="lMarg" for="ch" forName="text_4" refType="w" refFor="ch" refForName="accent_4" fact="1.8"/>
+                <dgm:constr type="h" for="ch" forName="accent_5" refType="h" fact="0.1136"/>
+                <dgm:constr type="w" for="ch" forName="accent_5" refType="h" refFor="ch" refForName="accent_5" op="equ"/>
+                <dgm:constr type="ctrY" for="ch" forName="accent_5" refType="h" fact="0.6364"/>
+                <dgm:constr type="ctrX" for="ch" forName="accent_5" refType="h" fact="0.2109"/>
+                <dgm:constr type="l" for="ch" forName="text_5" refType="ctrX" refFor="ch" refForName="accent_5"/>
+                <dgm:constr type="r" for="ch" forName="text_5" refType="w"/>
+                <dgm:constr type="w" for="ch" forName="text_5" refType="h" refFor="ch" refForName="text_5" op="gte"/>
+                <dgm:constr type="h" for="ch" forName="text_5" refType="h" refFor="ch" refForName="accent_5" fact="0.8"/>
+                <dgm:constr type="ctrY" for="ch" forName="text_5" refType="ctrY" refFor="ch" refForName="accent_5"/>
+                <dgm:constr type="lMarg" for="ch" forName="text_5" refType="w" refFor="ch" refForName="accent_5" fact="1.8"/>
+                <dgm:constr type="h" for="ch" forName="accent_6" refType="h" fact="0.1136"/>
+                <dgm:constr type="w" for="ch" forName="accent_6" refType="h" refFor="ch" refForName="accent_6" op="equ"/>
+                <dgm:constr type="ctrY" for="ch" forName="accent_6" refType="h" fact="0.7727"/>
+                <dgm:constr type="ctrX" for="ch" forName="accent_6" refType="h" fact="0.1658"/>
+                <dgm:constr type="l" for="ch" forName="text_6" refType="ctrX" refFor="ch" refForName="accent_6"/>
+                <dgm:constr type="r" for="ch" forName="text_6" refType="w"/>
+                <dgm:constr type="w" for="ch" forName="text_6" refType="h" refFor="ch" refForName="text_6" op="gte"/>
+                <dgm:constr type="h" for="ch" forName="text_6" refType="h" refFor="ch" refForName="accent_6" fact="0.8"/>
+                <dgm:constr type="ctrY" for="ch" forName="text_6" refType="ctrY" refFor="ch" refForName="accent_6"/>
+                <dgm:constr type="lMarg" for="ch" forName="text_6" refType="w" refFor="ch" refForName="accent_6" fact="1.8"/>
+                <dgm:constr type="h" for="ch" forName="accent_7" refType="h" fact="0.1136"/>
+                <dgm:constr type="w" for="ch" forName="accent_7" refType="h" refFor="ch" refForName="accent_7" op="equ"/>
+                <dgm:constr type="ctrY" for="ch" forName="accent_7" refType="h" fact="0.9091"/>
+                <dgm:constr type="ctrX" for="ch" forName="accent_7" refType="h" fact="0.0835"/>
+                <dgm:constr type="l" for="ch" forName="text_7" refType="ctrX" refFor="ch" refForName="accent_7"/>
+                <dgm:constr type="r" for="ch" forName="text_7" refType="w"/>
+                <dgm:constr type="w" for="ch" forName="text_7" refType="h" refFor="ch" refForName="text_7" op="gte"/>
+                <dgm:constr type="h" for="ch" forName="text_7" refType="h" refFor="ch" refForName="accent_7" fact="0.8"/>
+                <dgm:constr type="ctrY" for="ch" forName="text_7" refType="ctrY" refFor="ch" refForName="accent_7"/>
+                <dgm:constr type="lMarg" for="ch" forName="text_7" refType="w" refFor="ch" refForName="accent_7" fact="1.8"/>
+                <dgm:constr type="primFontSz" for="ch" ptType="node" op="equ" val="65"/>
+              </dgm:constrLst>
+            </dgm:else>
+          </dgm:choose>
+        </dgm:if>
+        <dgm:else name="Name12">
+          <dgm:choose name="Name13">
+            <dgm:if name="Name14" axis="ch" ptType="node" func="cnt" op="equ" val="1">
+              <dgm:constrLst>
+                <dgm:constr type="h" for="ch" forName="cycle" refType="h"/>
+                <dgm:constr type="w" for="ch" forName="cycle" refType="h" refFor="ch" refForName="cycle" fact="0.26"/>
+                <dgm:constr type="r" for="ch" forName="cycle" refType="w"/>
+                <dgm:constr type="ctrY" for="ch" forName="cycle" refType="h" fact="0.5"/>
+                <dgm:constr type="diam" for="ch" forName="cycle" refType="h" fact="1.344"/>
+                <dgm:constr type="h" for="ch" forName="accent_1" refType="h" fact="0.625"/>
+                <dgm:constr type="w" for="ch" forName="accent_1" refType="h" refFor="ch" refForName="accent_1" op="equ"/>
+                <dgm:constr type="ctrY" for="ch" forName="accent_1" refType="h" fact="0.5"/>
+                <dgm:constr type="ctrX" for="ch" forName="accent_1" refType="w"/>
+                <dgm:constr type="ctrXOff" for="ch" forName="accent_1" refType="h" fact="-0.2253"/>
+                <dgm:constr type="r" for="ch" forName="text_1" refType="ctrX" refFor="ch" refForName="accent_1"/>
+                <dgm:constr type="rOff" for="ch" forName="text_1" refType="ctrXOff" refFor="ch" refForName="accent_1"/>
+                <dgm:constr type="l" for="ch" forName="text_1"/>
+                <dgm:constr type="w" for="ch" forName="text_1" refType="h" refFor="ch" refForName="text_1" op="gte"/>
+                <dgm:constr type="h" for="ch" forName="text_1" refType="h" refFor="ch" refForName="accent_1" fact="0.8"/>
+                <dgm:constr type="ctrY" for="ch" forName="text_1" refType="ctrY" refFor="ch" refForName="accent_1"/>
+                <dgm:constr type="rMarg" for="ch" forName="text_1" refType="w" refFor="ch" refForName="accent_1" fact="1.8"/>
+                <dgm:constr type="primFontSz" for="ch" ptType="node" op="equ" val="65"/>
+              </dgm:constrLst>
+            </dgm:if>
+            <dgm:if name="Name15" axis="ch" ptType="node" func="cnt" op="equ" val="2">
+              <dgm:constrLst>
+                <dgm:constr type="h" for="ch" forName="cycle" refType="h"/>
+                <dgm:constr type="w" for="ch" forName="cycle" refType="h" refFor="ch" refForName="cycle" fact="0.26"/>
+                <dgm:constr type="r" for="ch" forName="cycle" refType="w"/>
+                <dgm:constr type="ctrY" for="ch" forName="cycle" refType="h" fact="0.5"/>
+                <dgm:constr type="diam" for="ch" forName="cycle" refType="h" fact="1.344"/>
+                <dgm:constr type="h" for="ch" forName="accent_1" refType="h" fact="0.3571"/>
+                <dgm:constr type="w" for="ch" forName="accent_1" refType="h" refFor="ch" refForName="accent_1" op="equ"/>
+                <dgm:constr type="ctrY" for="ch" forName="accent_1" refType="h" fact="0.2857"/>
+                <dgm:constr type="ctrX" for="ch" forName="accent_1" refType="w"/>
+                <dgm:constr type="ctrXOff" for="ch" forName="accent_1" refType="h" fact="-0.1891"/>
+                <dgm:constr type="r" for="ch" forName="text_1" refType="ctrX" refFor="ch" refForName="accent_1"/>
+                <dgm:constr type="rOff" for="ch" forName="text_1" refType="ctrXOff" refFor="ch" refForName="accent_1"/>
+                <dgm:constr type="l" for="ch" forName="text_1"/>
+                <dgm:constr type="w" for="ch" forName="text_1" refType="h" refFor="ch" refForName="text_1" op="gte"/>
+                <dgm:constr type="h" for="ch" forName="text_1" refType="h" refFor="ch" refForName="accent_1" fact="0.8"/>
+                <dgm:constr type="ctrY" for="ch" forName="text_1" refType="ctrY" refFor="ch" refForName="accent_1"/>
+                <dgm:constr type="rMarg" for="ch" forName="text_1" refType="w" refFor="ch" refForName="accent_1" fact="1.8"/>
+                <dgm:constr type="h" for="ch" forName="accent_2" refType="h" fact="0.3571"/>
+                <dgm:constr type="w" for="ch" forName="accent_2" refType="h" refFor="ch" refForName="accent_2" op="equ"/>
+                <dgm:constr type="ctrY" for="ch" forName="accent_2" refType="h" fact="0.7143"/>
+                <dgm:constr type="ctrX" for="ch" forName="accent_2" refType="w"/>
+                <dgm:constr type="ctrXOff" for="ch" forName="accent_2" refType="h" fact="-0.1891"/>
+                <dgm:constr type="r" for="ch" forName="text_2" refType="ctrX" refFor="ch" refForName="accent_2"/>
+                <dgm:constr type="rOff" for="ch" forName="text_2" refType="ctrXOff" refFor="ch" refForName="accent_2"/>
+                <dgm:constr type="l" for="ch" forName="text_2"/>
+                <dgm:constr type="w" for="ch" forName="text_2" refType="h" refFor="ch" refForName="text_2" op="gte"/>
+                <dgm:constr type="h" for="ch" forName="text_2" refType="h" refFor="ch" refForName="accent_2" fact="0.8"/>
+                <dgm:constr type="ctrY" for="ch" forName="text_2" refType="ctrY" refFor="ch" refForName="accent_2"/>
+                <dgm:constr type="rMarg" for="ch" forName="text_2" refType="w" refFor="ch" refForName="accent_2" fact="1.8"/>
+                <dgm:constr type="primFontSz" for="ch" ptType="node" op="equ" val="65"/>
+              </dgm:constrLst>
+            </dgm:if>
+            <dgm:if name="Name16" axis="ch" ptType="node" func="cnt" op="equ" val="3">
+              <dgm:constrLst>
+                <dgm:constr type="h" for="ch" forName="cycle" refType="h"/>
+                <dgm:constr type="w" for="ch" forName="cycle" refType="h" refFor="ch" refForName="cycle" fact="0.26"/>
+                <dgm:constr type="r" for="ch" forName="cycle" refType="w"/>
+                <dgm:constr type="ctrY" for="ch" forName="cycle" refType="h" fact="0.5"/>
+                <dgm:constr type="diam" for="ch" forName="cycle" refType="h" fact="1.344"/>
+                <dgm:constr type="h" for="ch" forName="accent_1" refType="h" fact="0.25"/>
+                <dgm:constr type="w" for="ch" forName="accent_1" refType="h" refFor="ch" refForName="accent_1" op="equ"/>
+                <dgm:constr type="ctrY" for="ch" forName="accent_1" refType="h" fact="0.2"/>
+                <dgm:constr type="ctrX" for="ch" forName="accent_1" refType="w"/>
+                <dgm:constr type="ctrXOff" for="ch" forName="accent_1" refType="h" fact="-0.1526"/>
+                <dgm:constr type="r" for="ch" forName="text_1" refType="ctrX" refFor="ch" refForName="accent_1"/>
+                <dgm:constr type="rOff" for="ch" forName="text_1" refType="ctrXOff" refFor="ch" refForName="accent_1"/>
+                <dgm:constr type="l" for="ch" forName="text_1"/>
+                <dgm:constr type="w" for="ch" forName="text_1" refType="h" refFor="ch" refForName="text_1" op="gte"/>
+                <dgm:constr type="h" for="ch" forName="text_1" refType="h" refFor="ch" refForName="accent_1" fact="0.8"/>
+                <dgm:constr type="ctrY" for="ch" forName="text_1" refType="ctrY" refFor="ch" refForName="accent_1"/>
+                <dgm:constr type="rMarg" for="ch" forName="text_1" refType="w" refFor="ch" refForName="accent_1" fact="1.8"/>
+                <dgm:constr type="h" for="ch" forName="accent_2" refType="h" fact="0.25"/>
+                <dgm:constr type="w" for="ch" forName="accent_2" refType="h" refFor="ch" refForName="accent_2" op="equ"/>
+                <dgm:constr type="ctrY" for="ch" forName="accent_2" refType="h" fact="0.5"/>
+                <dgm:constr type="ctrX" for="ch" forName="accent_2" refType="w"/>
+                <dgm:constr type="ctrXOff" for="ch" forName="accent_2" refType="h" fact="-0.2253"/>
+                <dgm:constr type="r" for="ch" forName="text_2" refType="ctrX" refFor="ch" refForName="accent_2"/>
+                <dgm:constr type="rOff" for="ch" forName="text_2" refType="ctrXOff" refFor="ch" refForName="accent_2"/>
+                <dgm:constr type="l" for="ch" forName="text_2"/>
+                <dgm:constr type="w" for="ch" forName="text_2" refType="h" refFor="ch" refForName="text_2" op="gte"/>
+                <dgm:constr type="h" for="ch" forName="text_2" refType="h" refFor="ch" refForName="accent_2" fact="0.8"/>
+                <dgm:constr type="ctrY" for="ch" forName="text_2" refType="ctrY" refFor="ch" refForName="accent_2"/>
+                <dgm:constr type="rMarg" for="ch" forName="text_2" refType="w" refFor="ch" refForName="accent_2" fact="1.8"/>
+                <dgm:constr type="h" for="ch" forName="accent_3" refType="h" fact="0.25"/>
+                <dgm:constr type="w" for="ch" forName="accent_3" refType="h" refFor="ch" refForName="accent_3" op="equ"/>
+                <dgm:constr type="ctrY" for="ch" forName="accent_3" refType="h" fact="0.8"/>
+                <dgm:constr type="ctrX" for="ch" forName="accent_3" refType="w"/>
+                <dgm:constr type="ctrXOff" for="ch" forName="accent_3" refType="h" fact="-0.1526"/>
+                <dgm:constr type="r" for="ch" forName="text_3" refType="ctrX" refFor="ch" refForName="accent_3"/>
+                <dgm:constr type="rOff" for="ch" forName="text_3" refType="ctrXOff" refFor="ch" refForName="accent_3"/>
+                <dgm:constr type="l" for="ch" forName="text_3"/>
+                <dgm:constr type="w" for="ch" forName="text_3" refType="h" refFor="ch" refForName="text_3" op="gte"/>
+                <dgm:constr type="h" for="ch" forName="text_3" refType="h" refFor="ch" refForName="accent_3" fact="0.8"/>
+                <dgm:constr type="ctrY" for="ch" forName="text_3" refType="ctrY" refFor="ch" refForName="accent_3"/>
+                <dgm:constr type="rMarg" for="ch" forName="text_3" refType="w" refFor="ch" refForName="accent_3" fact="1.8"/>
+                <dgm:constr type="primFontSz" for="ch" ptType="node" op="equ" val="65"/>
+              </dgm:constrLst>
+            </dgm:if>
+            <dgm:if name="Name17" axis="ch" ptType="node" func="cnt" op="equ" val="4">
+              <dgm:constrLst>
+                <dgm:constr type="h" for="ch" forName="cycle" refType="h"/>
+                <dgm:constr type="w" for="ch" forName="cycle" refType="h" refFor="ch" refForName="cycle" fact="0.26"/>
+                <dgm:constr type="r" for="ch" forName="cycle" refType="w"/>
+                <dgm:constr type="ctrY" for="ch" forName="cycle" refType="h" fact="0.5"/>
+                <dgm:constr type="diam" for="ch" forName="cycle" refType="h" fact="1.344"/>
+                <dgm:constr type="h" for="ch" forName="accent_1" refType="h" fact="0.1923"/>
+                <dgm:constr type="w" for="ch" forName="accent_1" refType="h" refFor="ch" refForName="accent_1" op="equ"/>
+                <dgm:constr type="ctrY" for="ch" forName="accent_1" refType="h" fact="0.1538"/>
+                <dgm:constr type="ctrX" for="ch" forName="accent_1" refType="w"/>
+                <dgm:constr type="ctrXOff" for="ch" forName="accent_1" refType="h" fact="-0.1268"/>
+                <dgm:constr type="r" for="ch" forName="text_1" refType="ctrX" refFor="ch" refForName="accent_1"/>
+                <dgm:constr type="rOff" for="ch" forName="text_1" refType="ctrXOff" refFor="ch" refForName="accent_1"/>
+                <dgm:constr type="l" for="ch" forName="text_1"/>
+                <dgm:constr type="w" for="ch" forName="text_1" refType="h" refFor="ch" refForName="text_1" op="gte"/>
+                <dgm:constr type="h" for="ch" forName="text_1" refType="h" refFor="ch" refForName="accent_1" fact="0.8"/>
+                <dgm:constr type="ctrY" for="ch" forName="text_1" refType="ctrY" refFor="ch" refForName="accent_1"/>
+                <dgm:constr type="rMarg" for="ch" forName="text_1" refType="w" refFor="ch" refForName="accent_1" fact="1.8"/>
+                <dgm:constr type="h" for="ch" forName="accent_2" refType="h" fact="0.1923"/>
+                <dgm:constr type="w" for="ch" forName="accent_2" refType="h" refFor="ch" refForName="accent_2" op="equ"/>
+                <dgm:constr type="ctrY" for="ch" forName="accent_2" refType="h" fact="0.3846"/>
+                <dgm:constr type="ctrX" for="ch" forName="accent_2" refType="w"/>
+                <dgm:constr type="ctrXOff" for="ch" forName="accent_2" refType="h" fact="-0.215"/>
+                <dgm:constr type="r" for="ch" forName="text_2" refType="ctrX" refFor="ch" refForName="accent_2"/>
+                <dgm:constr type="rOff" for="ch" forName="text_2" refType="ctrXOff" refFor="ch" refForName="accent_2"/>
+                <dgm:constr type="l" for="ch" forName="text_2"/>
+                <dgm:constr type="w" for="ch" forName="text_2" refType="h" refFor="ch" refForName="text_2" op="gte"/>
+                <dgm:constr type="h" for="ch" forName="text_2" refType="h" refFor="ch" refForName="accent_2" fact="0.8"/>
+                <dgm:constr type="ctrY" for="ch" forName="text_2" refType="ctrY" refFor="ch" refForName="accent_2"/>
+                <dgm:constr type="rMarg" for="ch" forName="text_2" refType="w" refFor="ch" refForName="accent_2" fact="1.8"/>
+                <dgm:constr type="h" for="ch" forName="accent_3" refType="h" fact="0.1923"/>
+                <dgm:constr type="w" for="ch" forName="accent_3" refType="h" refFor="ch" refForName="accent_3" op="equ"/>
+                <dgm:constr type="ctrY" for="ch" forName="accent_3" refType="h" fact="0.6154"/>
+                <dgm:constr type="ctrX" for="ch" forName="accent_3" refType="w"/>
+                <dgm:constr type="ctrXOff" for="ch" forName="accent_3" refType="h" fact="-0.215"/>
+                <dgm:constr type="r" for="ch" forName="text_3" refType="ctrX" refFor="ch" refForName="accent_3"/>
+                <dgm:constr type="rOff" for="ch" forName="text_3" refType="ctrXOff" refFor="ch" refForName="accent_3"/>
+                <dgm:constr type="l" for="ch" forName="text_3"/>
+                <dgm:constr type="w" for="ch" forName="text_3" refType="h" refFor="ch" refForName="text_3" op="gte"/>
+                <dgm:constr type="h" for="ch" forName="text_3" refType="h" refFor="ch" refForName="accent_3" fact="0.8"/>
+                <dgm:constr type="ctrY" for="ch" forName="text_3" refType="ctrY" refFor="ch" refForName="accent_3"/>
+                <dgm:constr type="rMarg" for="ch" forName="text_3" refType="w" refFor="ch" refForName="accent_3" fact="1.8"/>
+                <dgm:constr type="h" for="ch" forName="accent_4" refType="h" fact="0.1923"/>
+                <dgm:constr type="w" for="ch" forName="accent_4" refType="h" refFor="ch" refForName="accent_4" op="equ"/>
+                <dgm:constr type="ctrY" for="ch" forName="accent_4" refType="h" fact="0.8462"/>
+                <dgm:constr type="ctrX" for="ch" forName="accent_4" refType="w"/>
+                <dgm:constr type="ctrXOff" for="ch" forName="accent_4" refType="h" fact="-0.1268"/>
+                <dgm:constr type="r" for="ch" forName="text_4" refType="ctrX" refFor="ch" refForName="accent_4"/>
+                <dgm:constr type="rOff" for="ch" forName="text_4" refType="ctrXOff" refFor="ch" refForName="accent_4"/>
+                <dgm:constr type="l" for="ch" forName="text_4"/>
+                <dgm:constr type="w" for="ch" forName="text_4" refType="h" refFor="ch" refForName="text_4" op="gte"/>
+                <dgm:constr type="h" for="ch" forName="text_4" refType="h" refFor="ch" refForName="accent_4" fact="0.8"/>
+                <dgm:constr type="ctrY" for="ch" forName="text_4" refType="ctrY" refFor="ch" refForName="accent_4"/>
+                <dgm:constr type="rMarg" for="ch" forName="text_4" refType="w" refFor="ch" refForName="accent_4" fact="1.8"/>
+                <dgm:constr type="primFontSz" for="ch" ptType="node" op="equ" val="65"/>
+              </dgm:constrLst>
+            </dgm:if>
+            <dgm:if name="Name18" axis="ch" ptType="node" func="cnt" op="equ" val="5">
+              <dgm:constrLst>
+                <dgm:constr type="h" for="ch" forName="cycle" refType="h"/>
+                <dgm:constr type="w" for="ch" forName="cycle" refType="h" refFor="ch" refForName="cycle" fact="0.26"/>
+                <dgm:constr type="r" for="ch" forName="cycle" refType="w"/>
+                <dgm:constr type="ctrY" for="ch" forName="cycle" refType="h" fact="0.5"/>
+                <dgm:constr type="diam" for="ch" forName="cycle" refType="h" fact="1.344"/>
+                <dgm:constr type="h" for="ch" forName="accent_1" refType="h" fact="0.1563"/>
+                <dgm:constr type="w" for="ch" forName="accent_1" refType="h" refFor="ch" refForName="accent_1" op="equ"/>
+                <dgm:constr type="ctrY" for="ch" forName="accent_1" refType="h" fact="0.125"/>
+                <dgm:constr type="ctrX" for="ch" forName="accent_1" refType="w"/>
+                <dgm:constr type="ctrXOff" for="ch" forName="accent_1" refType="h" fact="-0.1082"/>
+                <dgm:constr type="r" for="ch" forName="text_1" refType="ctrX" refFor="ch" refForName="accent_1"/>
+                <dgm:constr type="rOff" for="ch" forName="text_1" refType="ctrXOff" refFor="ch" refForName="accent_1"/>
+                <dgm:constr type="l" for="ch" forName="text_1"/>
+                <dgm:constr type="w" for="ch" forName="text_1" refType="h" refFor="ch" refForName="text_1" op="gte"/>
+                <dgm:constr type="h" for="ch" forName="text_1" refType="h" refFor="ch" refForName="accent_1" fact="0.8"/>
+                <dgm:constr type="ctrY" for="ch" forName="text_1" refType="ctrY" refFor="ch" refForName="accent_1"/>
+                <dgm:constr type="rMarg" for="ch" forName="text_1" refType="w" refFor="ch" refForName="accent_1" fact="1.8"/>
+                <dgm:constr type="h" for="ch" forName="accent_2" refType="h" fact="0.1563"/>
+                <dgm:constr type="w" for="ch" forName="accent_2" refType="h" refFor="ch" refForName="accent_2" op="equ"/>
+                <dgm:constr type="ctrY" for="ch" forName="accent_2" refType="h" fact="0.3125"/>
+                <dgm:constr type="ctrX" for="ch" forName="accent_2" refType="w"/>
+                <dgm:constr type="ctrXOff" for="ch" forName="accent_2" refType="h" fact="-0.1978"/>
+                <dgm:constr type="r" for="ch" forName="text_2" refType="ctrX" refFor="ch" refForName="accent_2"/>
+                <dgm:constr type="rOff" for="ch" forName="text_2" refType="ctrXOff" refFor="ch" refForName="accent_2"/>
+                <dgm:constr type="l" for="ch" forName="text_2"/>
+                <dgm:constr type="w" for="ch" forName="text_2" refType="h" refFor="ch" refForName="text_2" op="gte"/>
+                <dgm:constr type="h" for="ch" forName="text_2" refType="h" refFor="ch" refForName="accent_2" fact="0.8"/>
+                <dgm:constr type="ctrY" for="ch" forName="text_2" refType="ctrY" refFor="ch" refForName="accent_2"/>
+                <dgm:constr type="rMarg" for="ch" forName="text_2" refType="w" refFor="ch" refForName="accent_2" fact="1.8"/>
+                <dgm:constr type="h" for="ch" forName="accent_3" refType="h" fact="0.1563"/>
+                <dgm:constr type="w" for="ch" forName="accent_3" refType="h" refFor="ch" refForName="accent_3" op="equ"/>
+                <dgm:constr type="ctrY" for="ch" forName="accent_3" refType="h" fact="0.5"/>
+                <dgm:constr type="ctrX" for="ch" forName="accent_3" refType="w"/>
+                <dgm:constr type="ctrXOff" for="ch" forName="accent_3" refType="h" fact="-0.2253"/>
+                <dgm:constr type="r" for="ch" forName="text_3" refType="ctrX" refFor="ch" refForName="accent_3"/>
+                <dgm:constr type="rOff" for="ch" forName="text_3" refType="ctrXOff" refFor="ch" refForName="accent_3"/>
+                <dgm:constr type="l" for="ch" forName="text_3"/>
+                <dgm:constr type="w" for="ch" forName="text_3" refType="h" refFor="ch" refForName="text_3" op="gte"/>
+                <dgm:constr type="h" for="ch" forName="text_3" refType="h" refFor="ch" refForName="accent_3" fact="0.8"/>
+                <dgm:constr type="ctrY" for="ch" forName="text_3" refType="ctrY" refFor="ch" refForName="accent_3"/>
+                <dgm:constr type="rMarg" for="ch" forName="text_3" refType="w" refFor="ch" refForName="accent_3" fact="1.8"/>
+                <dgm:constr type="h" for="ch" forName="accent_4" refType="h" fact="0.1563"/>
+                <dgm:constr type="w" for="ch" forName="accent_4" refType="h" refFor="ch" refForName="accent_4" op="equ"/>
+                <dgm:constr type="ctrY" for="ch" forName="accent_4" refType="h" fact="0.6875"/>
+                <dgm:constr type="ctrX" for="ch" forName="accent_4" refType="w"/>
+                <dgm:constr type="ctrXOff" for="ch" forName="accent_4" refType="h" fact="-0.1978"/>
+                <dgm:constr type="r" for="ch" forName="text_4" refType="ctrX" refFor="ch" refForName="accent_4"/>
+                <dgm:constr type="rOff" for="ch" forName="text_4" refType="ctrXOff" refFor="ch" refForName="accent_4"/>
+                <dgm:constr type="l" for="ch" forName="text_4"/>
+                <dgm:constr type="w" for="ch" forName="text_4" refType="h" refFor="ch" refForName="text_4" op="gte"/>
+                <dgm:constr type="h" for="ch" forName="text_4" refType="h" refFor="ch" refForName="accent_4" fact="0.8"/>
+                <dgm:constr type="ctrY" for="ch" forName="text_4" refType="ctrY" refFor="ch" refForName="accent_4"/>
+                <dgm:constr type="rMarg" for="ch" forName="text_4" refType="w" refFor="ch" refForName="accent_4" fact="1.8"/>
+                <dgm:constr type="h" for="ch" forName="accent_5" refType="h" fact="0.1563"/>
+                <dgm:constr type="w" for="ch" forName="accent_5" refType="h" refFor="ch" refForName="accent_5" op="equ"/>
+                <dgm:constr type="ctrY" for="ch" forName="accent_5" refType="h" fact="0.875"/>
+                <dgm:constr type="ctrX" for="ch" forName="accent_5" refType="w"/>
+                <dgm:constr type="ctrXOff" for="ch" forName="accent_5" refType="h" fact="-0.1082"/>
+                <dgm:constr type="r" for="ch" forName="text_5" refType="ctrX" refFor="ch" refForName="accent_5"/>
+                <dgm:constr type="rOff" for="ch" forName="text_5" refType="ctrXOff" refFor="ch" refForName="accent_5"/>
+                <dgm:constr type="l" for="ch" forName="text_5"/>
+                <dgm:constr type="w" for="ch" forName="text_5" refType="h" refFor="ch" refForName="text_5" op="gte"/>
+                <dgm:constr type="h" for="ch" forName="text_5" refType="h" refFor="ch" refForName="accent_5" fact="0.8"/>
+                <dgm:constr type="ctrY" for="ch" forName="text_5" refType="ctrY" refFor="ch" refForName="accent_5"/>
+                <dgm:constr type="rMarg" for="ch" forName="text_5" refType="w" refFor="ch" refForName="accent_5" fact="1.8"/>
+                <dgm:constr type="primFontSz" for="ch" ptType="node" op="equ" val="65"/>
+              </dgm:constrLst>
+            </dgm:if>
+            <dgm:if name="Name19" axis="ch" ptType="node" func="cnt" op="equ" val="6">
+              <dgm:constrLst>
+                <dgm:constr type="h" for="ch" forName="cycle" refType="h"/>
+                <dgm:constr type="w" for="ch" forName="cycle" refType="h" refFor="ch" refForName="cycle" fact="0.26"/>
+                <dgm:constr type="r" for="ch" forName="cycle" refType="w"/>
+                <dgm:constr type="ctrY" for="ch" forName="cycle" refType="h" fact="0.5"/>
+                <dgm:constr type="diam" for="ch" forName="cycle" refType="h" fact="1.344"/>
+                <dgm:constr type="h" for="ch" forName="accent_1" refType="h" fact="0.1316"/>
+                <dgm:constr type="w" for="ch" forName="accent_1" refType="h" refFor="ch" refForName="accent_1" op="equ"/>
+                <dgm:constr type="ctrY" for="ch" forName="accent_1" refType="h" fact="0.1053"/>
+                <dgm:constr type="ctrX" for="ch" forName="accent_1" refType="w"/>
+                <dgm:constr type="ctrXOff" for="ch" forName="accent_1" refType="h" fact="-0.0943"/>
+                <dgm:constr type="r" for="ch" forName="text_1" refType="ctrX" refFor="ch" refForName="accent_1"/>
+                <dgm:constr type="rOff" for="ch" forName="text_1" refType="ctrXOff" refFor="ch" refForName="accent_1"/>
+                <dgm:constr type="l" for="ch" forName="text_1"/>
+                <dgm:constr type="w" for="ch" forName="text_1" refType="h" refFor="ch" refForName="text_1" op="gte"/>
+                <dgm:constr type="h" for="ch" forName="text_1" refType="h" refFor="ch" refForName="accent_1" fact="0.8"/>
+                <dgm:constr type="ctrY" for="ch" forName="text_1" refType="ctrY" refFor="ch" refForName="accent_1"/>
+                <dgm:constr type="rMarg" for="ch" forName="text_1" refType="w" refFor="ch" refForName="accent_1" fact="1.8"/>
+                <dgm:constr type="h" for="ch" forName="accent_2" refType="h" fact="0.1316"/>
+                <dgm:constr type="w" for="ch" forName="accent_2" refType="h" refFor="ch" refForName="accent_2" op="equ"/>
+                <dgm:constr type="ctrY" for="ch" forName="accent_2" refType="h" fact="0.2632"/>
+                <dgm:constr type="ctrX" for="ch" forName="accent_2" refType="w"/>
+                <dgm:constr type="ctrXOff" for="ch" forName="accent_2" refType="h" fact="-0.1809"/>
+                <dgm:constr type="r" for="ch" forName="text_2" refType="ctrX" refFor="ch" refForName="accent_2"/>
+                <dgm:constr type="rOff" for="ch" forName="text_2" refType="ctrXOff" refFor="ch" refForName="accent_2"/>
+                <dgm:constr type="l" for="ch" forName="text_2"/>
+                <dgm:constr type="w" for="ch" forName="text_2" refType="h" refFor="ch" refForName="text_2" op="gte"/>
+                <dgm:constr type="h" for="ch" forName="text_2" refType="h" refFor="ch" refForName="accent_2" fact="0.8"/>
+                <dgm:constr type="ctrY" for="ch" forName="text_2" refType="ctrY" refFor="ch" refForName="accent_2"/>
+                <dgm:constr type="rMarg" for="ch" forName="text_2" refType="w" refFor="ch" refForName="accent_2" fact="1.8"/>
+                <dgm:constr type="h" for="ch" forName="accent_3" refType="h" fact="0.1316"/>
+                <dgm:constr type="w" for="ch" forName="accent_3" refType="h" refFor="ch" refForName="accent_3" op="equ"/>
+                <dgm:constr type="ctrY" for="ch" forName="accent_3" refType="h" fact="0.4211"/>
+                <dgm:constr type="ctrX" for="ch" forName="accent_3" refType="w"/>
+                <dgm:constr type="ctrXOff" for="ch" forName="accent_3" refType="h" fact="-0.2205"/>
+                <dgm:constr type="r" for="ch" forName="text_3" refType="ctrX" refFor="ch" refForName="accent_3"/>
+                <dgm:constr type="rOff" for="ch" forName="text_3" refType="ctrXOff" refFor="ch" refForName="accent_3"/>
+                <dgm:constr type="l" for="ch" forName="text_3"/>
+                <dgm:constr type="w" for="ch" forName="text_3" refType="h" refFor="ch" refForName="text_3" op="gte"/>
+                <dgm:constr type="h" for="ch" forName="text_3" refType="h" refFor="ch" refForName="accent_3" fact="0.8"/>
+                <dgm:constr type="ctrY" for="ch" forName="text_3" refType="ctrY" refFor="ch" refForName="accent_3"/>
+                <dgm:constr type="rMarg" for="ch" forName="text_3" refType="w" refFor="ch" refForName="accent_3" fact="1.8"/>
+                <dgm:constr type="h" for="ch" forName="accent_4" refType="h" fact="0.1316"/>
+                <dgm:constr type="w" for="ch" forName="accent_4" refType="h" refFor="ch" refForName="accent_4" op="equ"/>
+                <dgm:constr type="ctrY" for="ch" forName="accent_4" refType="h" fact="0.5789"/>
+                <dgm:constr type="ctrX" for="ch" forName="accent_4" refType="w"/>
+                <dgm:constr type="ctrXOff" for="ch" forName="accent_4" refType="h" fact="-0.2205"/>
+                <dgm:constr type="r" for="ch" forName="text_4" refType="ctrX" refFor="ch" refForName="accent_4"/>
+                <dgm:constr type="rOff" for="ch" forName="text_4" refType="ctrXOff" refFor="ch" refForName="accent_4"/>
+                <dgm:constr type="l" for="ch" forName="text_4"/>
+                <dgm:constr type="w" for="ch" forName="text_4" refType="h" refFor="ch" refForName="text_4" op="gte"/>
+                <dgm:constr type="h" for="ch" forName="text_4" refType="h" refFor="ch" refForName="accent_4" fact="0.8"/>
+                <dgm:constr type="ctrY" for="ch" forName="text_4" refType="ctrY" refFor="ch" refForName="accent_4"/>
+                <dgm:constr type="rMarg" for="ch" forName="text_4" refType="w" refFor="ch" refForName="accent_4" fact="1.8"/>
+                <dgm:constr type="h" for="ch" forName="accent_5" refType="h" fact="0.1316"/>
+                <dgm:constr type="w" for="ch" forName="accent_5" refType="h" refFor="ch" refForName="accent_5" op="equ"/>
+                <dgm:constr type="ctrY" for="ch" forName="accent_5" refType="h" fact="0.7368"/>
+                <dgm:constr type="ctrX" for="ch" forName="accent_5" refType="w"/>
+                <dgm:constr type="ctrXOff" for="ch" forName="accent_5" refType="h" fact="-0.1809"/>
+                <dgm:constr type="r" for="ch" forName="text_5" refType="ctrX" refFor="ch" refForName="accent_5"/>
+                <dgm:constr type="rOff" for="ch" forName="text_5" refType="ctrXOff" refFor="ch" refForName="accent_5"/>
+                <dgm:constr type="l" for="ch" forName="text_5"/>
+                <dgm:constr type="w" for="ch" forName="text_5" refType="h" refFor="ch" refForName="text_5" op="gte"/>
+                <dgm:constr type="h" for="ch" forName="text_5" refType="h" refFor="ch" refForName="accent_5" fact="0.8"/>
+                <dgm:constr type="ctrY" for="ch" forName="text_5" refType="ctrY" refFor="ch" refForName="accent_5"/>
+                <dgm:constr type="rMarg" for="ch" forName="text_5" refType="w" refFor="ch" refForName="accent_5" fact="1.8"/>
+                <dgm:constr type="h" for="ch" forName="accent_6" refType="h" fact="0.1316"/>
+                <dgm:constr type="w" for="ch" forName="accent_6" refType="h" refFor="ch" refForName="accent_6" op="equ"/>
+                <dgm:constr type="ctrY" for="ch" forName="accent_6" refType="h" fact="0.8947"/>
+                <dgm:constr type="ctrX" for="ch" forName="accent_6" refType="w"/>
+                <dgm:constr type="ctrXOff" for="ch" forName="accent_6" refType="h" fact="-0.0943"/>
+                <dgm:constr type="r" for="ch" forName="text_6" refType="ctrX" refFor="ch" refForName="accent_6"/>
+                <dgm:constr type="rOff" for="ch" forName="text_6" refType="ctrXOff" refFor="ch" refForName="accent_6"/>
+                <dgm:constr type="l" for="ch" forName="text_6"/>
+                <dgm:constr type="w" for="ch" forName="text_6" refType="h" refFor="ch" refForName="text_6" op="gte"/>
+                <dgm:constr type="h" for="ch" forName="text_6" refType="h" refFor="ch" refForName="accent_6" fact="0.8"/>
+                <dgm:constr type="ctrY" for="ch" forName="text_6" refType="ctrY" refFor="ch" refForName="accent_6"/>
+                <dgm:constr type="rMarg" for="ch" forName="text_6" refType="w" refFor="ch" refForName="accent_6" fact="1.8"/>
+                <dgm:constr type="primFontSz" for="ch" ptType="node" op="equ" val="65"/>
+              </dgm:constrLst>
+            </dgm:if>
+            <dgm:else name="Name20">
+              <dgm:constrLst>
+                <dgm:constr type="h" for="ch" forName="cycle" refType="h"/>
+                <dgm:constr type="w" for="ch" forName="cycle" refType="h" refFor="ch" refForName="cycle" fact="0.26"/>
+                <dgm:constr type="r" for="ch" forName="cycle" refType="w"/>
+                <dgm:constr type="ctrY" for="ch" forName="cycle" refType="h" fact="0.5"/>
+                <dgm:constr type="diam" for="ch" forName="cycle" refType="h" fact="1.344"/>
+                <dgm:constr type="h" for="ch" forName="accent_1" refType="h" fact="0.1136"/>
+                <dgm:constr type="w" for="ch" forName="accent_1" refType="h" refFor="ch" refForName="accent_1" op="equ"/>
+                <dgm:constr type="ctrY" for="ch" forName="accent_1" refType="h" fact="0.0909"/>
+                <dgm:constr type="ctrX" for="ch" forName="accent_1" refType="w"/>
+                <dgm:constr type="ctrXOff" for="ch" forName="accent_1" refType="h" fact="-0.0835"/>
+                <dgm:constr type="r" for="ch" forName="text_1" refType="ctrX" refFor="ch" refForName="accent_1"/>
+                <dgm:constr type="rOff" for="ch" forName="text_1" refType="ctrXOff" refFor="ch" refForName="accent_1"/>
+                <dgm:constr type="l" for="ch" forName="text_1"/>
+                <dgm:constr type="w" for="ch" forName="text_1" refType="h" refFor="ch" refForName="text_1" op="gte"/>
+                <dgm:constr type="h" for="ch" forName="text_1" refType="h" refFor="ch" refForName="accent_1" fact="0.8"/>
+                <dgm:constr type="ctrY" for="ch" forName="text_1" refType="ctrY" refFor="ch" refForName="accent_1"/>
+                <dgm:constr type="rMarg" for="ch" forName="text_1" refType="w" refFor="ch" refForName="accent_1" fact="1.8"/>
+                <dgm:constr type="h" for="ch" forName="accent_2" refType="h" fact="0.1136"/>
+                <dgm:constr type="w" for="ch" forName="accent_2" refType="h" refFor="ch" refForName="accent_2" op="equ"/>
+                <dgm:constr type="ctrY" for="ch" forName="accent_2" refType="h" fact="0.2273"/>
+                <dgm:constr type="ctrX" for="ch" forName="accent_2" refType="w"/>
+                <dgm:constr type="ctrXOff" for="ch" forName="accent_2" refType="h" fact="-0.1658"/>
+                <dgm:constr type="r" for="ch" forName="text_2" refType="ctrX" refFor="ch" refForName="accent_2"/>
+                <dgm:constr type="rOff" for="ch" forName="text_2" refType="ctrXOff" refFor="ch" refForName="accent_2"/>
+                <dgm:constr type="l" for="ch" forName="text_2"/>
+                <dgm:constr type="w" for="ch" forName="text_2" refType="h" refFor="ch" refForName="text_2" op="gte"/>
+                <dgm:constr type="h" for="ch" forName="text_2" refType="h" refFor="ch" refForName="accent_2" fact="0.8"/>
+                <dgm:constr type="ctrY" for="ch" forName="text_2" refType="ctrY" refFor="ch" refForName="accent_2"/>
+                <dgm:constr type="rMarg" for="ch" forName="text_2" refType="w" refFor="ch" refForName="accent_2" fact="1.8"/>
+                <dgm:constr type="h" for="ch" forName="accent_3" refType="h" fact="0.1136"/>
+                <dgm:constr type="w" for="ch" forName="accent_3" refType="h" refFor="ch" refForName="accent_3" op="equ"/>
+                <dgm:constr type="ctrY" for="ch" forName="accent_3" refType="h" fact="0.3636"/>
+                <dgm:constr type="ctrX" for="ch" forName="accent_3" refType="w"/>
+                <dgm:constr type="ctrXOff" for="ch" forName="accent_3" refType="h" fact="-0.2109"/>
+                <dgm:constr type="r" for="ch" forName="text_3" refType="ctrX" refFor="ch" refForName="accent_3"/>
+                <dgm:constr type="rOff" for="ch" forName="text_3" refType="ctrXOff" refFor="ch" refForName="accent_3"/>
+                <dgm:constr type="l" for="ch" forName="text_3"/>
+                <dgm:constr type="w" for="ch" forName="text_3" refType="h" refFor="ch" refForName="text_3" op="gte"/>
+                <dgm:constr type="h" for="ch" forName="text_3" refType="h" refFor="ch" refForName="accent_3" fact="0.8"/>
+                <dgm:constr type="ctrY" for="ch" forName="text_3" refType="ctrY" refFor="ch" refForName="accent_3"/>
+                <dgm:constr type="rMarg" for="ch" forName="text_3" refType="w" refFor="ch" refForName="accent_3" fact="1.8"/>
+                <dgm:constr type="h" for="ch" forName="accent_4" refType="h" fact="0.1136"/>
+                <dgm:constr type="w" for="ch" forName="accent_4" refType="h" refFor="ch" refForName="accent_4" op="equ"/>
+                <dgm:constr type="ctrY" for="ch" forName="accent_4" refType="h" fact="0.5"/>
+                <dgm:constr type="ctrX" for="ch" forName="accent_4" refType="w"/>
+                <dgm:constr type="ctrXOff" for="ch" forName="accent_4" refType="h" fact="-0.2253"/>
+                <dgm:constr type="r" for="ch" forName="text_4" refType="ctrX" refFor="ch" refForName="accent_4"/>
+                <dgm:constr type="rOff" for="ch" forName="text_4" refType="ctrXOff" refFor="ch" refForName="accent_4"/>
+                <dgm:constr type="l" for="ch" forName="text_4"/>
+                <dgm:constr type="w" for="ch" forName="text_4" refType="h" refFor="ch" refForName="text_4" op="gte"/>
+                <dgm:constr type="h" for="ch" forName="text_4" refType="h" refFor="ch" refForName="accent_4" fact="0.8"/>
+                <dgm:constr type="ctrY" for="ch" forName="text_4" refType="ctrY" refFor="ch" refForName="accent_4"/>
+                <dgm:constr type="rMarg" for="ch" forName="text_4" refType="w" refFor="ch" refForName="accent_4" fact="1.8"/>
+                <dgm:constr type="h" for="ch" forName="accent_5" refType="h" fact="0.1136"/>
+                <dgm:constr type="w" for="ch" forName="accent_5" refType="h" refFor="ch" refForName="accent_5" op="equ"/>
+                <dgm:constr type="ctrY" for="ch" forName="accent_5" refType="h" fact="0.6364"/>
+                <dgm:constr type="ctrX" for="ch" forName="accent_5" refType="w"/>
+                <dgm:constr type="ctrXOff" for="ch" forName="accent_5" refType="h" fact="-0.2109"/>
+                <dgm:constr type="r" for="ch" forName="text_5" refType="ctrX" refFor="ch" refForName="accent_5"/>
+                <dgm:constr type="rOff" for="ch" forName="text_5" refType="ctrXOff" refFor="ch" refForName="accent_5"/>
+                <dgm:constr type="l" for="ch" forName="text_5"/>
+                <dgm:constr type="w" for="ch" forName="text_5" refType="h" refFor="ch" refForName="text_5" op="gte"/>
+                <dgm:constr type="h" for="ch" forName="text_5" refType="h" refFor="ch" refForName="accent_5" fact="0.8"/>
+                <dgm:constr type="ctrY" for="ch" forName="text_5" refType="ctrY" refFor="ch" refForName="accent_5"/>
+                <dgm:constr type="rMarg" for="ch" forName="text_5" refType="w" refFor="ch" refForName="accent_5" fact="1.8"/>
+                <dgm:constr type="h" for="ch" forName="accent_6" refType="h" fact="0.1136"/>
+                <dgm:constr type="w" for="ch" forName="accent_6" refType="h" refFor="ch" refForName="accent_6" op="equ"/>
+                <dgm:constr type="ctrY" for="ch" forName="accent_6" refType="h" fact="0.7727"/>
+                <dgm:constr type="ctrX" for="ch" forName="accent_6" refType="w"/>
+                <dgm:constr type="ctrXOff" for="ch" forName="accent_6" refType="h" fact="-0.1658"/>
+                <dgm:constr type="r" for="ch" forName="text_6" refType="ctrX" refFor="ch" refForName="accent_6"/>
+                <dgm:constr type="rOff" for="ch" forName="text_6" refType="ctrXOff" refFor="ch" refForName="accent_6"/>
+                <dgm:constr type="l" for="ch" forName="text_6"/>
+                <dgm:constr type="w" for="ch" forName="text_6" refType="h" refFor="ch" refForName="text_6" op="gte"/>
+                <dgm:constr type="h" for="ch" forName="text_6" refType="h" refFor="ch" refForName="accent_6" fact="0.8"/>
+                <dgm:constr type="ctrY" for="ch" forName="text_6" refType="ctrY" refFor="ch" refForName="accent_6"/>
+                <dgm:constr type="rMarg" for="ch" forName="text_6" refType="w" refFor="ch" refForName="accent_6" fact="1.8"/>
+                <dgm:constr type="h" for="ch" forName="accent_7" refType="h" fact="0.1136"/>
+                <dgm:constr type="w" for="ch" forName="accent_7" refType="h" refFor="ch" refForName="accent_7" op="equ"/>
+                <dgm:constr type="ctrY" for="ch" forName="accent_7" refType="h" fact="0.9091"/>
+                <dgm:constr type="ctrX" for="ch" forName="accent_7" refType="w"/>
+                <dgm:constr type="ctrXOff" for="ch" forName="accent_7" refType="h" fact="-0.0835"/>
+                <dgm:constr type="r" for="ch" forName="text_7" refType="ctrX" refFor="ch" refForName="accent_7"/>
+                <dgm:constr type="rOff" for="ch" forName="text_7" refType="ctrXOff" refFor="ch" refForName="accent_7"/>
+                <dgm:constr type="l" for="ch" forName="text_7"/>
+                <dgm:constr type="w" for="ch" forName="text_7" refType="h" refFor="ch" refForName="text_7" op="gte"/>
+                <dgm:constr type="h" for="ch" forName="text_7" refType="h" refFor="ch" refForName="accent_7" fact="0.8"/>
+                <dgm:constr type="ctrY" for="ch" forName="text_7" refType="ctrY" refFor="ch" refForName="accent_7"/>
+                <dgm:constr type="rMarg" for="ch" forName="text_7" refType="w" refFor="ch" refForName="accent_7" fact="1.8"/>
+                <dgm:constr type="primFontSz" for="ch" ptType="node" op="equ" val="65"/>
+              </dgm:constrLst>
+            </dgm:else>
+          </dgm:choose>
+        </dgm:else>
+      </dgm:choose>
+      <dgm:layoutNode name="cycle">
+        <dgm:choose name="Name21">
+          <dgm:if name="Name22" func="var" arg="dir" op="equ" val="norm">
+            <dgm:alg type="cycle">
+              <dgm:param type="stAng" val="45"/>
+              <dgm:param type="spanAng" val="90"/>
+            </dgm:alg>
+          </dgm:if>
+          <dgm:else name="Name23">
+            <dgm:alg type="cycle">
+              <dgm:param type="stAng" val="225"/>
+              <dgm:param type="spanAng" val="90"/>
+            </dgm:alg>
+          </dgm:else>
+        </dgm:choose>
+        <dgm:shape xmlns:r="http://schemas.openxmlformats.org/officeDocument/2006/relationships" r:blip="">
+          <dgm:adjLst/>
+        </dgm:shape>
+        <dgm:presOf/>
+        <dgm:constrLst>
+          <dgm:constr type="w" for="ch" val="1"/>
+          <dgm:constr type="h" for="ch" val="1"/>
+          <dgm:constr type="diam" for="ch" forName="conn" refType="diam"/>
+        </dgm:constrLst>
+        <dgm:layoutNode name="srcNode">
+          <dgm:alg type="sp"/>
+          <dgm:shape xmlns:r="http://schemas.openxmlformats.org/officeDocument/2006/relationships" type="rect" r:blip="" hideGeom="1">
+            <dgm:adjLst/>
+          </dgm:shape>
+          <dgm:presOf/>
+        </dgm:layoutNode>
+        <dgm:layoutNode name="conn" styleLbl="parChTrans1D2">
+          <dgm:alg type="conn">
+            <dgm:param type="connRout" val="curve"/>
+            <dgm:param type="srcNode" val="srcNode"/>
+            <dgm:param type="dstNode" val="dstNode"/>
+            <dgm:param type="begPts" val="ctr"/>
+            <dgm:param type="endPts" val="ctr"/>
+            <dgm:param type="endSty" val="noArr"/>
+          </dgm:alg>
+          <dgm:shape xmlns:r="http://schemas.openxmlformats.org/officeDocument/2006/relationships" type="conn" r:blip="">
+            <dgm:adjLst/>
+          </dgm:shape>
+          <dgm:presOf axis="desOrSelf" ptType="sibTrans" hideLastTrans="0" st="0" cnt="1"/>
+          <dgm:constrLst>
+            <dgm:constr type="begPad"/>
+            <dgm:constr type="endPad"/>
+          </dgm:constrLst>
+        </dgm:layoutNode>
+        <dgm:layoutNode name="extraNode">
+          <dgm:alg type="sp"/>
+          <dgm:shape xmlns:r="http://schemas.openxmlformats.org/officeDocument/2006/relationships" type="rect" r:blip="" hideGeom="1">
+            <dgm:adjLst/>
+          </dgm:shape>
+          <dgm:presOf/>
+        </dgm:layoutNode>
+        <dgm:layoutNode name="dstNode">
+          <dgm:alg type="sp"/>
+          <dgm:shape xmlns:r="http://schemas.openxmlformats.org/officeDocument/2006/relationships" type="rect" r:blip="" hideGeom="1">
+            <dgm:adjLst/>
+          </dgm:shape>
+          <dgm:presOf/>
+        </dgm:layoutNode>
+      </dgm:layoutNode>
+      <dgm:forEach name="wrapper" axis="self" ptType="parTrans">
+        <dgm:forEach name="wrapper2" axis="self" ptType="sibTrans" st="2">
+          <dgm:forEach name="accentRepeat" axis="self">
+            <dgm:layoutNode name="accentRepeatNode" styleLbl="solidFgAcc1">
+              <dgm:alg type="sp"/>
+              <dgm:shape xmlns:r="http://schemas.openxmlformats.org/officeDocument/2006/relationships" type="ellipse" r:blip="">
+                <dgm:adjLst/>
+              </dgm:shape>
+              <dgm:presOf/>
+            </dgm:layoutNode>
+          </dgm:forEach>
+        </dgm:forEach>
+      </dgm:forEach>
+      <dgm:forEach name="Name24" axis="ch" ptType="node" cnt="1">
+        <dgm:layoutNode name="text_1" styleLbl="node1">
+          <dgm:varLst>
+            <dgm:bulletEnabled val="1"/>
+          </dgm:varLst>
+          <dgm:choose name="Name25">
+            <dgm:if name="Name26" func="var" arg="dir" op="equ" val="norm">
+              <dgm:alg type="tx">
+                <dgm:param type="parTxLTRAlign" val="l"/>
+                <dgm:param type="shpTxLTRAlignCh" val="l"/>
+                <dgm:param type="parTxRTLAlign" val="l"/>
+                <dgm:param type="shpTxRTLAlignCh" val="l"/>
+              </dgm:alg>
+            </dgm:if>
+            <dgm:else name="Name27">
+              <dgm:alg type="tx">
+                <dgm:param type="parTxLTRAlign" val="r"/>
+                <dgm:param type="shpTxLTRAlignCh" val="r"/>
+                <dgm:param type="parTxRTLAlign" val="r"/>
+                <dgm:param type="shpTxRTLAlignCh" val="r"/>
+              </dgm:alg>
+            </dgm:else>
+          </dgm:choose>
+          <dgm:shape xmlns:r="http://schemas.openxmlformats.org/officeDocument/2006/relationships" type="rect" r:blip="">
+            <dgm:adjLst/>
+          </dgm:shape>
+          <dgm:presOf axis="desOrSelf" ptType="node"/>
+          <dgm:constrLst>
+            <dgm:constr type="primFontSz" val="65"/>
+            <dgm:constr type="lMarg" refType="primFontSz" fact="0.2"/>
+            <dgm:constr type="rMarg" refType="primFontSz" fact="0.2"/>
+            <dgm:constr type="tMarg" refType="primFontSz" fact="0.2"/>
+            <dgm:constr type="bMarg" refType="primFontSz" fact="0.2"/>
+          </dgm:constrLst>
+          <dgm:ruleLst>
+            <dgm:rule type="primFontSz" val="5" fact="NaN" max="NaN"/>
+          </dgm:ruleLst>
+        </dgm:layoutNode>
+        <dgm:layoutNode name="accent_1">
+          <dgm:alg type="sp"/>
+          <dgm:shape xmlns:r="http://schemas.openxmlformats.org/officeDocument/2006/relationships" r:blip="">
+            <dgm:adjLst/>
+          </dgm:shape>
+          <dgm:presOf/>
+          <dgm:constrLst/>
+          <dgm:forEach name="Name28" ref="accentRepeat"/>
+        </dgm:layoutNode>
+      </dgm:forEach>
+      <dgm:forEach name="Name29" axis="ch" ptType="node" st="2" cnt="1">
+        <dgm:layoutNode name="text_2" styleLbl="node1">
+          <dgm:varLst>
+            <dgm:bulletEnabled val="1"/>
+          </dgm:varLst>
+          <dgm:choose name="Name30">
+            <dgm:if name="Name31" func="var" arg="dir" op="equ" val="norm">
+              <dgm:alg type="tx">
+                <dgm:param type="parTxLTRAlign" val="l"/>
+                <dgm:param type="shpTxLTRAlignCh" val="l"/>
+                <dgm:param type="parTxRTLAlign" val="l"/>
+                <dgm:param type="shpTxRTLAlignCh" val="l"/>
+              </dgm:alg>
+            </dgm:if>
+            <dgm:else name="Name32">
+              <dgm:alg type="tx">
+                <dgm:param type="parTxLTRAlign" val="r"/>
+                <dgm:param type="shpTxLTRAlignCh" val="r"/>
+                <dgm:param type="parTxRTLAlign" val="r"/>
+                <dgm:param type="shpTxRTLAlignCh" val="r"/>
+              </dgm:alg>
+            </dgm:else>
+          </dgm:choose>
+          <dgm:shape xmlns:r="http://schemas.openxmlformats.org/officeDocument/2006/relationships" type="rect" r:blip="">
+            <dgm:adjLst/>
+          </dgm:shape>
+          <dgm:presOf axis="desOrSelf" ptType="node"/>
+          <dgm:constrLst>
+            <dgm:constr type="primFontSz" val="65"/>
+            <dgm:constr type="lMarg" refType="primFontSz" fact="0.2"/>
+            <dgm:constr type="rMarg" refType="primFontSz" fact="0.2"/>
+            <dgm:constr type="tMarg" refType="primFontSz" fact="0.2"/>
+            <dgm:constr type="bMarg" refType="primFontSz" fact="0.2"/>
+          </dgm:constrLst>
+          <dgm:ruleLst>
+            <dgm:rule type="primFontSz" val="5" fact="NaN" max="NaN"/>
+          </dgm:ruleLst>
+        </dgm:layoutNode>
+        <dgm:layoutNode name="accent_2">
+          <dgm:alg type="sp"/>
+          <dgm:shape xmlns:r="http://schemas.openxmlformats.org/officeDocument/2006/relationships" r:blip="">
+            <dgm:adjLst/>
+          </dgm:shape>
+          <dgm:presOf/>
+          <dgm:constrLst/>
+          <dgm:forEach name="Name33" ref="accentRepeat"/>
+        </dgm:layoutNode>
+      </dgm:forEach>
+      <dgm:forEach name="Name34" axis="ch" ptType="node" st="3" cnt="1">
+        <dgm:layoutNode name="text_3" styleLbl="node1">
+          <dgm:varLst>
+            <dgm:bulletEnabled val="1"/>
+          </dgm:varLst>
+          <dgm:choose name="Name35">
+            <dgm:if name="Name36" func="var" arg="dir" op="equ" val="norm">
+              <dgm:alg type="tx">
+                <dgm:param type="parTxLTRAlign" val="l"/>
+                <dgm:param type="shpTxLTRAlignCh" val="l"/>
+                <dgm:param type="parTxRTLAlign" val="l"/>
+                <dgm:param type="shpTxRTLAlignCh" val="l"/>
+              </dgm:alg>
+            </dgm:if>
+            <dgm:else name="Name37">
+              <dgm:alg type="tx">
+                <dgm:param type="parTxLTRAlign" val="r"/>
+                <dgm:param type="shpTxLTRAlignCh" val="r"/>
+                <dgm:param type="parTxRTLAlign" val="r"/>
+                <dgm:param type="shpTxRTLAlignCh" val="r"/>
+              </dgm:alg>
+            </dgm:else>
+          </dgm:choose>
+          <dgm:shape xmlns:r="http://schemas.openxmlformats.org/officeDocument/2006/relationships" type="rect" r:blip="">
+            <dgm:adjLst/>
+          </dgm:shape>
+          <dgm:presOf axis="desOrSelf" ptType="node"/>
+          <dgm:constrLst>
+            <dgm:constr type="primFontSz" val="65"/>
+            <dgm:constr type="lMarg" refType="primFontSz" fact="0.2"/>
+            <dgm:constr type="rMarg" refType="primFontSz" fact="0.2"/>
+            <dgm:constr type="tMarg" refType="primFontSz" fact="0.2"/>
+            <dgm:constr type="bMarg" refType="primFontSz" fact="0.2"/>
+          </dgm:constrLst>
+          <dgm:ruleLst>
+            <dgm:rule type="primFontSz" val="5" fact="NaN" max="NaN"/>
+          </dgm:ruleLst>
+        </dgm:layoutNode>
+        <dgm:layoutNode name="accent_3">
+          <dgm:alg type="sp"/>
+          <dgm:shape xmlns:r="http://schemas.openxmlformats.org/officeDocument/2006/relationships" r:blip="">
+            <dgm:adjLst/>
+          </dgm:shape>
+          <dgm:presOf/>
+          <dgm:constrLst/>
+          <dgm:forEach name="Name38" ref="accentRepeat"/>
+        </dgm:layoutNode>
+      </dgm:forEach>
+      <dgm:forEach name="Name39" axis="ch" ptType="node" st="4" cnt="1">
+        <dgm:layoutNode name="text_4" styleLbl="node1">
+          <dgm:varLst>
+            <dgm:bulletEnabled val="1"/>
+          </dgm:varLst>
+          <dgm:choose name="Name40">
+            <dgm:if name="Name41" func="var" arg="dir" op="equ" val="norm">
+              <dgm:alg type="tx">
+                <dgm:param type="parTxLTRAlign" val="l"/>
+                <dgm:param type="shpTxLTRAlignCh" val="l"/>
+                <dgm:param type="parTxRTLAlign" val="l"/>
+                <dgm:param type="shpTxRTLAlignCh" val="l"/>
+              </dgm:alg>
+            </dgm:if>
+            <dgm:else name="Name42">
+              <dgm:alg type="tx">
+                <dgm:param type="parTxLTRAlign" val="r"/>
+                <dgm:param type="shpTxLTRAlignCh" val="r"/>
+                <dgm:param type="parTxRTLAlign" val="r"/>
+                <dgm:param type="shpTxRTLAlignCh" val="r"/>
+              </dgm:alg>
+            </dgm:else>
+          </dgm:choose>
+          <dgm:shape xmlns:r="http://schemas.openxmlformats.org/officeDocument/2006/relationships" type="rect" r:blip="">
+            <dgm:adjLst/>
+          </dgm:shape>
+          <dgm:presOf axis="desOrSelf" ptType="node"/>
+          <dgm:constrLst>
+            <dgm:constr type="primFontSz" val="65"/>
+            <dgm:constr type="lMarg" refType="primFontSz" fact="0.2"/>
+            <dgm:constr type="rMarg" refType="primFontSz" fact="0.2"/>
+            <dgm:constr type="tMarg" refType="primFontSz" fact="0.2"/>
+            <dgm:constr type="bMarg" refType="primFontSz" fact="0.2"/>
+          </dgm:constrLst>
+          <dgm:ruleLst>
+            <dgm:rule type="primFontSz" val="5" fact="NaN" max="NaN"/>
+          </dgm:ruleLst>
+        </dgm:layoutNode>
+        <dgm:layoutNode name="accent_4">
+          <dgm:alg type="sp"/>
+          <dgm:shape xmlns:r="http://schemas.openxmlformats.org/officeDocument/2006/relationships" r:blip="">
+            <dgm:adjLst/>
+          </dgm:shape>
+          <dgm:presOf/>
+          <dgm:constrLst/>
+          <dgm:forEach name="Name43" ref="accentRepeat"/>
+        </dgm:layoutNode>
+      </dgm:forEach>
+      <dgm:forEach name="Name44" axis="ch" ptType="node" st="5" cnt="1">
+        <dgm:layoutNode name="text_5" styleLbl="node1">
+          <dgm:varLst>
+            <dgm:bulletEnabled val="1"/>
+          </dgm:varLst>
+          <dgm:choose name="Name45">
+            <dgm:if name="Name46" func="var" arg="dir" op="equ" val="norm">
+              <dgm:alg type="tx">
+                <dgm:param type="parTxLTRAlign" val="l"/>
+                <dgm:param type="shpTxLTRAlignCh" val="l"/>
+                <dgm:param type="parTxRTLAlign" val="l"/>
+                <dgm:param type="shpTxRTLAlignCh" val="l"/>
+              </dgm:alg>
+            </dgm:if>
+            <dgm:else name="Name47">
+              <dgm:alg type="tx">
+                <dgm:param type="parTxLTRAlign" val="r"/>
+                <dgm:param type="shpTxLTRAlignCh" val="r"/>
+                <dgm:param type="parTxRTLAlign" val="r"/>
+                <dgm:param type="shpTxRTLAlignCh" val="r"/>
+              </dgm:alg>
+            </dgm:else>
+          </dgm:choose>
+          <dgm:shape xmlns:r="http://schemas.openxmlformats.org/officeDocument/2006/relationships" type="rect" r:blip="">
+            <dgm:adjLst/>
+          </dgm:shape>
+          <dgm:presOf axis="desOrSelf" ptType="node"/>
+          <dgm:constrLst>
+            <dgm:constr type="primFontSz" val="65"/>
+            <dgm:constr type="lMarg" refType="primFontSz" fact="0.2"/>
+            <dgm:constr type="rMarg" refType="primFontSz" fact="0.2"/>
+            <dgm:constr type="tMarg" refType="primFontSz" fact="0.2"/>
+            <dgm:constr type="bMarg" refType="primFontSz" fact="0.2"/>
+          </dgm:constrLst>
+          <dgm:ruleLst>
+            <dgm:rule type="primFontSz" val="5" fact="NaN" max="NaN"/>
+          </dgm:ruleLst>
+        </dgm:layoutNode>
+        <dgm:layoutNode name="accent_5">
+          <dgm:alg type="sp"/>
+          <dgm:shape xmlns:r="http://schemas.openxmlformats.org/officeDocument/2006/relationships" r:blip="">
+            <dgm:adjLst/>
+          </dgm:shape>
+          <dgm:presOf/>
+          <dgm:constrLst/>
+          <dgm:forEach name="Name48" ref="accentRepeat"/>
+        </dgm:layoutNode>
+      </dgm:forEach>
+      <dgm:forEach name="Name49" axis="ch" ptType="node" st="6" cnt="1">
+        <dgm:layoutNode name="text_6" styleLbl="node1">
+          <dgm:varLst>
+            <dgm:bulletEnabled val="1"/>
+          </dgm:varLst>
+          <dgm:choose name="Name50">
+            <dgm:if name="Name51" func="var" arg="dir" op="equ" val="norm">
+              <dgm:alg type="tx">
+                <dgm:param type="parTxLTRAlign" val="l"/>
+                <dgm:param type="shpTxLTRAlignCh" val="l"/>
+                <dgm:param type="parTxRTLAlign" val="l"/>
+                <dgm:param type="shpTxRTLAlignCh" val="l"/>
+              </dgm:alg>
+            </dgm:if>
+            <dgm:else name="Name52">
+              <dgm:alg type="tx">
+                <dgm:param type="parTxLTRAlign" val="r"/>
+                <dgm:param type="shpTxLTRAlignCh" val="r"/>
+                <dgm:param type="parTxRTLAlign" val="r"/>
+                <dgm:param type="shpTxRTLAlignCh" val="r"/>
+              </dgm:alg>
+            </dgm:else>
+          </dgm:choose>
+          <dgm:shape xmlns:r="http://schemas.openxmlformats.org/officeDocument/2006/relationships" type="rect" r:blip="">
+            <dgm:adjLst/>
+          </dgm:shape>
+          <dgm:presOf axis="desOrSelf" ptType="node"/>
+          <dgm:constrLst>
+            <dgm:constr type="primFontSz" val="65"/>
+            <dgm:constr type="lMarg" refType="primFontSz" fact="0.2"/>
+            <dgm:constr type="rMarg" refType="primFontSz" fact="0.2"/>
+            <dgm:constr type="tMarg" refType="primFontSz" fact="0.2"/>
+            <dgm:constr type="bMarg" refType="primFontSz" fact="0.2"/>
+          </dgm:constrLst>
+          <dgm:ruleLst>
+            <dgm:rule type="primFontSz" val="5" fact="NaN" max="NaN"/>
+          </dgm:ruleLst>
+        </dgm:layoutNode>
+        <dgm:layoutNode name="accent_6">
+          <dgm:alg type="sp"/>
+          <dgm:shape xmlns:r="http://schemas.openxmlformats.org/officeDocument/2006/relationships" r:blip="">
+            <dgm:adjLst/>
+          </dgm:shape>
+          <dgm:presOf/>
+          <dgm:constrLst/>
+          <dgm:forEach name="Name53" ref="accentRepeat"/>
+        </dgm:layoutNode>
+      </dgm:forEach>
+      <dgm:forEach name="Name54" axis="ch" ptType="node" st="7" cnt="1">
+        <dgm:layoutNode name="text_7" styleLbl="node1">
+          <dgm:varLst>
+            <dgm:bulletEnabled val="1"/>
+          </dgm:varLst>
+          <dgm:choose name="Name55">
+            <dgm:if name="Name56" func="var" arg="dir" op="equ" val="norm">
+              <dgm:alg type="tx">
+                <dgm:param type="parTxLTRAlign" val="l"/>
+                <dgm:param type="shpTxLTRAlignCh" val="l"/>
+                <dgm:param type="parTxRTLAlign" val="l"/>
+                <dgm:param type="shpTxRTLAlignCh" val="l"/>
+              </dgm:alg>
+            </dgm:if>
+            <dgm:else name="Name57">
+              <dgm:alg type="tx">
+                <dgm:param type="parTxLTRAlign" val="r"/>
+                <dgm:param type="shpTxLTRAlignCh" val="r"/>
+                <dgm:param type="parTxRTLAlign" val="r"/>
+                <dgm:param type="shpTxRTLAlignCh" val="r"/>
+              </dgm:alg>
+            </dgm:else>
+          </dgm:choose>
+          <dgm:shape xmlns:r="http://schemas.openxmlformats.org/officeDocument/2006/relationships" type="rect" r:blip="">
+            <dgm:adjLst/>
+          </dgm:shape>
+          <dgm:presOf axis="desOrSelf" ptType="node"/>
+          <dgm:constrLst>
+            <dgm:constr type="primFontSz" val="65"/>
+            <dgm:constr type="lMarg" refType="primFontSz" fact="0.2"/>
+            <dgm:constr type="rMarg" refType="primFontSz" fact="0.2"/>
+            <dgm:constr type="tMarg" refType="primFontSz" fact="0.2"/>
+            <dgm:constr type="bMarg" refType="primFontSz" fact="0.2"/>
+          </dgm:constrLst>
+          <dgm:ruleLst>
+            <dgm:rule type="primFontSz" val="5" fact="NaN" max="NaN"/>
+          </dgm:ruleLst>
+        </dgm:layoutNode>
+        <dgm:layoutNode name="accent_7">
+          <dgm:alg type="sp"/>
+          <dgm:shape xmlns:r="http://schemas.openxmlformats.org/officeDocument/2006/relationships" r:blip="">
+            <dgm:adjLst/>
+          </dgm:shape>
+          <dgm:presOf/>
+          <dgm:constrLst/>
+          <dgm:forEach name="Name58" ref="accentRepeat"/>
+        </dgm:layoutNode>
+      </dgm:forEach>
+    </dgm:layoutNode>
+  </dgm:layoutNode>
+</dgm:layoutDef>
+</file>
+
+<file path=ppt/diagrams/layout4.xml><?xml version="1.0" encoding="utf-8"?>
 <dgm:layoutDef xmlns:dgm="http://schemas.openxmlformats.org/drawingml/2006/diagram" xmlns:a="http://schemas.openxmlformats.org/drawingml/2006/main" uniqueId="urn:microsoft.com/office/officeart/2005/8/layout/gear1">
   <dgm:title val=""/>
   <dgm:desc val=""/>
@@ -9146,7 +12313,7 @@
 </dgm:layoutDef>
 </file>
 
-<file path=ppt/diagrams/layout4.xml><?xml version="1.0" encoding="utf-8"?>
+<file path=ppt/diagrams/layout5.xml><?xml version="1.0" encoding="utf-8"?>
 <dgm:layoutDef xmlns:dgm="http://schemas.openxmlformats.org/drawingml/2006/diagram" xmlns:a="http://schemas.openxmlformats.org/drawingml/2006/main" uniqueId="urn:microsoft.com/office/officeart/2005/8/layout/matrix3">
   <dgm:title val=""/>
   <dgm:desc val=""/>
@@ -13501,6 +16668,1040 @@
 </dgm:styleDef>
 </file>
 
+<file path=ppt/diagrams/quickStyle5.xml><?xml version="1.0" encoding="utf-8"?>
+<dgm:styleDef xmlns:dgm="http://schemas.openxmlformats.org/drawingml/2006/diagram" xmlns:a="http://schemas.openxmlformats.org/drawingml/2006/main" uniqueId="urn:microsoft.com/office/officeart/2005/8/quickstyle/simple1">
+  <dgm:title val=""/>
+  <dgm:desc val=""/>
+  <dgm:catLst>
+    <dgm:cat type="simple" pri="10100"/>
+  </dgm:catLst>
+  <dgm:scene3d>
+    <a:camera prst="orthographicFront"/>
+    <a:lightRig rig="threePt" dir="t"/>
+  </dgm:scene3d>
+  <dgm:styleLbl name="node0">
+    <dgm:scene3d>
+      <a:camera prst="orthographicFront"/>
+      <a:lightRig rig="threePt" dir="t"/>
+    </dgm:scene3d>
+    <dgm:sp3d/>
+    <dgm:txPr/>
+    <dgm:style>
+      <a:lnRef idx="2">
+        <a:scrgbClr r="0" g="0" b="0"/>
+      </a:lnRef>
+      <a:fillRef idx="1">
+        <a:scrgbClr r="0" g="0" b="0"/>
+      </a:fillRef>
+      <a:effectRef idx="0">
+        <a:scrgbClr r="0" g="0" b="0"/>
+      </a:effectRef>
+      <a:fontRef idx="minor">
+        <a:schemeClr val="lt1"/>
+      </a:fontRef>
+    </dgm:style>
+  </dgm:styleLbl>
+  <dgm:styleLbl name="lnNode1">
+    <dgm:scene3d>
+      <a:camera prst="orthographicFront"/>
+      <a:lightRig rig="threePt" dir="t"/>
+    </dgm:scene3d>
+    <dgm:sp3d/>
+    <dgm:txPr/>
+    <dgm:style>
+      <a:lnRef idx="2">
+        <a:scrgbClr r="0" g="0" b="0"/>
+      </a:lnRef>
+      <a:fillRef idx="1">
+        <a:scrgbClr r="0" g="0" b="0"/>
+      </a:fillRef>
+      <a:effectRef idx="0">
+        <a:scrgbClr r="0" g="0" b="0"/>
+      </a:effectRef>
+      <a:fontRef idx="minor">
+        <a:schemeClr val="lt1"/>
+      </a:fontRef>
+    </dgm:style>
+  </dgm:styleLbl>
+  <dgm:styleLbl name="vennNode1">
+    <dgm:scene3d>
+      <a:camera prst="orthographicFront"/>
+      <a:lightRig rig="threePt" dir="t"/>
+    </dgm:scene3d>
+    <dgm:sp3d/>
+    <dgm:txPr/>
+    <dgm:style>
+      <a:lnRef idx="2">
+        <a:scrgbClr r="0" g="0" b="0"/>
+      </a:lnRef>
+      <a:fillRef idx="1">
+        <a:scrgbClr r="0" g="0" b="0"/>
+      </a:fillRef>
+      <a:effectRef idx="0">
+        <a:scrgbClr r="0" g="0" b="0"/>
+      </a:effectRef>
+      <a:fontRef idx="minor">
+        <a:schemeClr val="tx1"/>
+      </a:fontRef>
+    </dgm:style>
+  </dgm:styleLbl>
+  <dgm:styleLbl name="alignNode1">
+    <dgm:scene3d>
+      <a:camera prst="orthographicFront"/>
+      <a:lightRig rig="threePt" dir="t"/>
+    </dgm:scene3d>
+    <dgm:sp3d/>
+    <dgm:txPr/>
+    <dgm:style>
+      <a:lnRef idx="2">
+        <a:scrgbClr r="0" g="0" b="0"/>
+      </a:lnRef>
+      <a:fillRef idx="1">
+        <a:scrgbClr r="0" g="0" b="0"/>
+      </a:fillRef>
+      <a:effectRef idx="0">
+        <a:scrgbClr r="0" g="0" b="0"/>
+      </a:effectRef>
+      <a:fontRef idx="minor">
+        <a:schemeClr val="lt1"/>
+      </a:fontRef>
+    </dgm:style>
+  </dgm:styleLbl>
+  <dgm:styleLbl name="node1">
+    <dgm:scene3d>
+      <a:camera prst="orthographicFront"/>
+      <a:lightRig rig="threePt" dir="t"/>
+    </dgm:scene3d>
+    <dgm:sp3d/>
+    <dgm:txPr/>
+    <dgm:style>
+      <a:lnRef idx="2">
+        <a:scrgbClr r="0" g="0" b="0"/>
+      </a:lnRef>
+      <a:fillRef idx="1">
+        <a:scrgbClr r="0" g="0" b="0"/>
+      </a:fillRef>
+      <a:effectRef idx="0">
+        <a:scrgbClr r="0" g="0" b="0"/>
+      </a:effectRef>
+      <a:fontRef idx="minor">
+        <a:schemeClr val="lt1"/>
+      </a:fontRef>
+    </dgm:style>
+  </dgm:styleLbl>
+  <dgm:styleLbl name="node2">
+    <dgm:scene3d>
+      <a:camera prst="orthographicFront"/>
+      <a:lightRig rig="threePt" dir="t"/>
+    </dgm:scene3d>
+    <dgm:sp3d/>
+    <dgm:txPr/>
+    <dgm:style>
+      <a:lnRef idx="2">
+        <a:scrgbClr r="0" g="0" b="0"/>
+      </a:lnRef>
+      <a:fillRef idx="1">
+        <a:scrgbClr r="0" g="0" b="0"/>
+      </a:fillRef>
+      <a:effectRef idx="0">
+        <a:scrgbClr r="0" g="0" b="0"/>
+      </a:effectRef>
+      <a:fontRef idx="minor">
+        <a:schemeClr val="lt1"/>
+      </a:fontRef>
+    </dgm:style>
+  </dgm:styleLbl>
+  <dgm:styleLbl name="node3">
+    <dgm:scene3d>
+      <a:camera prst="orthographicFront"/>
+      <a:lightRig rig="threePt" dir="t"/>
+    </dgm:scene3d>
+    <dgm:sp3d/>
+    <dgm:txPr/>
+    <dgm:style>
+      <a:lnRef idx="2">
+        <a:scrgbClr r="0" g="0" b="0"/>
+      </a:lnRef>
+      <a:fillRef idx="1">
+        <a:scrgbClr r="0" g="0" b="0"/>
+      </a:fillRef>
+      <a:effectRef idx="0">
+        <a:scrgbClr r="0" g="0" b="0"/>
+      </a:effectRef>
+      <a:fontRef idx="minor">
+        <a:schemeClr val="lt1"/>
+      </a:fontRef>
+    </dgm:style>
+  </dgm:styleLbl>
+  <dgm:styleLbl name="node4">
+    <dgm:scene3d>
+      <a:camera prst="orthographicFront"/>
+      <a:lightRig rig="threePt" dir="t"/>
+    </dgm:scene3d>
+    <dgm:sp3d/>
+    <dgm:txPr/>
+    <dgm:style>
+      <a:lnRef idx="2">
+        <a:scrgbClr r="0" g="0" b="0"/>
+      </a:lnRef>
+      <a:fillRef idx="1">
+        <a:scrgbClr r="0" g="0" b="0"/>
+      </a:fillRef>
+      <a:effectRef idx="0">
+        <a:scrgbClr r="0" g="0" b="0"/>
+      </a:effectRef>
+      <a:fontRef idx="minor">
+        <a:schemeClr val="lt1"/>
+      </a:fontRef>
+    </dgm:style>
+  </dgm:styleLbl>
+  <dgm:styleLbl name="fgImgPlace1">
+    <dgm:scene3d>
+      <a:camera prst="orthographicFront"/>
+      <a:lightRig rig="threePt" dir="t"/>
+    </dgm:scene3d>
+    <dgm:sp3d/>
+    <dgm:txPr/>
+    <dgm:style>
+      <a:lnRef idx="2">
+        <a:scrgbClr r="0" g="0" b="0"/>
+      </a:lnRef>
+      <a:fillRef idx="1">
+        <a:scrgbClr r="0" g="0" b="0"/>
+      </a:fillRef>
+      <a:effectRef idx="0">
+        <a:scrgbClr r="0" g="0" b="0"/>
+      </a:effectRef>
+      <a:fontRef idx="minor"/>
+    </dgm:style>
+  </dgm:styleLbl>
+  <dgm:styleLbl name="alignImgPlace1">
+    <dgm:scene3d>
+      <a:camera prst="orthographicFront"/>
+      <a:lightRig rig="threePt" dir="t"/>
+    </dgm:scene3d>
+    <dgm:sp3d/>
+    <dgm:txPr/>
+    <dgm:style>
+      <a:lnRef idx="2">
+        <a:scrgbClr r="0" g="0" b="0"/>
+      </a:lnRef>
+      <a:fillRef idx="1">
+        <a:scrgbClr r="0" g="0" b="0"/>
+      </a:fillRef>
+      <a:effectRef idx="0">
+        <a:scrgbClr r="0" g="0" b="0"/>
+      </a:effectRef>
+      <a:fontRef idx="minor"/>
+    </dgm:style>
+  </dgm:styleLbl>
+  <dgm:styleLbl name="bgImgPlace1">
+    <dgm:scene3d>
+      <a:camera prst="orthographicFront"/>
+      <a:lightRig rig="threePt" dir="t"/>
+    </dgm:scene3d>
+    <dgm:sp3d/>
+    <dgm:txPr/>
+    <dgm:style>
+      <a:lnRef idx="2">
+        <a:scrgbClr r="0" g="0" b="0"/>
+      </a:lnRef>
+      <a:fillRef idx="1">
+        <a:scrgbClr r="0" g="0" b="0"/>
+      </a:fillRef>
+      <a:effectRef idx="0">
+        <a:scrgbClr r="0" g="0" b="0"/>
+      </a:effectRef>
+      <a:fontRef idx="minor"/>
+    </dgm:style>
+  </dgm:styleLbl>
+  <dgm:styleLbl name="sibTrans2D1">
+    <dgm:scene3d>
+      <a:camera prst="orthographicFront"/>
+      <a:lightRig rig="threePt" dir="t"/>
+    </dgm:scene3d>
+    <dgm:sp3d/>
+    <dgm:txPr/>
+    <dgm:style>
+      <a:lnRef idx="0">
+        <a:scrgbClr r="0" g="0" b="0"/>
+      </a:lnRef>
+      <a:fillRef idx="1">
+        <a:scrgbClr r="0" g="0" b="0"/>
+      </a:fillRef>
+      <a:effectRef idx="0">
+        <a:scrgbClr r="0" g="0" b="0"/>
+      </a:effectRef>
+      <a:fontRef idx="minor">
+        <a:schemeClr val="lt1"/>
+      </a:fontRef>
+    </dgm:style>
+  </dgm:styleLbl>
+  <dgm:styleLbl name="fgSibTrans2D1">
+    <dgm:scene3d>
+      <a:camera prst="orthographicFront"/>
+      <a:lightRig rig="threePt" dir="t"/>
+    </dgm:scene3d>
+    <dgm:sp3d/>
+    <dgm:txPr/>
+    <dgm:style>
+      <a:lnRef idx="0">
+        <a:scrgbClr r="0" g="0" b="0"/>
+      </a:lnRef>
+      <a:fillRef idx="1">
+        <a:scrgbClr r="0" g="0" b="0"/>
+      </a:fillRef>
+      <a:effectRef idx="0">
+        <a:scrgbClr r="0" g="0" b="0"/>
+      </a:effectRef>
+      <a:fontRef idx="minor">
+        <a:schemeClr val="lt1"/>
+      </a:fontRef>
+    </dgm:style>
+  </dgm:styleLbl>
+  <dgm:styleLbl name="bgSibTrans2D1">
+    <dgm:scene3d>
+      <a:camera prst="orthographicFront"/>
+      <a:lightRig rig="threePt" dir="t"/>
+    </dgm:scene3d>
+    <dgm:sp3d/>
+    <dgm:txPr/>
+    <dgm:style>
+      <a:lnRef idx="0">
+        <a:scrgbClr r="0" g="0" b="0"/>
+      </a:lnRef>
+      <a:fillRef idx="1">
+        <a:scrgbClr r="0" g="0" b="0"/>
+      </a:fillRef>
+      <a:effectRef idx="0">
+        <a:scrgbClr r="0" g="0" b="0"/>
+      </a:effectRef>
+      <a:fontRef idx="minor">
+        <a:schemeClr val="lt1"/>
+      </a:fontRef>
+    </dgm:style>
+  </dgm:styleLbl>
+  <dgm:styleLbl name="sibTrans1D1">
+    <dgm:scene3d>
+      <a:camera prst="orthographicFront"/>
+      <a:lightRig rig="threePt" dir="t"/>
+    </dgm:scene3d>
+    <dgm:sp3d/>
+    <dgm:txPr/>
+    <dgm:style>
+      <a:lnRef idx="1">
+        <a:scrgbClr r="0" g="0" b="0"/>
+      </a:lnRef>
+      <a:fillRef idx="0">
+        <a:scrgbClr r="0" g="0" b="0"/>
+      </a:fillRef>
+      <a:effectRef idx="0">
+        <a:scrgbClr r="0" g="0" b="0"/>
+      </a:effectRef>
+      <a:fontRef idx="minor"/>
+    </dgm:style>
+  </dgm:styleLbl>
+  <dgm:styleLbl name="callout">
+    <dgm:scene3d>
+      <a:camera prst="orthographicFront"/>
+      <a:lightRig rig="threePt" dir="t"/>
+    </dgm:scene3d>
+    <dgm:sp3d/>
+    <dgm:txPr/>
+    <dgm:style>
+      <a:lnRef idx="2">
+        <a:scrgbClr r="0" g="0" b="0"/>
+      </a:lnRef>
+      <a:fillRef idx="1">
+        <a:scrgbClr r="0" g="0" b="0"/>
+      </a:fillRef>
+      <a:effectRef idx="0">
+        <a:scrgbClr r="0" g="0" b="0"/>
+      </a:effectRef>
+      <a:fontRef idx="minor"/>
+    </dgm:style>
+  </dgm:styleLbl>
+  <dgm:styleLbl name="asst0">
+    <dgm:scene3d>
+      <a:camera prst="orthographicFront"/>
+      <a:lightRig rig="threePt" dir="t"/>
+    </dgm:scene3d>
+    <dgm:sp3d/>
+    <dgm:txPr/>
+    <dgm:style>
+      <a:lnRef idx="2">
+        <a:scrgbClr r="0" g="0" b="0"/>
+      </a:lnRef>
+      <a:fillRef idx="1">
+        <a:scrgbClr r="0" g="0" b="0"/>
+      </a:fillRef>
+      <a:effectRef idx="0">
+        <a:scrgbClr r="0" g="0" b="0"/>
+      </a:effectRef>
+      <a:fontRef idx="minor">
+        <a:schemeClr val="lt1"/>
+      </a:fontRef>
+    </dgm:style>
+  </dgm:styleLbl>
+  <dgm:styleLbl name="asst1">
+    <dgm:scene3d>
+      <a:camera prst="orthographicFront"/>
+      <a:lightRig rig="threePt" dir="t"/>
+    </dgm:scene3d>
+    <dgm:sp3d/>
+    <dgm:txPr/>
+    <dgm:style>
+      <a:lnRef idx="2">
+        <a:scrgbClr r="0" g="0" b="0"/>
+      </a:lnRef>
+      <a:fillRef idx="1">
+        <a:scrgbClr r="0" g="0" b="0"/>
+      </a:fillRef>
+      <a:effectRef idx="0">
+        <a:scrgbClr r="0" g="0" b="0"/>
+      </a:effectRef>
+      <a:fontRef idx="minor">
+        <a:schemeClr val="lt1"/>
+      </a:fontRef>
+    </dgm:style>
+  </dgm:styleLbl>
+  <dgm:styleLbl name="asst2">
+    <dgm:scene3d>
+      <a:camera prst="orthographicFront"/>
+      <a:lightRig rig="threePt" dir="t"/>
+    </dgm:scene3d>
+    <dgm:sp3d/>
+    <dgm:txPr/>
+    <dgm:style>
+      <a:lnRef idx="2">
+        <a:scrgbClr r="0" g="0" b="0"/>
+      </a:lnRef>
+      <a:fillRef idx="1">
+        <a:scrgbClr r="0" g="0" b="0"/>
+      </a:fillRef>
+      <a:effectRef idx="0">
+        <a:scrgbClr r="0" g="0" b="0"/>
+      </a:effectRef>
+      <a:fontRef idx="minor">
+        <a:schemeClr val="lt1"/>
+      </a:fontRef>
+    </dgm:style>
+  </dgm:styleLbl>
+  <dgm:styleLbl name="asst3">
+    <dgm:scene3d>
+      <a:camera prst="orthographicFront"/>
+      <a:lightRig rig="threePt" dir="t"/>
+    </dgm:scene3d>
+    <dgm:sp3d/>
+    <dgm:txPr/>
+    <dgm:style>
+      <a:lnRef idx="2">
+        <a:scrgbClr r="0" g="0" b="0"/>
+      </a:lnRef>
+      <a:fillRef idx="1">
+        <a:scrgbClr r="0" g="0" b="0"/>
+      </a:fillRef>
+      <a:effectRef idx="0">
+        <a:scrgbClr r="0" g="0" b="0"/>
+      </a:effectRef>
+      <a:fontRef idx="minor">
+        <a:schemeClr val="lt1"/>
+      </a:fontRef>
+    </dgm:style>
+  </dgm:styleLbl>
+  <dgm:styleLbl name="asst4">
+    <dgm:scene3d>
+      <a:camera prst="orthographicFront"/>
+      <a:lightRig rig="threePt" dir="t"/>
+    </dgm:scene3d>
+    <dgm:sp3d/>
+    <dgm:txPr/>
+    <dgm:style>
+      <a:lnRef idx="2">
+        <a:scrgbClr r="0" g="0" b="0"/>
+      </a:lnRef>
+      <a:fillRef idx="1">
+        <a:scrgbClr r="0" g="0" b="0"/>
+      </a:fillRef>
+      <a:effectRef idx="0">
+        <a:scrgbClr r="0" g="0" b="0"/>
+      </a:effectRef>
+      <a:fontRef idx="minor">
+        <a:schemeClr val="lt1"/>
+      </a:fontRef>
+    </dgm:style>
+  </dgm:styleLbl>
+  <dgm:styleLbl name="parChTrans2D1">
+    <dgm:scene3d>
+      <a:camera prst="orthographicFront"/>
+      <a:lightRig rig="threePt" dir="t"/>
+    </dgm:scene3d>
+    <dgm:sp3d/>
+    <dgm:txPr/>
+    <dgm:style>
+      <a:lnRef idx="2">
+        <a:scrgbClr r="0" g="0" b="0"/>
+      </a:lnRef>
+      <a:fillRef idx="1">
+        <a:scrgbClr r="0" g="0" b="0"/>
+      </a:fillRef>
+      <a:effectRef idx="0">
+        <a:scrgbClr r="0" g="0" b="0"/>
+      </a:effectRef>
+      <a:fontRef idx="minor">
+        <a:schemeClr val="lt1"/>
+      </a:fontRef>
+    </dgm:style>
+  </dgm:styleLbl>
+  <dgm:styleLbl name="parChTrans2D2">
+    <dgm:scene3d>
+      <a:camera prst="orthographicFront"/>
+      <a:lightRig rig="threePt" dir="t"/>
+    </dgm:scene3d>
+    <dgm:sp3d/>
+    <dgm:txPr/>
+    <dgm:style>
+      <a:lnRef idx="2">
+        <a:scrgbClr r="0" g="0" b="0"/>
+      </a:lnRef>
+      <a:fillRef idx="1">
+        <a:scrgbClr r="0" g="0" b="0"/>
+      </a:fillRef>
+      <a:effectRef idx="0">
+        <a:scrgbClr r="0" g="0" b="0"/>
+      </a:effectRef>
+      <a:fontRef idx="minor">
+        <a:schemeClr val="lt1"/>
+      </a:fontRef>
+    </dgm:style>
+  </dgm:styleLbl>
+  <dgm:styleLbl name="parChTrans2D3">
+    <dgm:scene3d>
+      <a:camera prst="orthographicFront"/>
+      <a:lightRig rig="threePt" dir="t"/>
+    </dgm:scene3d>
+    <dgm:sp3d/>
+    <dgm:txPr/>
+    <dgm:style>
+      <a:lnRef idx="2">
+        <a:scrgbClr r="0" g="0" b="0"/>
+      </a:lnRef>
+      <a:fillRef idx="1">
+        <a:scrgbClr r="0" g="0" b="0"/>
+      </a:fillRef>
+      <a:effectRef idx="0">
+        <a:scrgbClr r="0" g="0" b="0"/>
+      </a:effectRef>
+      <a:fontRef idx="minor">
+        <a:schemeClr val="lt1"/>
+      </a:fontRef>
+    </dgm:style>
+  </dgm:styleLbl>
+  <dgm:styleLbl name="parChTrans2D4">
+    <dgm:scene3d>
+      <a:camera prst="orthographicFront"/>
+      <a:lightRig rig="threePt" dir="t"/>
+    </dgm:scene3d>
+    <dgm:sp3d/>
+    <dgm:txPr/>
+    <dgm:style>
+      <a:lnRef idx="2">
+        <a:scrgbClr r="0" g="0" b="0"/>
+      </a:lnRef>
+      <a:fillRef idx="1">
+        <a:scrgbClr r="0" g="0" b="0"/>
+      </a:fillRef>
+      <a:effectRef idx="0">
+        <a:scrgbClr r="0" g="0" b="0"/>
+      </a:effectRef>
+      <a:fontRef idx="minor">
+        <a:schemeClr val="lt1"/>
+      </a:fontRef>
+    </dgm:style>
+  </dgm:styleLbl>
+  <dgm:styleLbl name="parChTrans1D1">
+    <dgm:scene3d>
+      <a:camera prst="orthographicFront"/>
+      <a:lightRig rig="threePt" dir="t"/>
+    </dgm:scene3d>
+    <dgm:sp3d/>
+    <dgm:txPr/>
+    <dgm:style>
+      <a:lnRef idx="2">
+        <a:scrgbClr r="0" g="0" b="0"/>
+      </a:lnRef>
+      <a:fillRef idx="0">
+        <a:scrgbClr r="0" g="0" b="0"/>
+      </a:fillRef>
+      <a:effectRef idx="0">
+        <a:scrgbClr r="0" g="0" b="0"/>
+      </a:effectRef>
+      <a:fontRef idx="minor"/>
+    </dgm:style>
+  </dgm:styleLbl>
+  <dgm:styleLbl name="parChTrans1D2">
+    <dgm:scene3d>
+      <a:camera prst="orthographicFront"/>
+      <a:lightRig rig="threePt" dir="t"/>
+    </dgm:scene3d>
+    <dgm:sp3d/>
+    <dgm:txPr/>
+    <dgm:style>
+      <a:lnRef idx="2">
+        <a:scrgbClr r="0" g="0" b="0"/>
+      </a:lnRef>
+      <a:fillRef idx="0">
+        <a:scrgbClr r="0" g="0" b="0"/>
+      </a:fillRef>
+      <a:effectRef idx="0">
+        <a:scrgbClr r="0" g="0" b="0"/>
+      </a:effectRef>
+      <a:fontRef idx="minor"/>
+    </dgm:style>
+  </dgm:styleLbl>
+  <dgm:styleLbl name="parChTrans1D3">
+    <dgm:scene3d>
+      <a:camera prst="orthographicFront"/>
+      <a:lightRig rig="threePt" dir="t"/>
+    </dgm:scene3d>
+    <dgm:sp3d/>
+    <dgm:txPr/>
+    <dgm:style>
+      <a:lnRef idx="2">
+        <a:scrgbClr r="0" g="0" b="0"/>
+      </a:lnRef>
+      <a:fillRef idx="0">
+        <a:scrgbClr r="0" g="0" b="0"/>
+      </a:fillRef>
+      <a:effectRef idx="0">
+        <a:scrgbClr r="0" g="0" b="0"/>
+      </a:effectRef>
+      <a:fontRef idx="minor"/>
+    </dgm:style>
+  </dgm:styleLbl>
+  <dgm:styleLbl name="parChTrans1D4">
+    <dgm:scene3d>
+      <a:camera prst="orthographicFront"/>
+      <a:lightRig rig="threePt" dir="t"/>
+    </dgm:scene3d>
+    <dgm:sp3d/>
+    <dgm:txPr/>
+    <dgm:style>
+      <a:lnRef idx="2">
+        <a:scrgbClr r="0" g="0" b="0"/>
+      </a:lnRef>
+      <a:fillRef idx="0">
+        <a:scrgbClr r="0" g="0" b="0"/>
+      </a:fillRef>
+      <a:effectRef idx="0">
+        <a:scrgbClr r="0" g="0" b="0"/>
+      </a:effectRef>
+      <a:fontRef idx="minor"/>
+    </dgm:style>
+  </dgm:styleLbl>
+  <dgm:styleLbl name="fgAcc1">
+    <dgm:scene3d>
+      <a:camera prst="orthographicFront"/>
+      <a:lightRig rig="threePt" dir="t"/>
+    </dgm:scene3d>
+    <dgm:sp3d/>
+    <dgm:txPr/>
+    <dgm:style>
+      <a:lnRef idx="2">
+        <a:scrgbClr r="0" g="0" b="0"/>
+      </a:lnRef>
+      <a:fillRef idx="1">
+        <a:scrgbClr r="0" g="0" b="0"/>
+      </a:fillRef>
+      <a:effectRef idx="0">
+        <a:scrgbClr r="0" g="0" b="0"/>
+      </a:effectRef>
+      <a:fontRef idx="minor"/>
+    </dgm:style>
+  </dgm:styleLbl>
+  <dgm:styleLbl name="conFgAcc1">
+    <dgm:scene3d>
+      <a:camera prst="orthographicFront"/>
+      <a:lightRig rig="threePt" dir="t"/>
+    </dgm:scene3d>
+    <dgm:sp3d/>
+    <dgm:txPr/>
+    <dgm:style>
+      <a:lnRef idx="2">
+        <a:scrgbClr r="0" g="0" b="0"/>
+      </a:lnRef>
+      <a:fillRef idx="1">
+        <a:scrgbClr r="0" g="0" b="0"/>
+      </a:fillRef>
+      <a:effectRef idx="0">
+        <a:scrgbClr r="0" g="0" b="0"/>
+      </a:effectRef>
+      <a:fontRef idx="minor"/>
+    </dgm:style>
+  </dgm:styleLbl>
+  <dgm:styleLbl name="alignAcc1">
+    <dgm:scene3d>
+      <a:camera prst="orthographicFront"/>
+      <a:lightRig rig="threePt" dir="t"/>
+    </dgm:scene3d>
+    <dgm:sp3d/>
+    <dgm:txPr/>
+    <dgm:style>
+      <a:lnRef idx="2">
+        <a:scrgbClr r="0" g="0" b="0"/>
+      </a:lnRef>
+      <a:fillRef idx="1">
+        <a:scrgbClr r="0" g="0" b="0"/>
+      </a:fillRef>
+      <a:effectRef idx="0">
+        <a:scrgbClr r="0" g="0" b="0"/>
+      </a:effectRef>
+      <a:fontRef idx="minor"/>
+    </dgm:style>
+  </dgm:styleLbl>
+  <dgm:styleLbl name="trAlignAcc1">
+    <dgm:scene3d>
+      <a:camera prst="orthographicFront"/>
+      <a:lightRig rig="threePt" dir="t"/>
+    </dgm:scene3d>
+    <dgm:sp3d/>
+    <dgm:txPr/>
+    <dgm:style>
+      <a:lnRef idx="1">
+        <a:scrgbClr r="0" g="0" b="0"/>
+      </a:lnRef>
+      <a:fillRef idx="1">
+        <a:scrgbClr r="0" g="0" b="0"/>
+      </a:fillRef>
+      <a:effectRef idx="0">
+        <a:scrgbClr r="0" g="0" b="0"/>
+      </a:effectRef>
+      <a:fontRef idx="minor"/>
+    </dgm:style>
+  </dgm:styleLbl>
+  <dgm:styleLbl name="bgAcc1">
+    <dgm:scene3d>
+      <a:camera prst="orthographicFront"/>
+      <a:lightRig rig="threePt" dir="t"/>
+    </dgm:scene3d>
+    <dgm:sp3d/>
+    <dgm:txPr/>
+    <dgm:style>
+      <a:lnRef idx="2">
+        <a:scrgbClr r="0" g="0" b="0"/>
+      </a:lnRef>
+      <a:fillRef idx="1">
+        <a:scrgbClr r="0" g="0" b="0"/>
+      </a:fillRef>
+      <a:effectRef idx="0">
+        <a:scrgbClr r="0" g="0" b="0"/>
+      </a:effectRef>
+      <a:fontRef idx="minor"/>
+    </dgm:style>
+  </dgm:styleLbl>
+  <dgm:styleLbl name="solidFgAcc1">
+    <dgm:scene3d>
+      <a:camera prst="orthographicFront"/>
+      <a:lightRig rig="threePt" dir="t"/>
+    </dgm:scene3d>
+    <dgm:sp3d/>
+    <dgm:txPr/>
+    <dgm:style>
+      <a:lnRef idx="2">
+        <a:scrgbClr r="0" g="0" b="0"/>
+      </a:lnRef>
+      <a:fillRef idx="1">
+        <a:scrgbClr r="0" g="0" b="0"/>
+      </a:fillRef>
+      <a:effectRef idx="0">
+        <a:scrgbClr r="0" g="0" b="0"/>
+      </a:effectRef>
+      <a:fontRef idx="minor"/>
+    </dgm:style>
+  </dgm:styleLbl>
+  <dgm:styleLbl name="solidAlignAcc1">
+    <dgm:scene3d>
+      <a:camera prst="orthographicFront"/>
+      <a:lightRig rig="threePt" dir="t"/>
+    </dgm:scene3d>
+    <dgm:sp3d/>
+    <dgm:txPr/>
+    <dgm:style>
+      <a:lnRef idx="2">
+        <a:scrgbClr r="0" g="0" b="0"/>
+      </a:lnRef>
+      <a:fillRef idx="1">
+        <a:scrgbClr r="0" g="0" b="0"/>
+      </a:fillRef>
+      <a:effectRef idx="0">
+        <a:scrgbClr r="0" g="0" b="0"/>
+      </a:effectRef>
+      <a:fontRef idx="minor"/>
+    </dgm:style>
+  </dgm:styleLbl>
+  <dgm:styleLbl name="solidBgAcc1">
+    <dgm:scene3d>
+      <a:camera prst="orthographicFront"/>
+      <a:lightRig rig="threePt" dir="t"/>
+    </dgm:scene3d>
+    <dgm:sp3d/>
+    <dgm:txPr/>
+    <dgm:style>
+      <a:lnRef idx="2">
+        <a:scrgbClr r="0" g="0" b="0"/>
+      </a:lnRef>
+      <a:fillRef idx="1">
+        <a:scrgbClr r="0" g="0" b="0"/>
+      </a:fillRef>
+      <a:effectRef idx="0">
+        <a:scrgbClr r="0" g="0" b="0"/>
+      </a:effectRef>
+      <a:fontRef idx="minor"/>
+    </dgm:style>
+  </dgm:styleLbl>
+  <dgm:styleLbl name="fgAccFollowNode1">
+    <dgm:scene3d>
+      <a:camera prst="orthographicFront"/>
+      <a:lightRig rig="threePt" dir="t"/>
+    </dgm:scene3d>
+    <dgm:sp3d/>
+    <dgm:txPr/>
+    <dgm:style>
+      <a:lnRef idx="2">
+        <a:scrgbClr r="0" g="0" b="0"/>
+      </a:lnRef>
+      <a:fillRef idx="1">
+        <a:scrgbClr r="0" g="0" b="0"/>
+      </a:fillRef>
+      <a:effectRef idx="0">
+        <a:scrgbClr r="0" g="0" b="0"/>
+      </a:effectRef>
+      <a:fontRef idx="minor"/>
+    </dgm:style>
+  </dgm:styleLbl>
+  <dgm:styleLbl name="alignAccFollowNode1">
+    <dgm:scene3d>
+      <a:camera prst="orthographicFront"/>
+      <a:lightRig rig="threePt" dir="t"/>
+    </dgm:scene3d>
+    <dgm:sp3d/>
+    <dgm:txPr/>
+    <dgm:style>
+      <a:lnRef idx="2">
+        <a:scrgbClr r="0" g="0" b="0"/>
+      </a:lnRef>
+      <a:fillRef idx="1">
+        <a:scrgbClr r="0" g="0" b="0"/>
+      </a:fillRef>
+      <a:effectRef idx="0">
+        <a:scrgbClr r="0" g="0" b="0"/>
+      </a:effectRef>
+      <a:fontRef idx="minor"/>
+    </dgm:style>
+  </dgm:styleLbl>
+  <dgm:styleLbl name="bgAccFollowNode1">
+    <dgm:scene3d>
+      <a:camera prst="orthographicFront"/>
+      <a:lightRig rig="threePt" dir="t"/>
+    </dgm:scene3d>
+    <dgm:sp3d/>
+    <dgm:txPr/>
+    <dgm:style>
+      <a:lnRef idx="2">
+        <a:scrgbClr r="0" g="0" b="0"/>
+      </a:lnRef>
+      <a:fillRef idx="1">
+        <a:scrgbClr r="0" g="0" b="0"/>
+      </a:fillRef>
+      <a:effectRef idx="0">
+        <a:scrgbClr r="0" g="0" b="0"/>
+      </a:effectRef>
+      <a:fontRef idx="minor"/>
+    </dgm:style>
+  </dgm:styleLbl>
+  <dgm:styleLbl name="fgAcc0">
+    <dgm:scene3d>
+      <a:camera prst="orthographicFront"/>
+      <a:lightRig rig="threePt" dir="t"/>
+    </dgm:scene3d>
+    <dgm:sp3d/>
+    <dgm:txPr/>
+    <dgm:style>
+      <a:lnRef idx="2">
+        <a:scrgbClr r="0" g="0" b="0"/>
+      </a:lnRef>
+      <a:fillRef idx="1">
+        <a:scrgbClr r="0" g="0" b="0"/>
+      </a:fillRef>
+      <a:effectRef idx="0">
+        <a:scrgbClr r="0" g="0" b="0"/>
+      </a:effectRef>
+      <a:fontRef idx="minor"/>
+    </dgm:style>
+  </dgm:styleLbl>
+  <dgm:styleLbl name="fgAcc2">
+    <dgm:scene3d>
+      <a:camera prst="orthographicFront"/>
+      <a:lightRig rig="threePt" dir="t"/>
+    </dgm:scene3d>
+    <dgm:sp3d/>
+    <dgm:txPr/>
+    <dgm:style>
+      <a:lnRef idx="2">
+        <a:scrgbClr r="0" g="0" b="0"/>
+      </a:lnRef>
+      <a:fillRef idx="1">
+        <a:scrgbClr r="0" g="0" b="0"/>
+      </a:fillRef>
+      <a:effectRef idx="0">
+        <a:scrgbClr r="0" g="0" b="0"/>
+      </a:effectRef>
+      <a:fontRef idx="minor"/>
+    </dgm:style>
+  </dgm:styleLbl>
+  <dgm:styleLbl name="fgAcc3">
+    <dgm:scene3d>
+      <a:camera prst="orthographicFront"/>
+      <a:lightRig rig="threePt" dir="t"/>
+    </dgm:scene3d>
+    <dgm:sp3d/>
+    <dgm:txPr/>
+    <dgm:style>
+      <a:lnRef idx="2">
+        <a:scrgbClr r="0" g="0" b="0"/>
+      </a:lnRef>
+      <a:fillRef idx="1">
+        <a:scrgbClr r="0" g="0" b="0"/>
+      </a:fillRef>
+      <a:effectRef idx="0">
+        <a:scrgbClr r="0" g="0" b="0"/>
+      </a:effectRef>
+      <a:fontRef idx="minor"/>
+    </dgm:style>
+  </dgm:styleLbl>
+  <dgm:styleLbl name="fgAcc4">
+    <dgm:scene3d>
+      <a:camera prst="orthographicFront"/>
+      <a:lightRig rig="threePt" dir="t"/>
+    </dgm:scene3d>
+    <dgm:sp3d/>
+    <dgm:txPr/>
+    <dgm:style>
+      <a:lnRef idx="2">
+        <a:scrgbClr r="0" g="0" b="0"/>
+      </a:lnRef>
+      <a:fillRef idx="1">
+        <a:scrgbClr r="0" g="0" b="0"/>
+      </a:fillRef>
+      <a:effectRef idx="0">
+        <a:scrgbClr r="0" g="0" b="0"/>
+      </a:effectRef>
+      <a:fontRef idx="minor"/>
+    </dgm:style>
+  </dgm:styleLbl>
+  <dgm:styleLbl name="bgShp">
+    <dgm:scene3d>
+      <a:camera prst="orthographicFront"/>
+      <a:lightRig rig="threePt" dir="t"/>
+    </dgm:scene3d>
+    <dgm:sp3d/>
+    <dgm:txPr/>
+    <dgm:style>
+      <a:lnRef idx="0">
+        <a:scrgbClr r="0" g="0" b="0"/>
+      </a:lnRef>
+      <a:fillRef idx="1">
+        <a:scrgbClr r="0" g="0" b="0"/>
+      </a:fillRef>
+      <a:effectRef idx="0">
+        <a:scrgbClr r="0" g="0" b="0"/>
+      </a:effectRef>
+      <a:fontRef idx="minor"/>
+    </dgm:style>
+  </dgm:styleLbl>
+  <dgm:styleLbl name="dkBgShp">
+    <dgm:scene3d>
+      <a:camera prst="orthographicFront"/>
+      <a:lightRig rig="threePt" dir="t"/>
+    </dgm:scene3d>
+    <dgm:sp3d/>
+    <dgm:txPr/>
+    <dgm:style>
+      <a:lnRef idx="0">
+        <a:scrgbClr r="0" g="0" b="0"/>
+      </a:lnRef>
+      <a:fillRef idx="1">
+        <a:scrgbClr r="0" g="0" b="0"/>
+      </a:fillRef>
+      <a:effectRef idx="0">
+        <a:scrgbClr r="0" g="0" b="0"/>
+      </a:effectRef>
+      <a:fontRef idx="minor"/>
+    </dgm:style>
+  </dgm:styleLbl>
+  <dgm:styleLbl name="trBgShp">
+    <dgm:scene3d>
+      <a:camera prst="orthographicFront"/>
+      <a:lightRig rig="threePt" dir="t"/>
+    </dgm:scene3d>
+    <dgm:sp3d/>
+    <dgm:txPr/>
+    <dgm:style>
+      <a:lnRef idx="0">
+        <a:scrgbClr r="0" g="0" b="0"/>
+      </a:lnRef>
+      <a:fillRef idx="1">
+        <a:scrgbClr r="0" g="0" b="0"/>
+      </a:fillRef>
+      <a:effectRef idx="0">
+        <a:scrgbClr r="0" g="0" b="0"/>
+      </a:effectRef>
+      <a:fontRef idx="minor"/>
+    </dgm:style>
+  </dgm:styleLbl>
+  <dgm:styleLbl name="fgShp">
+    <dgm:scene3d>
+      <a:camera prst="orthographicFront"/>
+      <a:lightRig rig="threePt" dir="t"/>
+    </dgm:scene3d>
+    <dgm:sp3d/>
+    <dgm:txPr/>
+    <dgm:style>
+      <a:lnRef idx="2">
+        <a:scrgbClr r="0" g="0" b="0"/>
+      </a:lnRef>
+      <a:fillRef idx="1">
+        <a:scrgbClr r="0" g="0" b="0"/>
+      </a:fillRef>
+      <a:effectRef idx="0">
+        <a:scrgbClr r="0" g="0" b="0"/>
+      </a:effectRef>
+      <a:fontRef idx="minor"/>
+    </dgm:style>
+  </dgm:styleLbl>
+  <dgm:styleLbl name="revTx">
+    <dgm:scene3d>
+      <a:camera prst="orthographicFront"/>
+      <a:lightRig rig="threePt" dir="t"/>
+    </dgm:scene3d>
+    <dgm:sp3d/>
+    <dgm:txPr/>
+    <dgm:style>
+      <a:lnRef idx="0">
+        <a:scrgbClr r="0" g="0" b="0"/>
+      </a:lnRef>
+      <a:fillRef idx="0">
+        <a:scrgbClr r="0" g="0" b="0"/>
+      </a:fillRef>
+      <a:effectRef idx="0">
+        <a:scrgbClr r="0" g="0" b="0"/>
+      </a:effectRef>
+      <a:fontRef idx="minor"/>
+    </dgm:style>
+  </dgm:styleLbl>
+</dgm:styleDef>
+</file>
+
 <file path=ppt/notesMasters/notesMaster1.xml><?xml version="1.0" encoding="utf-8"?>
 <p:notesMaster xmlns:a="http://schemas.openxmlformats.org/drawingml/2006/main" xmlns:r="http://schemas.openxmlformats.org/officeDocument/2006/relationships" xmlns:p="http://schemas.openxmlformats.org/presentationml/2006/main">
   <p:cSld>
@@ -13583,7 +17784,7 @@
           <a:p>
             <a:fld id="{39D62CB6-00B6-4334-A2AA-5934367702A6}" type="datetimeFigureOut">
               <a:rPr lang="zh-CN" altLang="en-US" smtClean="0"/>
-              <a:t>2018/10/7</a:t>
+              <a:t>2018/10/15</a:t>
             </a:fld>
             <a:endParaRPr lang="zh-CN" altLang="en-US"/>
           </a:p>
@@ -14252,11 +18453,6 @@
 <file path=ppt/slideLayouts/slideLayout2.xml><?xml version="1.0" encoding="utf-8"?>
 <p:sldLayout xmlns:a="http://schemas.openxmlformats.org/drawingml/2006/main" xmlns:r="http://schemas.openxmlformats.org/officeDocument/2006/relationships" xmlns:p="http://schemas.openxmlformats.org/presentationml/2006/main" type="obj" preserve="1">
   <p:cSld name="标题和内容">
-    <p:bg>
-      <p:bgRef idx="1001">
-        <a:schemeClr val="bg1"/>
-      </p:bgRef>
-    </p:bg>
     <p:spTree>
       <p:nvGrpSpPr>
         <p:cNvPr id="1" name=""/>
@@ -15632,9 +19828,15 @@
   <p:cSld>
     <p:bg>
       <p:bgPr>
-        <a:solidFill>
-          <a:srgbClr val="FFFFFF"/>
-        </a:solidFill>
+        <a:blipFill dpi="0" rotWithShape="1">
+          <a:blip r:embed="rId13">
+            <a:lum/>
+          </a:blip>
+          <a:srcRect/>
+          <a:stretch>
+            <a:fillRect/>
+          </a:stretch>
+        </a:blipFill>
         <a:effectLst/>
       </p:bgPr>
     </p:bg>
@@ -15873,7 +20075,7 @@
           <p:nvPr/>
         </p:nvPicPr>
         <p:blipFill>
-          <a:blip r:embed="rId13" cstate="print">
+          <a:blip r:embed="rId14" cstate="print">
             <a:extLst>
               <a:ext uri="{28A0092B-C50C-407E-A947-70E740481C1C}">
                 <a14:useLocalDpi xmlns:a14="http://schemas.microsoft.com/office/drawing/2010/main" val="0"/>
@@ -15927,7 +20129,7 @@
           <p:nvPr/>
         </p:nvPicPr>
         <p:blipFill>
-          <a:blip r:embed="rId14" cstate="print">
+          <a:blip r:embed="rId15" cstate="print">
             <a:extLst>
               <a:ext uri="{28A0092B-C50C-407E-A947-70E740481C1C}">
                 <a14:useLocalDpi xmlns:a14="http://schemas.microsoft.com/office/drawing/2010/main" val="0"/>
@@ -16419,35 +20621,6 @@
           <a:chExt cx="0" cy="0"/>
         </a:xfrm>
       </p:grpSpPr>
-      <p:pic>
-        <p:nvPicPr>
-          <p:cNvPr id="119" name="ppt背景.png" descr="ppt背景.png"/>
-          <p:cNvPicPr>
-            <a:picLocks noChangeAspect="1"/>
-          </p:cNvPicPr>
-          <p:nvPr/>
-        </p:nvPicPr>
-        <p:blipFill>
-          <a:blip r:embed="rId2">
-            <a:extLst/>
-          </a:blip>
-          <a:stretch>
-            <a:fillRect/>
-          </a:stretch>
-        </p:blipFill>
-        <p:spPr>
-          <a:xfrm>
-            <a:off x="0" y="285926"/>
-            <a:ext cx="12192000" cy="6858000"/>
-          </a:xfrm>
-          <a:prstGeom prst="rect">
-            <a:avLst/>
-          </a:prstGeom>
-          <a:ln w="12700">
-            <a:miter lim="400000"/>
-          </a:ln>
-        </p:spPr>
-      </p:pic>
       <p:sp>
         <p:nvSpPr>
           <p:cNvPr id="7" name="标题 6">
@@ -16563,35 +20736,6 @@
           <a:chExt cx="0" cy="0"/>
         </a:xfrm>
       </p:grpSpPr>
-      <p:pic>
-        <p:nvPicPr>
-          <p:cNvPr id="119" name="ppt背景.png" descr="ppt背景.png"/>
-          <p:cNvPicPr>
-            <a:picLocks noChangeAspect="1"/>
-          </p:cNvPicPr>
-          <p:nvPr/>
-        </p:nvPicPr>
-        <p:blipFill>
-          <a:blip r:embed="rId2">
-            <a:extLst/>
-          </a:blip>
-          <a:stretch>
-            <a:fillRect/>
-          </a:stretch>
-        </p:blipFill>
-        <p:spPr>
-          <a:xfrm>
-            <a:off x="0" y="0"/>
-            <a:ext cx="12192000" cy="6858000"/>
-          </a:xfrm>
-          <a:prstGeom prst="rect">
-            <a:avLst/>
-          </a:prstGeom>
-          <a:ln w="12700">
-            <a:miter lim="400000"/>
-          </a:ln>
-        </p:spPr>
-      </p:pic>
       <p:sp>
         <p:nvSpPr>
           <p:cNvPr id="6" name="标题 5">
@@ -16616,12 +20760,8 @@
           <a:lstStyle/>
           <a:p>
             <a:r>
-              <a:rPr kumimoji="1" lang="en-US" altLang="zh-Hans" dirty="0" err="1"/>
-              <a:t>Webpack</a:t>
-            </a:r>
-            <a:r>
               <a:rPr kumimoji="1" lang="en-US" altLang="zh-Hans" dirty="0"/>
-              <a:t> </a:t>
+              <a:t>webpack </a:t>
             </a:r>
             <a:r>
               <a:rPr kumimoji="1" lang="zh-Hans" altLang="en-US" dirty="0"/>
@@ -16683,126 +20823,40 @@
             </a:pPr>
             <a:endParaRPr lang="en-US" altLang="zh-CN" dirty="0"/>
           </a:p>
-          <a:p>
-            <a:pPr marL="0" indent="0">
-              <a:buNone/>
-            </a:pPr>
-            <a:r>
-              <a:rPr lang="en-US" altLang="zh-CN" dirty="0"/>
-              <a:t>I</a:t>
-            </a:r>
-            <a:r>
-              <a:rPr lang="zh-CN" altLang="en-US" dirty="0"/>
-              <a:t>）</a:t>
-            </a:r>
-            <a:r>
-              <a:rPr lang="en-US" altLang="zh-CN" dirty="0" err="1"/>
-              <a:t>eval</a:t>
-            </a:r>
-            <a:r>
-              <a:rPr lang="en-US" altLang="zh-CN" dirty="0"/>
-              <a:t> </a:t>
-            </a:r>
-            <a:r>
-              <a:rPr lang="zh-CN" altLang="en-US" dirty="0"/>
-              <a:t>： 每一个模块都执行</a:t>
-            </a:r>
-            <a:r>
-              <a:rPr lang="en-US" altLang="zh-CN" dirty="0" err="1"/>
-              <a:t>eval</a:t>
-            </a:r>
-            <a:r>
-              <a:rPr lang="en-US" altLang="zh-CN" dirty="0"/>
-              <a:t>()</a:t>
-            </a:r>
-            <a:r>
-              <a:rPr lang="zh-CN" altLang="en-US" dirty="0"/>
-              <a:t>过程，并且会追加</a:t>
-            </a:r>
-            <a:r>
-              <a:rPr lang="en-US" altLang="zh-CN" dirty="0"/>
-              <a:t>//@ </a:t>
-            </a:r>
-            <a:r>
-              <a:rPr lang="en-US" altLang="zh-CN" dirty="0" err="1"/>
-              <a:t>sourceURL</a:t>
-            </a:r>
-            <a:endParaRPr lang="en-US" altLang="zh-CN" dirty="0"/>
-          </a:p>
-          <a:p>
-            <a:pPr marL="0" indent="0">
-              <a:buNone/>
-            </a:pPr>
-            <a:endParaRPr lang="en-US" altLang="zh-CN" dirty="0"/>
-          </a:p>
-          <a:p>
-            <a:pPr marL="0" indent="0">
-              <a:buNone/>
-            </a:pPr>
-            <a:r>
-              <a:rPr lang="en-US" altLang="zh-CN" dirty="0"/>
-              <a:t>II</a:t>
-            </a:r>
-            <a:r>
-              <a:rPr lang="zh-CN" altLang="en-US" dirty="0"/>
-              <a:t>）</a:t>
-            </a:r>
-            <a:r>
-              <a:rPr lang="en-US" altLang="zh-CN" dirty="0" err="1"/>
-              <a:t>eval</a:t>
-            </a:r>
-            <a:r>
-              <a:rPr lang="en-US" altLang="zh-CN" dirty="0"/>
-              <a:t>-source-map</a:t>
-            </a:r>
-            <a:r>
-              <a:rPr lang="zh-CN" altLang="en-US" dirty="0"/>
-              <a:t>：每一个模块在执行</a:t>
-            </a:r>
-            <a:r>
-              <a:rPr lang="en-US" altLang="zh-CN" dirty="0" err="1"/>
-              <a:t>eval</a:t>
-            </a:r>
-            <a:r>
-              <a:rPr lang="en-US" altLang="zh-CN" dirty="0"/>
-              <a:t>()</a:t>
-            </a:r>
-            <a:r>
-              <a:rPr lang="zh-CN" altLang="en-US" dirty="0"/>
-              <a:t>过程之后，并且会为每一个模块生成</a:t>
-            </a:r>
-            <a:r>
-              <a:rPr lang="en-US" altLang="zh-CN" dirty="0" err="1"/>
-              <a:t>sourcemap</a:t>
-            </a:r>
-            <a:r>
-              <a:rPr lang="zh-CN" altLang="en-US" dirty="0"/>
-              <a:t>文件，生成的</a:t>
-            </a:r>
-            <a:r>
-              <a:rPr lang="en-US" altLang="zh-CN" dirty="0" err="1"/>
-              <a:t>sourcemap</a:t>
-            </a:r>
-            <a:r>
-              <a:rPr lang="zh-CN" altLang="en-US" dirty="0"/>
-              <a:t>文件通过</a:t>
-            </a:r>
-            <a:r>
-              <a:rPr lang="en-US" altLang="zh-CN" dirty="0" err="1"/>
-              <a:t>DataURL</a:t>
-            </a:r>
-            <a:r>
-              <a:rPr lang="zh-CN" altLang="en-US" dirty="0"/>
-              <a:t>的方式添加</a:t>
-            </a:r>
-            <a:endParaRPr lang="en-US" altLang="zh-CN" dirty="0"/>
-          </a:p>
         </p:txBody>
       </p:sp>
+      <p:graphicFrame>
+        <p:nvGraphicFramePr>
+          <p:cNvPr id="2" name="图示 1">
+            <a:extLst>
+              <a:ext uri="{FF2B5EF4-FFF2-40B4-BE49-F238E27FC236}">
+                <a16:creationId xmlns:a16="http://schemas.microsoft.com/office/drawing/2014/main" id="{6A5822C5-3DC2-2549-B522-56BAAD96A214}"/>
+              </a:ext>
+            </a:extLst>
+          </p:cNvPr>
+          <p:cNvGraphicFramePr/>
+          <p:nvPr>
+            <p:extLst>
+              <p:ext uri="{D42A27DB-BD31-4B8C-83A1-F6EECF244321}">
+                <p14:modId xmlns:p14="http://schemas.microsoft.com/office/powerpoint/2010/main" val="2150777730"/>
+              </p:ext>
+            </p:extLst>
+          </p:nvPr>
+        </p:nvGraphicFramePr>
+        <p:xfrm>
+          <a:off x="5023394" y="2586446"/>
+          <a:ext cx="5975531" cy="3486573"/>
+        </p:xfrm>
+        <a:graphic>
+          <a:graphicData uri="http://schemas.openxmlformats.org/drawingml/2006/diagram">
+            <dgm:relIds xmlns:dgm="http://schemas.openxmlformats.org/drawingml/2006/diagram" xmlns:r="http://schemas.openxmlformats.org/officeDocument/2006/relationships" r:dm="rId2" r:lo="rId3" r:qs="rId4" r:cs="rId5"/>
+          </a:graphicData>
+        </a:graphic>
+      </p:graphicFrame>
     </p:spTree>
     <p:extLst>
       <p:ext uri="{BB962C8B-B14F-4D97-AF65-F5344CB8AC3E}">
-        <p14:creationId xmlns:p14="http://schemas.microsoft.com/office/powerpoint/2010/main" val="2224844930"/>
+        <p14:creationId xmlns:p14="http://schemas.microsoft.com/office/powerpoint/2010/main" val="2081252882"/>
       </p:ext>
     </p:extLst>
   </p:cSld>
@@ -16829,35 +20883,6 @@
           <a:chExt cx="0" cy="0"/>
         </a:xfrm>
       </p:grpSpPr>
-      <p:pic>
-        <p:nvPicPr>
-          <p:cNvPr id="119" name="ppt背景.png" descr="ppt背景.png"/>
-          <p:cNvPicPr>
-            <a:picLocks noChangeAspect="1"/>
-          </p:cNvPicPr>
-          <p:nvPr/>
-        </p:nvPicPr>
-        <p:blipFill>
-          <a:blip r:embed="rId2">
-            <a:extLst/>
-          </a:blip>
-          <a:stretch>
-            <a:fillRect/>
-          </a:stretch>
-        </p:blipFill>
-        <p:spPr>
-          <a:xfrm>
-            <a:off x="0" y="0"/>
-            <a:ext cx="12192000" cy="6858000"/>
-          </a:xfrm>
-          <a:prstGeom prst="rect">
-            <a:avLst/>
-          </a:prstGeom>
-          <a:ln w="12700">
-            <a:miter lim="400000"/>
-          </a:ln>
-        </p:spPr>
-      </p:pic>
       <p:sp>
         <p:nvSpPr>
           <p:cNvPr id="6" name="标题 5">
@@ -16882,8 +20907,169 @@
           <a:lstStyle/>
           <a:p>
             <a:r>
+              <a:rPr kumimoji="1" lang="en-US" altLang="zh-Hans" dirty="0"/>
+              <a:t>webpack </a:t>
+            </a:r>
+            <a:r>
+              <a:rPr kumimoji="1" lang="zh-Hans" altLang="en-US" dirty="0"/>
+              <a:t>的 </a:t>
+            </a:r>
+            <a:r>
+              <a:rPr kumimoji="1" lang="en-US" altLang="zh-Hans" dirty="0"/>
+              <a:t>source map</a:t>
+            </a:r>
+            <a:endParaRPr kumimoji="1" lang="zh-CN" altLang="en-US" dirty="0"/>
+          </a:p>
+        </p:txBody>
+      </p:sp>
+      <p:sp>
+        <p:nvSpPr>
+          <p:cNvPr id="8" name="内容占位符 7">
+            <a:extLst>
+              <a:ext uri="{FF2B5EF4-FFF2-40B4-BE49-F238E27FC236}">
+                <a16:creationId xmlns:a16="http://schemas.microsoft.com/office/drawing/2014/main" id="{18C33010-8A9F-8C42-89E7-C7B3A9F9F592}"/>
+              </a:ext>
+            </a:extLst>
+          </p:cNvPr>
+          <p:cNvSpPr>
+            <a:spLocks noGrp="1"/>
+          </p:cNvSpPr>
+          <p:nvPr>
+            <p:ph idx="1"/>
+          </p:nvPr>
+        </p:nvSpPr>
+        <p:spPr/>
+        <p:txBody>
+          <a:bodyPr/>
+          <a:lstStyle/>
+          <a:p>
+            <a:pPr marL="0" indent="0">
+              <a:buNone/>
+            </a:pPr>
+            <a:r>
+              <a:rPr lang="zh-CN" altLang="en-US" dirty="0"/>
+              <a:t>实际上</a:t>
+            </a:r>
+            <a:r>
+              <a:rPr lang="en-US" altLang="zh-CN" dirty="0" err="1"/>
+              <a:t>webpack</a:t>
+            </a:r>
+            <a:r>
+              <a:rPr lang="zh-CN" altLang="en-US" dirty="0"/>
+              <a:t>中的</a:t>
+            </a:r>
+            <a:r>
+              <a:rPr lang="en-US" altLang="zh-CN" dirty="0" err="1"/>
+              <a:t>sourcemap</a:t>
+            </a:r>
+            <a:r>
+              <a:rPr lang="zh-CN" altLang="en-US" dirty="0"/>
+              <a:t>的基本类型包括：</a:t>
+            </a:r>
+            <a:r>
+              <a:rPr lang="en-US" altLang="zh-CN" dirty="0" err="1"/>
+              <a:t>eval</a:t>
+            </a:r>
+            <a:r>
+              <a:rPr lang="zh-CN" altLang="en-US" dirty="0"/>
+              <a:t>，</a:t>
+            </a:r>
+            <a:r>
+              <a:rPr lang="en-US" altLang="zh-CN" dirty="0" err="1"/>
+              <a:t>cheap,moudule</a:t>
+            </a:r>
+            <a:r>
+              <a:rPr lang="zh-CN" altLang="en-US" dirty="0"/>
+              <a:t>，</a:t>
+            </a:r>
+            <a:r>
+              <a:rPr lang="en-US" altLang="zh-CN" dirty="0" err="1"/>
+              <a:t>inline,source</a:t>
+            </a:r>
+            <a:r>
+              <a:rPr lang="en-US" altLang="zh-CN" dirty="0"/>
+              <a:t>-map</a:t>
+            </a:r>
+            <a:r>
+              <a:rPr lang="zh-CN" altLang="en-US" dirty="0"/>
+              <a:t>。其他的类型都是根据这</a:t>
+            </a:r>
+            <a:r>
+              <a:rPr lang="en-US" altLang="zh-CN" dirty="0"/>
+              <a:t>5</a:t>
+            </a:r>
+            <a:r>
+              <a:rPr lang="zh-CN" altLang="en-US" dirty="0"/>
+              <a:t>个基本类型组合而来</a:t>
+            </a:r>
+            <a:endParaRPr lang="en-US" altLang="zh-CN" dirty="0"/>
+          </a:p>
+        </p:txBody>
+      </p:sp>
+    </p:spTree>
+    <p:extLst>
+      <p:ext uri="{BB962C8B-B14F-4D97-AF65-F5344CB8AC3E}">
+        <p14:creationId xmlns:p14="http://schemas.microsoft.com/office/powerpoint/2010/main" val="2511241502"/>
+      </p:ext>
+    </p:extLst>
+  </p:cSld>
+  <p:clrMapOvr>
+    <a:masterClrMapping/>
+  </p:clrMapOvr>
+</p:sld>
+</file>
+
+<file path=ppt/slides/slide12.xml><?xml version="1.0" encoding="utf-8"?>
+<p:sld xmlns:a="http://schemas.openxmlformats.org/drawingml/2006/main" xmlns:r="http://schemas.openxmlformats.org/officeDocument/2006/relationships" xmlns:p="http://schemas.openxmlformats.org/presentationml/2006/main">
+  <p:cSld>
+    <p:spTree>
+      <p:nvGrpSpPr>
+        <p:cNvPr id="1" name=""/>
+        <p:cNvGrpSpPr/>
+        <p:nvPr/>
+      </p:nvGrpSpPr>
+      <p:grpSpPr>
+        <a:xfrm>
+          <a:off x="0" y="0"/>
+          <a:ext cx="0" cy="0"/>
+          <a:chOff x="0" y="0"/>
+          <a:chExt cx="0" cy="0"/>
+        </a:xfrm>
+      </p:grpSpPr>
+      <p:sp>
+        <p:nvSpPr>
+          <p:cNvPr id="6" name="标题 5">
+            <a:extLst>
+              <a:ext uri="{FF2B5EF4-FFF2-40B4-BE49-F238E27FC236}">
+                <a16:creationId xmlns:a16="http://schemas.microsoft.com/office/drawing/2014/main" id="{6DDAEAE1-8EFA-DF4F-AF29-7D613EDBC6C7}"/>
+              </a:ext>
+            </a:extLst>
+          </p:cNvPr>
+          <p:cNvSpPr>
+            <a:spLocks noGrp="1"/>
+          </p:cNvSpPr>
+          <p:nvPr>
+            <p:ph type="title"/>
+          </p:nvPr>
+        </p:nvSpPr>
+        <p:spPr/>
+        <p:txBody>
+          <a:bodyPr>
+            <a:noAutofit/>
+          </a:bodyPr>
+          <a:lstStyle/>
+          <a:p>
+            <a:r>
+              <a:rPr kumimoji="1" lang="en-US" altLang="zh-Hans" dirty="0"/>
+              <a:t>webpack </a:t>
+            </a:r>
+            <a:r>
+              <a:rPr kumimoji="1" lang="zh-Hans" altLang="en-US" dirty="0"/>
+              <a:t>的 </a:t>
+            </a:r>
+            <a:r>
               <a:rPr kumimoji="1" lang="en-US" altLang="zh-Hans" dirty="0" err="1"/>
-              <a:t>Webpack</a:t>
+              <a:t>devtool</a:t>
             </a:r>
             <a:r>
               <a:rPr kumimoji="1" lang="en-US" altLang="zh-Hans" dirty="0"/>
@@ -16891,11 +21077,11 @@
             </a:r>
             <a:r>
               <a:rPr kumimoji="1" lang="zh-Hans" altLang="en-US" dirty="0"/>
-              <a:t>的 </a:t>
-            </a:r>
-            <a:r>
-              <a:rPr kumimoji="1" lang="en-US" altLang="zh-Hans" dirty="0"/>
-              <a:t>source map</a:t>
+              <a:t>之 </a:t>
+            </a:r>
+            <a:r>
+              <a:rPr kumimoji="1" lang="en-US" altLang="zh-Hans" dirty="0" err="1"/>
+              <a:t>eval</a:t>
             </a:r>
             <a:endParaRPr kumimoji="1" lang="zh-CN" altLang="en-US" dirty="0"/>
           </a:p>
@@ -16926,64 +21112,48 @@
               <a:buNone/>
             </a:pPr>
             <a:r>
-              <a:rPr lang="en-US" altLang="zh-CN" dirty="0"/>
-              <a:t>III</a:t>
-            </a:r>
-            <a:r>
-              <a:rPr lang="zh-CN" altLang="en-US" dirty="0"/>
-              <a:t>）</a:t>
-            </a:r>
-            <a:r>
-              <a:rPr lang="en-US" altLang="zh-CN" dirty="0"/>
-              <a:t>cheap-</a:t>
-            </a:r>
-            <a:r>
               <a:rPr lang="en-US" altLang="zh-CN" dirty="0" err="1"/>
               <a:t>eval</a:t>
             </a:r>
             <a:r>
+              <a:rPr lang="zh-CN" altLang="en-US" dirty="0"/>
+              <a:t>会将每一个</a:t>
+            </a:r>
+            <a:r>
               <a:rPr lang="en-US" altLang="zh-CN" dirty="0"/>
-              <a:t>-source-map</a:t>
+              <a:t>module</a:t>
             </a:r>
             <a:r>
               <a:rPr lang="zh-CN" altLang="en-US" dirty="0"/>
-              <a:t>：跟</a:t>
+              <a:t>模块</a:t>
+            </a:r>
+            <a:endParaRPr lang="en-US" altLang="zh-CN" dirty="0"/>
+          </a:p>
+          <a:p>
+            <a:pPr marL="0" indent="0" latinLnBrk="1">
+              <a:buNone/>
+            </a:pPr>
+            <a:r>
+              <a:rPr lang="zh-CN" altLang="en-US" dirty="0"/>
+              <a:t>，执行</a:t>
             </a:r>
             <a:r>
               <a:rPr lang="en-US" altLang="zh-CN" dirty="0" err="1"/>
               <a:t>eval</a:t>
             </a:r>
             <a:r>
-              <a:rPr lang="en-US" altLang="zh-CN" dirty="0"/>
-              <a:t>-source-map</a:t>
-            </a:r>
-            <a:r>
               <a:rPr lang="zh-CN" altLang="en-US" dirty="0"/>
-              <a:t>相同，唯一不同的就是增加了”</a:t>
-            </a:r>
-            <a:r>
-              <a:rPr lang="en-US" altLang="zh-CN" dirty="0"/>
-              <a:t>cheap”</a:t>
-            </a:r>
+              <a:t>，执行后不会生</a:t>
+            </a:r>
+            <a:endParaRPr lang="en-US" altLang="zh-CN" dirty="0"/>
+          </a:p>
+          <a:p>
+            <a:pPr marL="0" indent="0" latinLnBrk="1">
+              <a:buNone/>
+            </a:pPr>
             <a:r>
               <a:rPr lang="zh-CN" altLang="en-US" dirty="0"/>
-              <a:t>，”</a:t>
-            </a:r>
-            <a:r>
-              <a:rPr lang="en-US" altLang="zh-CN" dirty="0"/>
-              <a:t>cheap”</a:t>
-            </a:r>
-            <a:r>
-              <a:rPr lang="zh-CN" altLang="en-US" dirty="0"/>
-              <a:t>是指忽略了行信息。这个属性同时也不会生成不同</a:t>
-            </a:r>
-            <a:r>
-              <a:rPr lang="en-US" altLang="zh-CN" dirty="0"/>
-              <a:t>loader</a:t>
-            </a:r>
-            <a:r>
-              <a:rPr lang="zh-CN" altLang="en-US" dirty="0"/>
-              <a:t>模块之间的</a:t>
+              <a:t>成</a:t>
             </a:r>
             <a:r>
               <a:rPr lang="en-US" altLang="zh-CN" dirty="0" err="1"/>
@@ -16991,144 +21161,92 @@
             </a:r>
             <a:r>
               <a:rPr lang="zh-CN" altLang="en-US" dirty="0"/>
-              <a:t>。</a:t>
-            </a:r>
+              <a:t>文件，仅是在</a:t>
+            </a:r>
+            <a:endParaRPr lang="en-US" altLang="zh-CN" dirty="0"/>
           </a:p>
           <a:p>
-            <a:pPr marL="0" indent="0">
+            <a:pPr marL="0" indent="0" latinLnBrk="1">
+              <a:buNone/>
+            </a:pPr>
+            <a:r>
+              <a:rPr lang="zh-CN" altLang="en-US" dirty="0"/>
+              <a:t>每一个模块后，增加</a:t>
+            </a:r>
+            <a:r>
+              <a:rPr lang="en-US" altLang="zh-CN" dirty="0" err="1"/>
+              <a:t>sourceURL</a:t>
+            </a:r>
+            <a:endParaRPr lang="en-US" altLang="zh-CN" dirty="0"/>
+          </a:p>
+          <a:p>
+            <a:pPr marL="0" indent="0" latinLnBrk="1">
+              <a:buNone/>
+            </a:pPr>
+            <a:r>
+              <a:rPr lang="zh-CN" altLang="en-US" dirty="0"/>
+              <a:t>来关联模块处理前后的对应关系。</a:t>
+            </a:r>
+            <a:endParaRPr lang="en-US" altLang="zh-CN" dirty="0"/>
+          </a:p>
+          <a:p>
+            <a:pPr marL="0" indent="0" latinLnBrk="1">
+              <a:buNone/>
+            </a:pPr>
+            <a:r>
+              <a:rPr lang="zh-Hans" altLang="en-US" dirty="0"/>
+              <a:t>如图</a:t>
+            </a:r>
+            <a:endParaRPr lang="en-US" altLang="zh-CN" dirty="0"/>
+          </a:p>
+          <a:p>
+            <a:pPr marL="0" indent="0" latinLnBrk="1">
               <a:buNone/>
             </a:pPr>
             <a:endParaRPr lang="en-US" altLang="zh-CN" dirty="0"/>
           </a:p>
-          <a:p>
-            <a:pPr marL="0" indent="0">
-              <a:buNone/>
-            </a:pPr>
-            <a:r>
-              <a:rPr lang="en-US" altLang="zh-CN" dirty="0"/>
-              <a:t>VI</a:t>
-            </a:r>
-            <a:r>
-              <a:rPr lang="zh-CN" altLang="en-US" dirty="0"/>
-              <a:t>）</a:t>
-            </a:r>
-            <a:r>
-              <a:rPr lang="en-US" altLang="zh-CN" dirty="0"/>
-              <a:t>cheap-module-</a:t>
-            </a:r>
-            <a:r>
-              <a:rPr lang="en-US" altLang="zh-CN" dirty="0" err="1"/>
-              <a:t>eval</a:t>
-            </a:r>
-            <a:r>
-              <a:rPr lang="en-US" altLang="zh-CN" dirty="0"/>
-              <a:t>-source-map</a:t>
-            </a:r>
-            <a:r>
-              <a:rPr lang="zh-CN" altLang="en-US" dirty="0"/>
-              <a:t>：与</a:t>
-            </a:r>
-            <a:r>
-              <a:rPr lang="en-US" altLang="zh-CN" dirty="0"/>
-              <a:t>cheap-</a:t>
-            </a:r>
-            <a:r>
-              <a:rPr lang="en-US" altLang="zh-CN" dirty="0" err="1"/>
-              <a:t>eval</a:t>
-            </a:r>
-            <a:r>
-              <a:rPr lang="en-US" altLang="zh-CN" dirty="0"/>
-              <a:t>-source-map</a:t>
-            </a:r>
-            <a:r>
-              <a:rPr lang="zh-CN" altLang="en-US" dirty="0"/>
-              <a:t>相同，但是包含了不同</a:t>
-            </a:r>
-            <a:r>
-              <a:rPr lang="en-US" altLang="zh-CN" dirty="0"/>
-              <a:t>loader</a:t>
-            </a:r>
-            <a:r>
-              <a:rPr lang="zh-CN" altLang="en-US" dirty="0"/>
-              <a:t>模块之间的</a:t>
-            </a:r>
-            <a:r>
-              <a:rPr lang="en-US" altLang="zh-CN" dirty="0" err="1"/>
-              <a:t>sourcemap</a:t>
-            </a:r>
-            <a:br>
-              <a:rPr lang="en-US" altLang="zh-CN" dirty="0"/>
-            </a:br>
-            <a:endParaRPr lang="en-US" altLang="zh-CN" dirty="0"/>
-          </a:p>
-          <a:p>
-            <a:pPr marL="0" indent="0">
-              <a:buNone/>
-            </a:pPr>
-            <a:r>
-              <a:rPr lang="zh-CN" altLang="en-US" dirty="0"/>
-              <a:t>实际上</a:t>
-            </a:r>
-            <a:r>
-              <a:rPr lang="en-US" altLang="zh-CN" dirty="0" err="1"/>
-              <a:t>webpack</a:t>
-            </a:r>
-            <a:r>
-              <a:rPr lang="zh-CN" altLang="en-US" dirty="0"/>
-              <a:t>中的</a:t>
-            </a:r>
-            <a:r>
-              <a:rPr lang="en-US" altLang="zh-CN" dirty="0" err="1"/>
-              <a:t>sourcemap</a:t>
-            </a:r>
-            <a:r>
-              <a:rPr lang="zh-CN" altLang="en-US" dirty="0"/>
-              <a:t>的基本类型包括：</a:t>
-            </a:r>
-            <a:r>
-              <a:rPr lang="en-US" altLang="zh-CN" dirty="0" err="1"/>
-              <a:t>eval</a:t>
-            </a:r>
-            <a:r>
-              <a:rPr lang="zh-CN" altLang="en-US" dirty="0"/>
-              <a:t>，</a:t>
-            </a:r>
-            <a:r>
-              <a:rPr lang="en-US" altLang="zh-CN" dirty="0" err="1"/>
-              <a:t>cheap,moudule</a:t>
-            </a:r>
-            <a:r>
-              <a:rPr lang="zh-CN" altLang="en-US" dirty="0"/>
-              <a:t>，</a:t>
-            </a:r>
-            <a:r>
-              <a:rPr lang="en-US" altLang="zh-CN" dirty="0" err="1"/>
-              <a:t>inline,source</a:t>
-            </a:r>
-            <a:r>
-              <a:rPr lang="en-US" altLang="zh-CN" dirty="0"/>
-              <a:t>-map</a:t>
-            </a:r>
-            <a:r>
-              <a:rPr lang="zh-CN" altLang="en-US" dirty="0"/>
-              <a:t>。其他的类型都是根据这</a:t>
-            </a:r>
-            <a:r>
-              <a:rPr lang="en-US" altLang="zh-CN" dirty="0"/>
-              <a:t>5</a:t>
-            </a:r>
-            <a:r>
-              <a:rPr lang="zh-CN" altLang="en-US" dirty="0"/>
-              <a:t>个基本类型组合而来</a:t>
-            </a:r>
-            <a:endParaRPr lang="en-US" altLang="zh-CN" dirty="0"/>
-          </a:p>
         </p:txBody>
       </p:sp>
+      <p:pic>
+        <p:nvPicPr>
+          <p:cNvPr id="3" name="图片 2">
+            <a:extLst>
+              <a:ext uri="{FF2B5EF4-FFF2-40B4-BE49-F238E27FC236}">
+                <a16:creationId xmlns:a16="http://schemas.microsoft.com/office/drawing/2014/main" id="{3D1C4236-1047-1E46-BBFB-448924A4906B}"/>
+              </a:ext>
+            </a:extLst>
+          </p:cNvPr>
+          <p:cNvPicPr>
+            <a:picLocks noChangeAspect="1"/>
+          </p:cNvPicPr>
+          <p:nvPr/>
+        </p:nvPicPr>
+        <p:blipFill>
+          <a:blip r:embed="rId2">
+            <a:extLst>
+              <a:ext uri="{28A0092B-C50C-407E-A947-70E740481C1C}">
+                <a14:useLocalDpi xmlns:a14="http://schemas.microsoft.com/office/drawing/2010/main" val="0"/>
+              </a:ext>
+            </a:extLst>
+          </a:blip>
+          <a:stretch>
+            <a:fillRect/>
+          </a:stretch>
+        </p:blipFill>
+        <p:spPr>
+          <a:xfrm>
+            <a:off x="6096000" y="1442568"/>
+            <a:ext cx="5416446" cy="4847630"/>
+          </a:xfrm>
+          <a:prstGeom prst="rect">
+            <a:avLst/>
+          </a:prstGeom>
+        </p:spPr>
+      </p:pic>
     </p:spTree>
     <p:extLst>
       <p:ext uri="{BB962C8B-B14F-4D97-AF65-F5344CB8AC3E}">
-        <p14:creationId xmlns:p14="http://schemas.microsoft.com/office/powerpoint/2010/main" val="2265926510"/>
+        <p14:creationId xmlns:p14="http://schemas.microsoft.com/office/powerpoint/2010/main" val="1311735840"/>
       </p:ext>
     </p:extLst>
   </p:cSld>
@@ -17138,7 +21256,7 @@
 </p:sld>
 </file>
 
-<file path=ppt/slides/slide12.xml><?xml version="1.0" encoding="utf-8"?>
+<file path=ppt/slides/slide13.xml><?xml version="1.0" encoding="utf-8"?>
 <p:sld xmlns:a="http://schemas.openxmlformats.org/drawingml/2006/main" xmlns:r="http://schemas.openxmlformats.org/officeDocument/2006/relationships" xmlns:p="http://schemas.openxmlformats.org/presentationml/2006/main">
   <p:cSld>
     <p:spTree>
@@ -17155,35 +21273,6 @@
           <a:chExt cx="0" cy="0"/>
         </a:xfrm>
       </p:grpSpPr>
-      <p:pic>
-        <p:nvPicPr>
-          <p:cNvPr id="119" name="ppt背景.png" descr="ppt背景.png"/>
-          <p:cNvPicPr>
-            <a:picLocks noChangeAspect="1"/>
-          </p:cNvPicPr>
-          <p:nvPr/>
-        </p:nvPicPr>
-        <p:blipFill>
-          <a:blip r:embed="rId2">
-            <a:extLst/>
-          </a:blip>
-          <a:stretch>
-            <a:fillRect/>
-          </a:stretch>
-        </p:blipFill>
-        <p:spPr>
-          <a:xfrm>
-            <a:off x="0" y="0"/>
-            <a:ext cx="12192000" cy="6858000"/>
-          </a:xfrm>
-          <a:prstGeom prst="rect">
-            <a:avLst/>
-          </a:prstGeom>
-          <a:ln w="12700">
-            <a:miter lim="400000"/>
-          </a:ln>
-        </p:spPr>
-      </p:pic>
       <p:sp>
         <p:nvSpPr>
           <p:cNvPr id="6" name="标题 5">
@@ -17208,8 +21297,16 @@
           <a:lstStyle/>
           <a:p>
             <a:r>
+              <a:rPr kumimoji="1" lang="en-US" altLang="zh-Hans" dirty="0"/>
+              <a:t>webpack </a:t>
+            </a:r>
+            <a:r>
+              <a:rPr kumimoji="1" lang="zh-Hans" altLang="en-US" dirty="0"/>
+              <a:t>的 </a:t>
+            </a:r>
+            <a:r>
               <a:rPr kumimoji="1" lang="en-US" altLang="zh-Hans" dirty="0" err="1"/>
-              <a:t>Webpack</a:t>
+              <a:t>devtool</a:t>
             </a:r>
             <a:r>
               <a:rPr kumimoji="1" lang="en-US" altLang="zh-Hans" dirty="0"/>
@@ -17217,23 +21314,15 @@
             </a:r>
             <a:r>
               <a:rPr kumimoji="1" lang="zh-Hans" altLang="en-US" dirty="0"/>
-              <a:t>的 </a:t>
-            </a:r>
-            <a:r>
-              <a:rPr kumimoji="1" lang="en-US" altLang="zh-Hans" dirty="0" err="1"/>
-              <a:t>devtool</a:t>
-            </a:r>
-            <a:r>
-              <a:rPr kumimoji="1" lang="en-US" altLang="zh-Hans" dirty="0"/>
-              <a:t> </a:t>
-            </a:r>
-            <a:r>
-              <a:rPr kumimoji="1" lang="zh-Hans" altLang="en-US" dirty="0"/>
               <a:t>之 </a:t>
             </a:r>
             <a:r>
-              <a:rPr kumimoji="1" lang="en-US" altLang="zh-Hans" dirty="0" err="1"/>
-              <a:t>eval</a:t>
+              <a:rPr lang="en-US" altLang="zh-CN" dirty="0" err="1"/>
+              <a:t>soure</a:t>
+            </a:r>
+            <a:r>
+              <a:rPr lang="en-US" altLang="zh-CN" dirty="0"/>
+              <a:t>-map </a:t>
             </a:r>
             <a:endParaRPr kumimoji="1" lang="zh-CN" altLang="en-US" dirty="0"/>
           </a:p>
@@ -17264,280 +21353,6 @@
               <a:buNone/>
             </a:pPr>
             <a:r>
-              <a:rPr lang="en-US" altLang="zh-CN" dirty="0" err="1"/>
-              <a:t>eval</a:t>
-            </a:r>
-            <a:r>
-              <a:rPr lang="zh-CN" altLang="en-US" dirty="0"/>
-              <a:t>会将每一个</a:t>
-            </a:r>
-            <a:r>
-              <a:rPr lang="en-US" altLang="zh-CN" dirty="0"/>
-              <a:t>module</a:t>
-            </a:r>
-            <a:r>
-              <a:rPr lang="zh-CN" altLang="en-US" dirty="0"/>
-              <a:t>模块</a:t>
-            </a:r>
-            <a:endParaRPr lang="en-US" altLang="zh-CN" dirty="0"/>
-          </a:p>
-          <a:p>
-            <a:pPr marL="0" indent="0" latinLnBrk="1">
-              <a:buNone/>
-            </a:pPr>
-            <a:r>
-              <a:rPr lang="zh-CN" altLang="en-US" dirty="0"/>
-              <a:t>，执行</a:t>
-            </a:r>
-            <a:r>
-              <a:rPr lang="en-US" altLang="zh-CN" dirty="0" err="1"/>
-              <a:t>eval</a:t>
-            </a:r>
-            <a:r>
-              <a:rPr lang="zh-CN" altLang="en-US" dirty="0"/>
-              <a:t>，执行后不会生</a:t>
-            </a:r>
-            <a:endParaRPr lang="en-US" altLang="zh-CN" dirty="0"/>
-          </a:p>
-          <a:p>
-            <a:pPr marL="0" indent="0" latinLnBrk="1">
-              <a:buNone/>
-            </a:pPr>
-            <a:r>
-              <a:rPr lang="zh-CN" altLang="en-US" dirty="0"/>
-              <a:t>成</a:t>
-            </a:r>
-            <a:r>
-              <a:rPr lang="en-US" altLang="zh-CN" dirty="0" err="1"/>
-              <a:t>sourcemap</a:t>
-            </a:r>
-            <a:r>
-              <a:rPr lang="zh-CN" altLang="en-US" dirty="0"/>
-              <a:t>文件，仅是在</a:t>
-            </a:r>
-            <a:endParaRPr lang="en-US" altLang="zh-CN" dirty="0"/>
-          </a:p>
-          <a:p>
-            <a:pPr marL="0" indent="0" latinLnBrk="1">
-              <a:buNone/>
-            </a:pPr>
-            <a:r>
-              <a:rPr lang="zh-CN" altLang="en-US" dirty="0"/>
-              <a:t>每一个模块后，增加</a:t>
-            </a:r>
-            <a:r>
-              <a:rPr lang="en-US" altLang="zh-CN" dirty="0" err="1"/>
-              <a:t>sourceURL</a:t>
-            </a:r>
-            <a:endParaRPr lang="en-US" altLang="zh-CN" dirty="0"/>
-          </a:p>
-          <a:p>
-            <a:pPr marL="0" indent="0" latinLnBrk="1">
-              <a:buNone/>
-            </a:pPr>
-            <a:r>
-              <a:rPr lang="zh-CN" altLang="en-US" dirty="0"/>
-              <a:t>来关联模块处理前后的对应关系。</a:t>
-            </a:r>
-            <a:endParaRPr lang="en-US" altLang="zh-CN" dirty="0"/>
-          </a:p>
-          <a:p>
-            <a:pPr marL="0" indent="0" latinLnBrk="1">
-              <a:buNone/>
-            </a:pPr>
-            <a:r>
-              <a:rPr lang="zh-Hans" altLang="en-US" dirty="0"/>
-              <a:t>如图</a:t>
-            </a:r>
-            <a:endParaRPr lang="en-US" altLang="zh-CN" dirty="0"/>
-          </a:p>
-          <a:p>
-            <a:pPr marL="0" indent="0" latinLnBrk="1">
-              <a:buNone/>
-            </a:pPr>
-            <a:endParaRPr lang="en-US" altLang="zh-CN" dirty="0"/>
-          </a:p>
-        </p:txBody>
-      </p:sp>
-      <p:pic>
-        <p:nvPicPr>
-          <p:cNvPr id="3" name="图片 2">
-            <a:extLst>
-              <a:ext uri="{FF2B5EF4-FFF2-40B4-BE49-F238E27FC236}">
-                <a16:creationId xmlns:a16="http://schemas.microsoft.com/office/drawing/2014/main" id="{3D1C4236-1047-1E46-BBFB-448924A4906B}"/>
-              </a:ext>
-            </a:extLst>
-          </p:cNvPr>
-          <p:cNvPicPr>
-            <a:picLocks noChangeAspect="1"/>
-          </p:cNvPicPr>
-          <p:nvPr/>
-        </p:nvPicPr>
-        <p:blipFill>
-          <a:blip r:embed="rId3">
-            <a:extLst>
-              <a:ext uri="{28A0092B-C50C-407E-A947-70E740481C1C}">
-                <a14:useLocalDpi xmlns:a14="http://schemas.microsoft.com/office/drawing/2010/main" val="0"/>
-              </a:ext>
-            </a:extLst>
-          </a:blip>
-          <a:stretch>
-            <a:fillRect/>
-          </a:stretch>
-        </p:blipFill>
-        <p:spPr>
-          <a:xfrm>
-            <a:off x="6096000" y="1442568"/>
-            <a:ext cx="5416446" cy="4847630"/>
-          </a:xfrm>
-          <a:prstGeom prst="rect">
-            <a:avLst/>
-          </a:prstGeom>
-        </p:spPr>
-      </p:pic>
-    </p:spTree>
-    <p:extLst>
-      <p:ext uri="{BB962C8B-B14F-4D97-AF65-F5344CB8AC3E}">
-        <p14:creationId xmlns:p14="http://schemas.microsoft.com/office/powerpoint/2010/main" val="2765142879"/>
-      </p:ext>
-    </p:extLst>
-  </p:cSld>
-  <p:clrMapOvr>
-    <a:masterClrMapping/>
-  </p:clrMapOvr>
-</p:sld>
-</file>
-
-<file path=ppt/slides/slide13.xml><?xml version="1.0" encoding="utf-8"?>
-<p:sld xmlns:a="http://schemas.openxmlformats.org/drawingml/2006/main" xmlns:r="http://schemas.openxmlformats.org/officeDocument/2006/relationships" xmlns:p="http://schemas.openxmlformats.org/presentationml/2006/main">
-  <p:cSld>
-    <p:spTree>
-      <p:nvGrpSpPr>
-        <p:cNvPr id="1" name=""/>
-        <p:cNvGrpSpPr/>
-        <p:nvPr/>
-      </p:nvGrpSpPr>
-      <p:grpSpPr>
-        <a:xfrm>
-          <a:off x="0" y="0"/>
-          <a:ext cx="0" cy="0"/>
-          <a:chOff x="0" y="0"/>
-          <a:chExt cx="0" cy="0"/>
-        </a:xfrm>
-      </p:grpSpPr>
-      <p:pic>
-        <p:nvPicPr>
-          <p:cNvPr id="119" name="ppt背景.png" descr="ppt背景.png"/>
-          <p:cNvPicPr>
-            <a:picLocks noChangeAspect="1"/>
-          </p:cNvPicPr>
-          <p:nvPr/>
-        </p:nvPicPr>
-        <p:blipFill>
-          <a:blip r:embed="rId2">
-            <a:extLst/>
-          </a:blip>
-          <a:stretch>
-            <a:fillRect/>
-          </a:stretch>
-        </p:blipFill>
-        <p:spPr>
-          <a:xfrm>
-            <a:off x="0" y="0"/>
-            <a:ext cx="12192000" cy="6858000"/>
-          </a:xfrm>
-          <a:prstGeom prst="rect">
-            <a:avLst/>
-          </a:prstGeom>
-          <a:ln w="12700">
-            <a:miter lim="400000"/>
-          </a:ln>
-        </p:spPr>
-      </p:pic>
-      <p:sp>
-        <p:nvSpPr>
-          <p:cNvPr id="6" name="标题 5">
-            <a:extLst>
-              <a:ext uri="{FF2B5EF4-FFF2-40B4-BE49-F238E27FC236}">
-                <a16:creationId xmlns:a16="http://schemas.microsoft.com/office/drawing/2014/main" id="{6DDAEAE1-8EFA-DF4F-AF29-7D613EDBC6C7}"/>
-              </a:ext>
-            </a:extLst>
-          </p:cNvPr>
-          <p:cNvSpPr>
-            <a:spLocks noGrp="1"/>
-          </p:cNvSpPr>
-          <p:nvPr>
-            <p:ph type="title"/>
-          </p:nvPr>
-        </p:nvSpPr>
-        <p:spPr/>
-        <p:txBody>
-          <a:bodyPr>
-            <a:noAutofit/>
-          </a:bodyPr>
-          <a:lstStyle/>
-          <a:p>
-            <a:r>
-              <a:rPr kumimoji="1" lang="en-US" altLang="zh-Hans" dirty="0" err="1"/>
-              <a:t>Webpack</a:t>
-            </a:r>
-            <a:r>
-              <a:rPr kumimoji="1" lang="en-US" altLang="zh-Hans" dirty="0"/>
-              <a:t> </a:t>
-            </a:r>
-            <a:r>
-              <a:rPr kumimoji="1" lang="zh-Hans" altLang="en-US" dirty="0"/>
-              <a:t>的 </a:t>
-            </a:r>
-            <a:r>
-              <a:rPr kumimoji="1" lang="en-US" altLang="zh-Hans" dirty="0" err="1"/>
-              <a:t>devtool</a:t>
-            </a:r>
-            <a:r>
-              <a:rPr kumimoji="1" lang="en-US" altLang="zh-Hans" dirty="0"/>
-              <a:t> </a:t>
-            </a:r>
-            <a:r>
-              <a:rPr kumimoji="1" lang="zh-Hans" altLang="en-US" dirty="0"/>
-              <a:t>之 </a:t>
-            </a:r>
-            <a:r>
-              <a:rPr lang="en-US" altLang="zh-CN" dirty="0" err="1"/>
-              <a:t>soure</a:t>
-            </a:r>
-            <a:r>
-              <a:rPr lang="en-US" altLang="zh-CN" dirty="0"/>
-              <a:t>-map </a:t>
-            </a:r>
-            <a:endParaRPr kumimoji="1" lang="zh-CN" altLang="en-US" dirty="0"/>
-          </a:p>
-        </p:txBody>
-      </p:sp>
-      <p:sp>
-        <p:nvSpPr>
-          <p:cNvPr id="8" name="内容占位符 7">
-            <a:extLst>
-              <a:ext uri="{FF2B5EF4-FFF2-40B4-BE49-F238E27FC236}">
-                <a16:creationId xmlns:a16="http://schemas.microsoft.com/office/drawing/2014/main" id="{18C33010-8A9F-8C42-89E7-C7B3A9F9F592}"/>
-              </a:ext>
-            </a:extLst>
-          </p:cNvPr>
-          <p:cNvSpPr>
-            <a:spLocks noGrp="1"/>
-          </p:cNvSpPr>
-          <p:nvPr>
-            <p:ph idx="1"/>
-          </p:nvPr>
-        </p:nvSpPr>
-        <p:spPr/>
-        <p:txBody>
-          <a:bodyPr/>
-          <a:lstStyle/>
-          <a:p>
-            <a:pPr marL="0" indent="0" latinLnBrk="1">
-              <a:buNone/>
-            </a:pPr>
-            <a:r>
               <a:rPr lang="en-US" altLang="zh-CN" dirty="0"/>
               <a:t>source-map</a:t>
             </a:r>
@@ -17604,7 +21419,7 @@
           <p:nvPr/>
         </p:nvPicPr>
         <p:blipFill>
-          <a:blip r:embed="rId3">
+          <a:blip r:embed="rId2">
             <a:extLst>
               <a:ext uri="{28A0092B-C50C-407E-A947-70E740481C1C}">
                 <a14:useLocalDpi xmlns:a14="http://schemas.microsoft.com/office/drawing/2010/main" val="0"/>
@@ -17640,7 +21455,7 @@
           <p:nvPr/>
         </p:nvPicPr>
         <p:blipFill>
-          <a:blip r:embed="rId4">
+          <a:blip r:embed="rId3">
             <a:extLst>
               <a:ext uri="{28A0092B-C50C-407E-A947-70E740481C1C}">
                 <a14:useLocalDpi xmlns:a14="http://schemas.microsoft.com/office/drawing/2010/main" val="0"/>
@@ -17676,7 +21491,7 @@
           <p:nvPr/>
         </p:nvPicPr>
         <p:blipFill>
-          <a:blip r:embed="rId5">
+          <a:blip r:embed="rId4">
             <a:extLst>
               <a:ext uri="{28A0092B-C50C-407E-A947-70E740481C1C}">
                 <a14:useLocalDpi xmlns:a14="http://schemas.microsoft.com/office/drawing/2010/main" val="0"/>
@@ -17700,7 +21515,7 @@
     </p:spTree>
     <p:extLst>
       <p:ext uri="{BB962C8B-B14F-4D97-AF65-F5344CB8AC3E}">
-        <p14:creationId xmlns:p14="http://schemas.microsoft.com/office/powerpoint/2010/main" val="2381716847"/>
+        <p14:creationId xmlns:p14="http://schemas.microsoft.com/office/powerpoint/2010/main" val="3315871029"/>
       </p:ext>
     </p:extLst>
   </p:cSld>
@@ -17727,35 +21542,6 @@
           <a:chExt cx="0" cy="0"/>
         </a:xfrm>
       </p:grpSpPr>
-      <p:pic>
-        <p:nvPicPr>
-          <p:cNvPr id="119" name="ppt背景.png" descr="ppt背景.png"/>
-          <p:cNvPicPr>
-            <a:picLocks noChangeAspect="1"/>
-          </p:cNvPicPr>
-          <p:nvPr/>
-        </p:nvPicPr>
-        <p:blipFill>
-          <a:blip r:embed="rId2">
-            <a:extLst/>
-          </a:blip>
-          <a:stretch>
-            <a:fillRect/>
-          </a:stretch>
-        </p:blipFill>
-        <p:spPr>
-          <a:xfrm>
-            <a:off x="0" y="0"/>
-            <a:ext cx="12192000" cy="6858000"/>
-          </a:xfrm>
-          <a:prstGeom prst="rect">
-            <a:avLst/>
-          </a:prstGeom>
-          <a:ln w="12700">
-            <a:miter lim="400000"/>
-          </a:ln>
-        </p:spPr>
-      </p:pic>
       <p:sp>
         <p:nvSpPr>
           <p:cNvPr id="6" name="标题 5">
@@ -17780,12 +21566,8 @@
           <a:lstStyle/>
           <a:p>
             <a:r>
-              <a:rPr kumimoji="1" lang="en-US" altLang="zh-Hans" dirty="0" err="1"/>
-              <a:t>Webpack</a:t>
-            </a:r>
-            <a:r>
               <a:rPr kumimoji="1" lang="en-US" altLang="zh-Hans" dirty="0"/>
-              <a:t> </a:t>
+              <a:t>webpack </a:t>
             </a:r>
             <a:r>
               <a:rPr kumimoji="1" lang="zh-Hans" altLang="en-US" dirty="0"/>
@@ -17906,7 +21688,7 @@
           <p:nvPr/>
         </p:nvPicPr>
         <p:blipFill>
-          <a:blip r:embed="rId3">
+          <a:blip r:embed="rId2">
             <a:extLst>
               <a:ext uri="{28A0092B-C50C-407E-A947-70E740481C1C}">
                 <a14:useLocalDpi xmlns:a14="http://schemas.microsoft.com/office/drawing/2010/main" val="0"/>
@@ -17942,7 +21724,7 @@
           <p:nvPr/>
         </p:nvPicPr>
         <p:blipFill>
-          <a:blip r:embed="rId4">
+          <a:blip r:embed="rId3">
             <a:extLst>
               <a:ext uri="{28A0092B-C50C-407E-A947-70E740481C1C}">
                 <a14:useLocalDpi xmlns:a14="http://schemas.microsoft.com/office/drawing/2010/main" val="0"/>
@@ -17978,7 +21760,7 @@
           <p:nvPr/>
         </p:nvPicPr>
         <p:blipFill>
-          <a:blip r:embed="rId5">
+          <a:blip r:embed="rId4">
             <a:extLst>
               <a:ext uri="{28A0092B-C50C-407E-A947-70E740481C1C}">
                 <a14:useLocalDpi xmlns:a14="http://schemas.microsoft.com/office/drawing/2010/main" val="0"/>
@@ -18002,7 +21784,7 @@
     </p:spTree>
     <p:extLst>
       <p:ext uri="{BB962C8B-B14F-4D97-AF65-F5344CB8AC3E}">
-        <p14:creationId xmlns:p14="http://schemas.microsoft.com/office/powerpoint/2010/main" val="2453084600"/>
+        <p14:creationId xmlns:p14="http://schemas.microsoft.com/office/powerpoint/2010/main" val="1212261023"/>
       </p:ext>
     </p:extLst>
   </p:cSld>
@@ -18029,35 +21811,6 @@
           <a:chExt cx="0" cy="0"/>
         </a:xfrm>
       </p:grpSpPr>
-      <p:pic>
-        <p:nvPicPr>
-          <p:cNvPr id="119" name="ppt背景.png" descr="ppt背景.png"/>
-          <p:cNvPicPr>
-            <a:picLocks noChangeAspect="1"/>
-          </p:cNvPicPr>
-          <p:nvPr/>
-        </p:nvPicPr>
-        <p:blipFill>
-          <a:blip r:embed="rId2">
-            <a:extLst/>
-          </a:blip>
-          <a:stretch>
-            <a:fillRect/>
-          </a:stretch>
-        </p:blipFill>
-        <p:spPr>
-          <a:xfrm>
-            <a:off x="0" y="0"/>
-            <a:ext cx="12192000" cy="6858000"/>
-          </a:xfrm>
-          <a:prstGeom prst="rect">
-            <a:avLst/>
-          </a:prstGeom>
-          <a:ln w="12700">
-            <a:miter lim="400000"/>
-          </a:ln>
-        </p:spPr>
-      </p:pic>
       <p:sp>
         <p:nvSpPr>
           <p:cNvPr id="6" name="标题 5">
@@ -18082,12 +21835,8 @@
           <a:lstStyle/>
           <a:p>
             <a:r>
-              <a:rPr kumimoji="1" lang="en-US" altLang="zh-Hans" dirty="0" err="1"/>
-              <a:t>Webpack</a:t>
-            </a:r>
-            <a:r>
               <a:rPr kumimoji="1" lang="en-US" altLang="zh-Hans" dirty="0"/>
-              <a:t> </a:t>
+              <a:t>webpack </a:t>
             </a:r>
             <a:r>
               <a:rPr kumimoji="1" lang="zh-Hans" altLang="en-US" dirty="0"/>
@@ -18208,7 +21957,7 @@
           <p:nvPr/>
         </p:nvPicPr>
         <p:blipFill>
-          <a:blip r:embed="rId3">
+          <a:blip r:embed="rId2">
             <a:extLst>
               <a:ext uri="{28A0092B-C50C-407E-A947-70E740481C1C}">
                 <a14:useLocalDpi xmlns:a14="http://schemas.microsoft.com/office/drawing/2010/main" val="0"/>
@@ -18244,7 +21993,7 @@
           <p:nvPr/>
         </p:nvPicPr>
         <p:blipFill>
-          <a:blip r:embed="rId4">
+          <a:blip r:embed="rId3">
             <a:extLst>
               <a:ext uri="{28A0092B-C50C-407E-A947-70E740481C1C}">
                 <a14:useLocalDpi xmlns:a14="http://schemas.microsoft.com/office/drawing/2010/main" val="0"/>
@@ -18280,7 +22029,7 @@
           <p:nvPr/>
         </p:nvPicPr>
         <p:blipFill>
-          <a:blip r:embed="rId5">
+          <a:blip r:embed="rId4">
             <a:extLst>
               <a:ext uri="{28A0092B-C50C-407E-A947-70E740481C1C}">
                 <a14:useLocalDpi xmlns:a14="http://schemas.microsoft.com/office/drawing/2010/main" val="0"/>
@@ -18304,7 +22053,7 @@
     </p:spTree>
     <p:extLst>
       <p:ext uri="{BB962C8B-B14F-4D97-AF65-F5344CB8AC3E}">
-        <p14:creationId xmlns:p14="http://schemas.microsoft.com/office/powerpoint/2010/main" val="1827115135"/>
+        <p14:creationId xmlns:p14="http://schemas.microsoft.com/office/powerpoint/2010/main" val="1622277342"/>
       </p:ext>
     </p:extLst>
   </p:cSld>
@@ -18331,35 +22080,6 @@
           <a:chExt cx="0" cy="0"/>
         </a:xfrm>
       </p:grpSpPr>
-      <p:pic>
-        <p:nvPicPr>
-          <p:cNvPr id="119" name="ppt背景.png" descr="ppt背景.png"/>
-          <p:cNvPicPr>
-            <a:picLocks noChangeAspect="1"/>
-          </p:cNvPicPr>
-          <p:nvPr/>
-        </p:nvPicPr>
-        <p:blipFill>
-          <a:blip r:embed="rId2">
-            <a:extLst/>
-          </a:blip>
-          <a:stretch>
-            <a:fillRect/>
-          </a:stretch>
-        </p:blipFill>
-        <p:spPr>
-          <a:xfrm>
-            <a:off x="0" y="0"/>
-            <a:ext cx="12192000" cy="6858000"/>
-          </a:xfrm>
-          <a:prstGeom prst="rect">
-            <a:avLst/>
-          </a:prstGeom>
-          <a:ln w="12700">
-            <a:miter lim="400000"/>
-          </a:ln>
-        </p:spPr>
-      </p:pic>
       <p:sp>
         <p:nvSpPr>
           <p:cNvPr id="6" name="标题 5">
@@ -18384,8 +22104,8 @@
           <a:lstStyle/>
           <a:p>
             <a:r>
-              <a:rPr kumimoji="1" lang="en-US" altLang="zh-Hans" dirty="0" err="1"/>
-              <a:t>Webpack</a:t>
+              <a:rPr kumimoji="1" lang="en-US" altLang="zh-Hans" dirty="0"/>
+              <a:t>webpack</a:t>
             </a:r>
             <a:r>
               <a:rPr kumimoji="1" lang="zh-Hans" altLang="en-US" dirty="0"/>
@@ -18507,7 +22227,7 @@
           <p:nvPr/>
         </p:nvPicPr>
         <p:blipFill>
-          <a:blip r:embed="rId3">
+          <a:blip r:embed="rId2">
             <a:extLst>
               <a:ext uri="{28A0092B-C50C-407E-A947-70E740481C1C}">
                 <a14:useLocalDpi xmlns:a14="http://schemas.microsoft.com/office/drawing/2010/main" val="0"/>
@@ -18531,7 +22251,7 @@
     </p:spTree>
     <p:extLst>
       <p:ext uri="{BB962C8B-B14F-4D97-AF65-F5344CB8AC3E}">
-        <p14:creationId xmlns:p14="http://schemas.microsoft.com/office/powerpoint/2010/main" val="1449348095"/>
+        <p14:creationId xmlns:p14="http://schemas.microsoft.com/office/powerpoint/2010/main" val="3400783474"/>
       </p:ext>
     </p:extLst>
   </p:cSld>
@@ -18558,35 +22278,6 @@
           <a:chExt cx="0" cy="0"/>
         </a:xfrm>
       </p:grpSpPr>
-      <p:pic>
-        <p:nvPicPr>
-          <p:cNvPr id="119" name="ppt背景.png" descr="ppt背景.png"/>
-          <p:cNvPicPr>
-            <a:picLocks noChangeAspect="1"/>
-          </p:cNvPicPr>
-          <p:nvPr/>
-        </p:nvPicPr>
-        <p:blipFill>
-          <a:blip r:embed="rId2">
-            <a:extLst/>
-          </a:blip>
-          <a:stretch>
-            <a:fillRect/>
-          </a:stretch>
-        </p:blipFill>
-        <p:spPr>
-          <a:xfrm>
-            <a:off x="0" y="0"/>
-            <a:ext cx="12192000" cy="6858000"/>
-          </a:xfrm>
-          <a:prstGeom prst="rect">
-            <a:avLst/>
-          </a:prstGeom>
-          <a:ln w="12700">
-            <a:miter lim="400000"/>
-          </a:ln>
-        </p:spPr>
-      </p:pic>
       <p:sp>
         <p:nvSpPr>
           <p:cNvPr id="6" name="标题 5">
@@ -18611,8 +22302,8 @@
           <a:lstStyle/>
           <a:p>
             <a:r>
-              <a:rPr kumimoji="1" lang="en-US" altLang="zh-Hans" dirty="0" err="1"/>
-              <a:t>Webpack</a:t>
+              <a:rPr kumimoji="1" lang="en-US" altLang="zh-Hans" dirty="0"/>
+              <a:t>webpack</a:t>
             </a:r>
             <a:r>
               <a:rPr kumimoji="1" lang="zh-Hans" altLang="en-US" dirty="0"/>
@@ -18739,7 +22430,7 @@
           <p:nvPr/>
         </p:nvPicPr>
         <p:blipFill>
-          <a:blip r:embed="rId3">
+          <a:blip r:embed="rId2">
             <a:extLst>
               <a:ext uri="{28A0092B-C50C-407E-A947-70E740481C1C}">
                 <a14:useLocalDpi xmlns:a14="http://schemas.microsoft.com/office/drawing/2010/main" val="0"/>
@@ -18763,7 +22454,7 @@
     </p:spTree>
     <p:extLst>
       <p:ext uri="{BB962C8B-B14F-4D97-AF65-F5344CB8AC3E}">
-        <p14:creationId xmlns:p14="http://schemas.microsoft.com/office/powerpoint/2010/main" val="241390649"/>
+        <p14:creationId xmlns:p14="http://schemas.microsoft.com/office/powerpoint/2010/main" val="1776403558"/>
       </p:ext>
     </p:extLst>
   </p:cSld>
@@ -18790,35 +22481,6 @@
           <a:chExt cx="0" cy="0"/>
         </a:xfrm>
       </p:grpSpPr>
-      <p:pic>
-        <p:nvPicPr>
-          <p:cNvPr id="119" name="ppt背景.png" descr="ppt背景.png"/>
-          <p:cNvPicPr>
-            <a:picLocks noChangeAspect="1"/>
-          </p:cNvPicPr>
-          <p:nvPr/>
-        </p:nvPicPr>
-        <p:blipFill>
-          <a:blip r:embed="rId2">
-            <a:extLst/>
-          </a:blip>
-          <a:stretch>
-            <a:fillRect/>
-          </a:stretch>
-        </p:blipFill>
-        <p:spPr>
-          <a:xfrm>
-            <a:off x="0" y="0"/>
-            <a:ext cx="12192000" cy="6858000"/>
-          </a:xfrm>
-          <a:prstGeom prst="rect">
-            <a:avLst/>
-          </a:prstGeom>
-          <a:ln w="12700">
-            <a:miter lim="400000"/>
-          </a:ln>
-        </p:spPr>
-      </p:pic>
       <p:sp>
         <p:nvSpPr>
           <p:cNvPr id="6" name="标题 5">
@@ -18843,8 +22505,8 @@
           <a:lstStyle/>
           <a:p>
             <a:r>
-              <a:rPr kumimoji="1" lang="en-US" altLang="zh-Hans" dirty="0" err="1"/>
-              <a:t>Webpack</a:t>
+              <a:rPr kumimoji="1" lang="en-US" altLang="zh-Hans" dirty="0"/>
+              <a:t>webpack</a:t>
             </a:r>
             <a:r>
               <a:rPr kumimoji="1" lang="zh-Hans" altLang="en-US" dirty="0"/>
@@ -18971,7 +22633,7 @@
           <p:nvPr/>
         </p:nvPicPr>
         <p:blipFill>
-          <a:blip r:embed="rId3">
+          <a:blip r:embed="rId2">
             <a:extLst>
               <a:ext uri="{28A0092B-C50C-407E-A947-70E740481C1C}">
                 <a14:useLocalDpi xmlns:a14="http://schemas.microsoft.com/office/drawing/2010/main" val="0"/>
@@ -18995,7 +22657,7 @@
     </p:spTree>
     <p:extLst>
       <p:ext uri="{BB962C8B-B14F-4D97-AF65-F5344CB8AC3E}">
-        <p14:creationId xmlns:p14="http://schemas.microsoft.com/office/powerpoint/2010/main" val="3041614917"/>
+        <p14:creationId xmlns:p14="http://schemas.microsoft.com/office/powerpoint/2010/main" val="82034995"/>
       </p:ext>
     </p:extLst>
   </p:cSld>
@@ -19022,35 +22684,6 @@
           <a:chExt cx="0" cy="0"/>
         </a:xfrm>
       </p:grpSpPr>
-      <p:pic>
-        <p:nvPicPr>
-          <p:cNvPr id="119" name="ppt背景.png" descr="ppt背景.png"/>
-          <p:cNvPicPr>
-            <a:picLocks noChangeAspect="1"/>
-          </p:cNvPicPr>
-          <p:nvPr/>
-        </p:nvPicPr>
-        <p:blipFill>
-          <a:blip r:embed="rId2">
-            <a:extLst/>
-          </a:blip>
-          <a:stretch>
-            <a:fillRect/>
-          </a:stretch>
-        </p:blipFill>
-        <p:spPr>
-          <a:xfrm>
-            <a:off x="0" y="0"/>
-            <a:ext cx="12192000" cy="6858000"/>
-          </a:xfrm>
-          <a:prstGeom prst="rect">
-            <a:avLst/>
-          </a:prstGeom>
-          <a:ln w="12700">
-            <a:miter lim="400000"/>
-          </a:ln>
-        </p:spPr>
-      </p:pic>
       <p:sp>
         <p:nvSpPr>
           <p:cNvPr id="6" name="标题 5">
@@ -19075,8 +22708,8 @@
           <a:lstStyle/>
           <a:p>
             <a:r>
-              <a:rPr kumimoji="1" lang="en-US" altLang="zh-Hans" dirty="0" err="1"/>
-              <a:t>Webpack</a:t>
+              <a:rPr kumimoji="1" lang="en-US" altLang="zh-Hans" dirty="0"/>
+              <a:t>webpack</a:t>
             </a:r>
             <a:r>
               <a:rPr kumimoji="1" lang="zh-Hans" altLang="en-US" dirty="0"/>
@@ -19222,7 +22855,7 @@
     </p:spTree>
     <p:extLst>
       <p:ext uri="{BB962C8B-B14F-4D97-AF65-F5344CB8AC3E}">
-        <p14:creationId xmlns:p14="http://schemas.microsoft.com/office/powerpoint/2010/main" val="4129087131"/>
+        <p14:creationId xmlns:p14="http://schemas.microsoft.com/office/powerpoint/2010/main" val="2536530469"/>
       </p:ext>
     </p:extLst>
   </p:cSld>
@@ -19249,35 +22882,6 @@
           <a:chExt cx="0" cy="0"/>
         </a:xfrm>
       </p:grpSpPr>
-      <p:pic>
-        <p:nvPicPr>
-          <p:cNvPr id="119" name="ppt背景.png" descr="ppt背景.png"/>
-          <p:cNvPicPr>
-            <a:picLocks noChangeAspect="1"/>
-          </p:cNvPicPr>
-          <p:nvPr/>
-        </p:nvPicPr>
-        <p:blipFill>
-          <a:blip r:embed="rId2">
-            <a:extLst/>
-          </a:blip>
-          <a:stretch>
-            <a:fillRect/>
-          </a:stretch>
-        </p:blipFill>
-        <p:spPr>
-          <a:xfrm>
-            <a:off x="0" y="34466"/>
-            <a:ext cx="12192000" cy="6858000"/>
-          </a:xfrm>
-          <a:prstGeom prst="rect">
-            <a:avLst/>
-          </a:prstGeom>
-          <a:ln w="12700">
-            <a:miter lim="400000"/>
-          </a:ln>
-        </p:spPr>
-      </p:pic>
       <p:sp>
         <p:nvSpPr>
           <p:cNvPr id="7" name="标题 6">
@@ -19459,12 +23063,8 @@
           <a:lstStyle/>
           <a:p>
             <a:r>
-              <a:rPr lang="en-US" altLang="zh-CN" dirty="0" err="1"/>
-              <a:t>Webpack</a:t>
-            </a:r>
-            <a:r>
               <a:rPr lang="en-US" altLang="zh-CN" dirty="0"/>
-              <a:t> </a:t>
+              <a:t>webpack </a:t>
             </a:r>
             <a:r>
               <a:rPr lang="zh-Hans" altLang="en-US" dirty="0"/>
@@ -19480,7 +23080,7 @@
     </p:spTree>
     <p:extLst>
       <p:ext uri="{BB962C8B-B14F-4D97-AF65-F5344CB8AC3E}">
-        <p14:creationId xmlns:p14="http://schemas.microsoft.com/office/powerpoint/2010/main" val="3435455915"/>
+        <p14:creationId xmlns:p14="http://schemas.microsoft.com/office/powerpoint/2010/main" val="4146879776"/>
       </p:ext>
     </p:extLst>
   </p:cSld>
@@ -19560,8 +23160,8 @@
           <a:lstStyle/>
           <a:p>
             <a:r>
-              <a:rPr lang="en-US" altLang="zh-Hans" dirty="0" err="1"/>
-              <a:t>Webpack</a:t>
+              <a:rPr lang="en-US" altLang="zh-Hans" dirty="0"/>
+              <a:t>webpack</a:t>
             </a:r>
             <a:r>
               <a:rPr lang="zh-Hans" altLang="en-US" dirty="0"/>
@@ -19767,7 +23367,7 @@
     </p:spTree>
     <p:extLst>
       <p:ext uri="{BB962C8B-B14F-4D97-AF65-F5344CB8AC3E}">
-        <p14:creationId xmlns:p14="http://schemas.microsoft.com/office/powerpoint/2010/main" val="3326448912"/>
+        <p14:creationId xmlns:p14="http://schemas.microsoft.com/office/powerpoint/2010/main" val="2653256595"/>
       </p:ext>
     </p:extLst>
   </p:cSld>
@@ -19847,8 +23447,8 @@
           <a:lstStyle/>
           <a:p>
             <a:r>
-              <a:rPr lang="en-US" altLang="zh-Hans" dirty="0" err="1"/>
-              <a:t>Webpack</a:t>
+              <a:rPr lang="en-US" altLang="zh-Hans" dirty="0"/>
+              <a:t>webpack</a:t>
             </a:r>
             <a:r>
               <a:rPr lang="zh-Hans" altLang="en-US" dirty="0"/>
@@ -19906,7 +23506,7 @@
     </p:spTree>
     <p:extLst>
       <p:ext uri="{BB962C8B-B14F-4D97-AF65-F5344CB8AC3E}">
-        <p14:creationId xmlns:p14="http://schemas.microsoft.com/office/powerpoint/2010/main" val="4213835541"/>
+        <p14:creationId xmlns:p14="http://schemas.microsoft.com/office/powerpoint/2010/main" val="1601671065"/>
       </p:ext>
     </p:extLst>
   </p:cSld>
@@ -19986,8 +23586,8 @@
           <a:lstStyle/>
           <a:p>
             <a:r>
-              <a:rPr lang="en-US" altLang="zh-Hans" dirty="0" err="1"/>
-              <a:t>Webpack</a:t>
+              <a:rPr lang="en-US" altLang="zh-Hans" dirty="0"/>
+              <a:t>webpack</a:t>
             </a:r>
             <a:r>
               <a:rPr lang="zh-Hans" altLang="en-US" dirty="0"/>
@@ -20029,6 +23629,25 @@
             <a:pPr marL="0" indent="0" fontAlgn="base">
               <a:buNone/>
             </a:pPr>
+            <a:endParaRPr lang="en-US" altLang="zh-CN" dirty="0"/>
+          </a:p>
+          <a:p>
+            <a:pPr marL="0" indent="0" fontAlgn="base">
+              <a:buNone/>
+            </a:pPr>
+            <a:r>
+              <a:rPr lang="en-US" altLang="zh-CN" dirty="0"/>
+              <a:t>        </a:t>
+            </a:r>
+          </a:p>
+          <a:p>
+            <a:pPr marL="0" indent="0" fontAlgn="base">
+              <a:buNone/>
+            </a:pPr>
+            <a:r>
+              <a:rPr lang="en-US" altLang="zh-CN" dirty="0"/>
+              <a:t>       </a:t>
+            </a:r>
             <a:r>
               <a:rPr lang="zh-CN" altLang="en-US" dirty="0"/>
               <a:t>在这种情况下，使用 </a:t>
@@ -20101,10 +23720,49 @@
           </a:p>
         </p:txBody>
       </p:sp>
+      <p:pic>
+        <p:nvPicPr>
+          <p:cNvPr id="3" name="图形 2" descr="头上的大脑">
+            <a:extLst>
+              <a:ext uri="{FF2B5EF4-FFF2-40B4-BE49-F238E27FC236}">
+                <a16:creationId xmlns:a16="http://schemas.microsoft.com/office/drawing/2014/main" id="{C91B1754-D1C8-C146-ABAE-53D7F5584FC9}"/>
+              </a:ext>
+            </a:extLst>
+          </p:cNvPr>
+          <p:cNvPicPr>
+            <a:picLocks noChangeAspect="1"/>
+          </p:cNvPicPr>
+          <p:nvPr/>
+        </p:nvPicPr>
+        <p:blipFill>
+          <a:blip r:embed="rId3">
+            <a:extLst>
+              <a:ext uri="{28A0092B-C50C-407E-A947-70E740481C1C}">
+                <a14:useLocalDpi xmlns:a14="http://schemas.microsoft.com/office/drawing/2010/main" val="0"/>
+              </a:ext>
+              <a:ext uri="{96DAC541-7B7A-43D3-8B79-37D633B846F1}">
+                <asvg:svgBlip xmlns:asvg="http://schemas.microsoft.com/office/drawing/2016/SVG/main" r:embed="rId4"/>
+              </a:ext>
+            </a:extLst>
+          </a:blip>
+          <a:stretch>
+            <a:fillRect/>
+          </a:stretch>
+        </p:blipFill>
+        <p:spPr>
+          <a:xfrm>
+            <a:off x="740229" y="2264819"/>
+            <a:ext cx="914400" cy="914400"/>
+          </a:xfrm>
+          <a:prstGeom prst="rect">
+            <a:avLst/>
+          </a:prstGeom>
+        </p:spPr>
+      </p:pic>
     </p:spTree>
     <p:extLst>
       <p:ext uri="{BB962C8B-B14F-4D97-AF65-F5344CB8AC3E}">
-        <p14:creationId xmlns:p14="http://schemas.microsoft.com/office/powerpoint/2010/main" val="260013146"/>
+        <p14:creationId xmlns:p14="http://schemas.microsoft.com/office/powerpoint/2010/main" val="614054979"/>
       </p:ext>
     </p:extLst>
   </p:cSld>
@@ -20184,8 +23842,8 @@
           <a:lstStyle/>
           <a:p>
             <a:r>
-              <a:rPr lang="en-US" altLang="zh-Hans" dirty="0" err="1"/>
-              <a:t>Webpack</a:t>
+              <a:rPr lang="en-US" altLang="zh-Hans" dirty="0"/>
+              <a:t>webpack</a:t>
             </a:r>
             <a:r>
               <a:rPr lang="zh-Hans" altLang="en-US" dirty="0"/>
@@ -20254,7 +23912,7 @@
     </p:spTree>
     <p:extLst>
       <p:ext uri="{BB962C8B-B14F-4D97-AF65-F5344CB8AC3E}">
-        <p14:creationId xmlns:p14="http://schemas.microsoft.com/office/powerpoint/2010/main" val="648815797"/>
+        <p14:creationId xmlns:p14="http://schemas.microsoft.com/office/powerpoint/2010/main" val="699849314"/>
       </p:ext>
     </p:extLst>
   </p:cSld>
@@ -20334,8 +23992,8 @@
           <a:lstStyle/>
           <a:p>
             <a:r>
-              <a:rPr lang="en-US" altLang="zh-Hans" dirty="0" err="1"/>
-              <a:t>Webpack</a:t>
+              <a:rPr lang="en-US" altLang="zh-Hans" dirty="0"/>
+              <a:t>webpack</a:t>
             </a:r>
             <a:r>
               <a:rPr lang="zh-Hans" altLang="en-US" dirty="0"/>
@@ -20378,16 +24036,8 @@
               <a:buNone/>
             </a:pPr>
             <a:r>
-              <a:rPr kumimoji="1" lang="en-US" altLang="zh-CN" dirty="0" err="1"/>
-              <a:t>webpack</a:t>
-            </a:r>
-            <a:r>
               <a:rPr kumimoji="1" lang="en-US" altLang="zh-CN" dirty="0"/>
-              <a:t> </a:t>
-            </a:r>
-            <a:r>
-              <a:rPr kumimoji="1" lang="en-US" altLang="zh-CN" dirty="0" err="1"/>
-              <a:t>config</a:t>
+              <a:t>     webpack config</a:t>
             </a:r>
             <a:r>
               <a:rPr kumimoji="1" lang="zh-Hans" altLang="en-US" dirty="0"/>
@@ -20503,10 +24153,49 @@
           </a:prstGeom>
         </p:spPr>
       </p:pic>
+      <p:pic>
+        <p:nvPicPr>
+          <p:cNvPr id="4" name="图形 3" descr="工具">
+            <a:extLst>
+              <a:ext uri="{FF2B5EF4-FFF2-40B4-BE49-F238E27FC236}">
+                <a16:creationId xmlns:a16="http://schemas.microsoft.com/office/drawing/2014/main" id="{D5F12761-D1DF-9740-9A15-D58045B3D0A8}"/>
+              </a:ext>
+            </a:extLst>
+          </p:cNvPr>
+          <p:cNvPicPr>
+            <a:picLocks noChangeAspect="1"/>
+          </p:cNvPicPr>
+          <p:nvPr/>
+        </p:nvPicPr>
+        <p:blipFill>
+          <a:blip r:embed="rId5">
+            <a:extLst>
+              <a:ext uri="{28A0092B-C50C-407E-A947-70E740481C1C}">
+                <a14:useLocalDpi xmlns:a14="http://schemas.microsoft.com/office/drawing/2010/main" val="0"/>
+              </a:ext>
+              <a:ext uri="{96DAC541-7B7A-43D3-8B79-37D633B846F1}">
+                <asvg:svgBlip xmlns:asvg="http://schemas.microsoft.com/office/drawing/2016/SVG/main" r:embed="rId6"/>
+              </a:ext>
+            </a:extLst>
+          </a:blip>
+          <a:stretch>
+            <a:fillRect/>
+          </a:stretch>
+        </p:blipFill>
+        <p:spPr>
+          <a:xfrm>
+            <a:off x="838200" y="1784758"/>
+            <a:ext cx="542109" cy="542109"/>
+          </a:xfrm>
+          <a:prstGeom prst="rect">
+            <a:avLst/>
+          </a:prstGeom>
+        </p:spPr>
+      </p:pic>
     </p:spTree>
     <p:extLst>
       <p:ext uri="{BB962C8B-B14F-4D97-AF65-F5344CB8AC3E}">
-        <p14:creationId xmlns:p14="http://schemas.microsoft.com/office/powerpoint/2010/main" val="2757268411"/>
+        <p14:creationId xmlns:p14="http://schemas.microsoft.com/office/powerpoint/2010/main" val="2714680404"/>
       </p:ext>
     </p:extLst>
   </p:cSld>
@@ -20586,8 +24275,8 @@
           <a:lstStyle/>
           <a:p>
             <a:r>
-              <a:rPr lang="en-US" altLang="zh-Hans" dirty="0" err="1"/>
-              <a:t>Webpack</a:t>
+              <a:rPr lang="en-US" altLang="zh-Hans" dirty="0"/>
+              <a:t>webpack</a:t>
             </a:r>
             <a:r>
               <a:rPr lang="zh-Hans" altLang="en-US" dirty="0"/>
@@ -20672,7 +24361,7 @@
     </p:spTree>
     <p:extLst>
       <p:ext uri="{BB962C8B-B14F-4D97-AF65-F5344CB8AC3E}">
-        <p14:creationId xmlns:p14="http://schemas.microsoft.com/office/powerpoint/2010/main" val="3378684145"/>
+        <p14:creationId xmlns:p14="http://schemas.microsoft.com/office/powerpoint/2010/main" val="486107013"/>
       </p:ext>
     </p:extLst>
   </p:cSld>
@@ -20752,8 +24441,8 @@
           <a:lstStyle/>
           <a:p>
             <a:r>
-              <a:rPr lang="en-US" altLang="zh-Hans" dirty="0" err="1"/>
-              <a:t>Webpack</a:t>
+              <a:rPr lang="en-US" altLang="zh-Hans" dirty="0"/>
+              <a:t>webpack</a:t>
             </a:r>
             <a:r>
               <a:rPr lang="zh-Hans" altLang="en-US" dirty="0"/>
@@ -20838,7 +24527,7 @@
     </p:spTree>
     <p:extLst>
       <p:ext uri="{BB962C8B-B14F-4D97-AF65-F5344CB8AC3E}">
-        <p14:creationId xmlns:p14="http://schemas.microsoft.com/office/powerpoint/2010/main" val="4203757748"/>
+        <p14:creationId xmlns:p14="http://schemas.microsoft.com/office/powerpoint/2010/main" val="1136234104"/>
       </p:ext>
     </p:extLst>
   </p:cSld>
@@ -20918,8 +24607,8 @@
           <a:lstStyle/>
           <a:p>
             <a:r>
-              <a:rPr lang="en-US" altLang="zh-Hans" dirty="0" err="1"/>
-              <a:t>Webpack</a:t>
+              <a:rPr lang="en-US" altLang="zh-Hans" dirty="0"/>
+              <a:t>webpack</a:t>
             </a:r>
             <a:r>
               <a:rPr lang="zh-Hans" altLang="en-US" dirty="0"/>
@@ -21066,7 +24755,7 @@
     </p:spTree>
     <p:extLst>
       <p:ext uri="{BB962C8B-B14F-4D97-AF65-F5344CB8AC3E}">
-        <p14:creationId xmlns:p14="http://schemas.microsoft.com/office/powerpoint/2010/main" val="929193018"/>
+        <p14:creationId xmlns:p14="http://schemas.microsoft.com/office/powerpoint/2010/main" val="2634833261"/>
       </p:ext>
     </p:extLst>
   </p:cSld>
@@ -21093,35 +24782,6 @@
           <a:chExt cx="0" cy="0"/>
         </a:xfrm>
       </p:grpSpPr>
-      <p:pic>
-        <p:nvPicPr>
-          <p:cNvPr id="119" name="ppt背景.png" descr="ppt背景.png"/>
-          <p:cNvPicPr>
-            <a:picLocks noChangeAspect="1"/>
-          </p:cNvPicPr>
-          <p:nvPr/>
-        </p:nvPicPr>
-        <p:blipFill>
-          <a:blip r:embed="rId2">
-            <a:extLst/>
-          </a:blip>
-          <a:stretch>
-            <a:fillRect/>
-          </a:stretch>
-        </p:blipFill>
-        <p:spPr>
-          <a:xfrm>
-            <a:off x="0" y="0"/>
-            <a:ext cx="12192000" cy="6858000"/>
-          </a:xfrm>
-          <a:prstGeom prst="rect">
-            <a:avLst/>
-          </a:prstGeom>
-          <a:ln w="12700">
-            <a:miter lim="400000"/>
-          </a:ln>
-        </p:spPr>
-      </p:pic>
       <p:sp>
         <p:nvSpPr>
           <p:cNvPr id="7" name="标题 6">
@@ -21146,12 +24806,8 @@
           <a:lstStyle/>
           <a:p>
             <a:r>
-              <a:rPr lang="en-US" altLang="zh-CN" dirty="0" err="1"/>
-              <a:t>Webpack</a:t>
-            </a:r>
-            <a:r>
               <a:rPr lang="en-US" altLang="zh-CN" dirty="0"/>
-              <a:t> </a:t>
+              <a:t>webpack </a:t>
             </a:r>
             <a:r>
               <a:rPr lang="zh-Hans" altLang="en-US" dirty="0"/>
@@ -21168,7 +24824,7 @@
     </p:spTree>
     <p:extLst>
       <p:ext uri="{BB962C8B-B14F-4D97-AF65-F5344CB8AC3E}">
-        <p14:creationId xmlns:p14="http://schemas.microsoft.com/office/powerpoint/2010/main" val="3177490184"/>
+        <p14:creationId xmlns:p14="http://schemas.microsoft.com/office/powerpoint/2010/main" val="567550437"/>
       </p:ext>
     </p:extLst>
   </p:cSld>
@@ -21195,35 +24851,6 @@
           <a:chExt cx="0" cy="0"/>
         </a:xfrm>
       </p:grpSpPr>
-      <p:pic>
-        <p:nvPicPr>
-          <p:cNvPr id="119" name="ppt背景.png" descr="ppt背景.png"/>
-          <p:cNvPicPr>
-            <a:picLocks noChangeAspect="1"/>
-          </p:cNvPicPr>
-          <p:nvPr/>
-        </p:nvPicPr>
-        <p:blipFill>
-          <a:blip r:embed="rId2">
-            <a:extLst/>
-          </a:blip>
-          <a:stretch>
-            <a:fillRect/>
-          </a:stretch>
-        </p:blipFill>
-        <p:spPr>
-          <a:xfrm>
-            <a:off x="0" y="0"/>
-            <a:ext cx="12192000" cy="6858000"/>
-          </a:xfrm>
-          <a:prstGeom prst="rect">
-            <a:avLst/>
-          </a:prstGeom>
-          <a:ln w="12700">
-            <a:miter lim="400000"/>
-          </a:ln>
-        </p:spPr>
-      </p:pic>
       <p:sp>
         <p:nvSpPr>
           <p:cNvPr id="7" name="标题 6">
@@ -21248,12 +24875,8 @@
           <a:lstStyle/>
           <a:p>
             <a:r>
-              <a:rPr lang="en-US" altLang="zh-CN" dirty="0" err="1"/>
-              <a:t>Webpack</a:t>
-            </a:r>
-            <a:r>
               <a:rPr lang="en-US" altLang="zh-CN" dirty="0"/>
-              <a:t> </a:t>
+              <a:t>webpack </a:t>
             </a:r>
             <a:r>
               <a:rPr lang="zh-Hans" altLang="en-US" dirty="0"/>
@@ -21270,7 +24893,7 @@
     </p:spTree>
     <p:extLst>
       <p:ext uri="{BB962C8B-B14F-4D97-AF65-F5344CB8AC3E}">
-        <p14:creationId xmlns:p14="http://schemas.microsoft.com/office/powerpoint/2010/main" val="2583271963"/>
+        <p14:creationId xmlns:p14="http://schemas.microsoft.com/office/powerpoint/2010/main" val="3818683943"/>
       </p:ext>
     </p:extLst>
   </p:cSld>
@@ -21297,35 +24920,6 @@
           <a:chExt cx="0" cy="0"/>
         </a:xfrm>
       </p:grpSpPr>
-      <p:pic>
-        <p:nvPicPr>
-          <p:cNvPr id="119" name="ppt背景.png" descr="ppt背景.png"/>
-          <p:cNvPicPr>
-            <a:picLocks noChangeAspect="1"/>
-          </p:cNvPicPr>
-          <p:nvPr/>
-        </p:nvPicPr>
-        <p:blipFill>
-          <a:blip r:embed="rId2">
-            <a:extLst/>
-          </a:blip>
-          <a:stretch>
-            <a:fillRect/>
-          </a:stretch>
-        </p:blipFill>
-        <p:spPr>
-          <a:xfrm>
-            <a:off x="109182" y="0"/>
-            <a:ext cx="12192000" cy="6858000"/>
-          </a:xfrm>
-          <a:prstGeom prst="rect">
-            <a:avLst/>
-          </a:prstGeom>
-          <a:ln w="12700">
-            <a:miter lim="400000"/>
-          </a:ln>
-        </p:spPr>
-      </p:pic>
       <p:sp>
         <p:nvSpPr>
           <p:cNvPr id="6" name="标题 5">
@@ -21350,8 +24944,8 @@
           <a:lstStyle/>
           <a:p>
             <a:r>
-              <a:rPr lang="en-US" altLang="zh-Hans" dirty="0" err="1"/>
-              <a:t>Webpack</a:t>
+              <a:rPr lang="en-US" altLang="zh-Hans" dirty="0"/>
+              <a:t>webpack</a:t>
             </a:r>
             <a:r>
               <a:rPr lang="zh-Hans" altLang="en-US" dirty="0"/>
@@ -21424,7 +25018,7 @@
     </p:spTree>
     <p:extLst>
       <p:ext uri="{BB962C8B-B14F-4D97-AF65-F5344CB8AC3E}">
-        <p14:creationId xmlns:p14="http://schemas.microsoft.com/office/powerpoint/2010/main" val="3683856634"/>
+        <p14:creationId xmlns:p14="http://schemas.microsoft.com/office/powerpoint/2010/main" val="559035000"/>
       </p:ext>
     </p:extLst>
   </p:cSld>
@@ -21451,35 +25045,6 @@
           <a:chExt cx="0" cy="0"/>
         </a:xfrm>
       </p:grpSpPr>
-      <p:pic>
-        <p:nvPicPr>
-          <p:cNvPr id="119" name="ppt背景.png" descr="ppt背景.png"/>
-          <p:cNvPicPr>
-            <a:picLocks noChangeAspect="1"/>
-          </p:cNvPicPr>
-          <p:nvPr/>
-        </p:nvPicPr>
-        <p:blipFill>
-          <a:blip r:embed="rId2">
-            <a:extLst/>
-          </a:blip>
-          <a:stretch>
-            <a:fillRect/>
-          </a:stretch>
-        </p:blipFill>
-        <p:spPr>
-          <a:xfrm>
-            <a:off x="109182" y="0"/>
-            <a:ext cx="12192000" cy="6858000"/>
-          </a:xfrm>
-          <a:prstGeom prst="rect">
-            <a:avLst/>
-          </a:prstGeom>
-          <a:ln w="12700">
-            <a:miter lim="400000"/>
-          </a:ln>
-        </p:spPr>
-      </p:pic>
       <p:sp>
         <p:nvSpPr>
           <p:cNvPr id="6" name="标题 5">
@@ -21504,8 +25069,8 @@
           <a:lstStyle/>
           <a:p>
             <a:r>
-              <a:rPr lang="en-US" altLang="zh-Hans" dirty="0" err="1"/>
-              <a:t>Webpack</a:t>
+              <a:rPr lang="en-US" altLang="zh-Hans" dirty="0"/>
+              <a:t>webpack</a:t>
             </a:r>
             <a:r>
               <a:rPr lang="zh-Hans" altLang="en-US" dirty="0"/>
@@ -21544,13 +25109,19 @@
               <a:buNone/>
             </a:pPr>
             <a:r>
-              <a:rPr kumimoji="1" lang="en-US" altLang="zh-Hans" dirty="0" err="1"/>
-              <a:t>Webpack</a:t>
+              <a:rPr kumimoji="1" lang="en-US" altLang="zh-Hans" dirty="0"/>
+              <a:t>        webpack</a:t>
             </a:r>
             <a:r>
               <a:rPr kumimoji="1" lang="zh-Hans" altLang="en-US" dirty="0"/>
               <a:t>提供三种解决方案：</a:t>
             </a:r>
+            <a:endParaRPr kumimoji="1" lang="en-US" altLang="zh-Hans" dirty="0"/>
+          </a:p>
+          <a:p>
+            <a:pPr marL="0" indent="0" fontAlgn="base">
+              <a:buNone/>
+            </a:pPr>
             <a:endParaRPr kumimoji="1" lang="en-US" altLang="zh-Hans" dirty="0"/>
           </a:p>
           <a:p>
@@ -21695,10 +25266,49 @@
           </a:p>
         </p:txBody>
       </p:sp>
+      <p:pic>
+        <p:nvPicPr>
+          <p:cNvPr id="3" name="图形 2" descr="文档">
+            <a:extLst>
+              <a:ext uri="{FF2B5EF4-FFF2-40B4-BE49-F238E27FC236}">
+                <a16:creationId xmlns:a16="http://schemas.microsoft.com/office/drawing/2014/main" id="{7B12E531-C925-FF41-94C0-69C536A5C08B}"/>
+              </a:ext>
+            </a:extLst>
+          </p:cNvPr>
+          <p:cNvPicPr>
+            <a:picLocks noChangeAspect="1"/>
+          </p:cNvPicPr>
+          <p:nvPr/>
+        </p:nvPicPr>
+        <p:blipFill>
+          <a:blip r:embed="rId2">
+            <a:extLst>
+              <a:ext uri="{28A0092B-C50C-407E-A947-70E740481C1C}">
+                <a14:useLocalDpi xmlns:a14="http://schemas.microsoft.com/office/drawing/2010/main" val="0"/>
+              </a:ext>
+              <a:ext uri="{96DAC541-7B7A-43D3-8B79-37D633B846F1}">
+                <asvg:svgBlip xmlns:asvg="http://schemas.microsoft.com/office/drawing/2016/SVG/main" r:embed="rId3"/>
+              </a:ext>
+            </a:extLst>
+          </a:blip>
+          <a:stretch>
+            <a:fillRect/>
+          </a:stretch>
+        </p:blipFill>
+        <p:spPr>
+          <a:xfrm>
+            <a:off x="1008017" y="1690688"/>
+            <a:ext cx="624840" cy="624840"/>
+          </a:xfrm>
+          <a:prstGeom prst="rect">
+            <a:avLst/>
+          </a:prstGeom>
+        </p:spPr>
+      </p:pic>
     </p:spTree>
     <p:extLst>
       <p:ext uri="{BB962C8B-B14F-4D97-AF65-F5344CB8AC3E}">
-        <p14:creationId xmlns:p14="http://schemas.microsoft.com/office/powerpoint/2010/main" val="792124790"/>
+        <p14:creationId xmlns:p14="http://schemas.microsoft.com/office/powerpoint/2010/main" val="2265720220"/>
       </p:ext>
     </p:extLst>
   </p:cSld>
@@ -21725,35 +25335,6 @@
           <a:chExt cx="0" cy="0"/>
         </a:xfrm>
       </p:grpSpPr>
-      <p:pic>
-        <p:nvPicPr>
-          <p:cNvPr id="119" name="ppt背景.png" descr="ppt背景.png"/>
-          <p:cNvPicPr>
-            <a:picLocks noChangeAspect="1"/>
-          </p:cNvPicPr>
-          <p:nvPr/>
-        </p:nvPicPr>
-        <p:blipFill>
-          <a:blip r:embed="rId2">
-            <a:extLst/>
-          </a:blip>
-          <a:stretch>
-            <a:fillRect/>
-          </a:stretch>
-        </p:blipFill>
-        <p:spPr>
-          <a:xfrm>
-            <a:off x="109182" y="0"/>
-            <a:ext cx="12192000" cy="6858000"/>
-          </a:xfrm>
-          <a:prstGeom prst="rect">
-            <a:avLst/>
-          </a:prstGeom>
-          <a:ln w="12700">
-            <a:miter lim="400000"/>
-          </a:ln>
-        </p:spPr>
-      </p:pic>
       <p:sp>
         <p:nvSpPr>
           <p:cNvPr id="6" name="标题 5">
@@ -21778,8 +25359,8 @@
           <a:lstStyle/>
           <a:p>
             <a:r>
-              <a:rPr lang="en-US" altLang="zh-Hans" dirty="0" err="1"/>
-              <a:t>Webpack</a:t>
+              <a:rPr lang="en-US" altLang="zh-Hans" dirty="0"/>
+              <a:t>webpack</a:t>
             </a:r>
             <a:r>
               <a:rPr lang="zh-Hans" altLang="en-US" dirty="0"/>
@@ -21864,7 +25445,7 @@
     </p:spTree>
     <p:extLst>
       <p:ext uri="{BB962C8B-B14F-4D97-AF65-F5344CB8AC3E}">
-        <p14:creationId xmlns:p14="http://schemas.microsoft.com/office/powerpoint/2010/main" val="3850747546"/>
+        <p14:creationId xmlns:p14="http://schemas.microsoft.com/office/powerpoint/2010/main" val="3359832822"/>
       </p:ext>
     </p:extLst>
   </p:cSld>
@@ -21891,35 +25472,6 @@
           <a:chExt cx="0" cy="0"/>
         </a:xfrm>
       </p:grpSpPr>
-      <p:pic>
-        <p:nvPicPr>
-          <p:cNvPr id="119" name="ppt背景.png" descr="ppt背景.png"/>
-          <p:cNvPicPr>
-            <a:picLocks noChangeAspect="1"/>
-          </p:cNvPicPr>
-          <p:nvPr/>
-        </p:nvPicPr>
-        <p:blipFill>
-          <a:blip r:embed="rId2">
-            <a:extLst/>
-          </a:blip>
-          <a:stretch>
-            <a:fillRect/>
-          </a:stretch>
-        </p:blipFill>
-        <p:spPr>
-          <a:xfrm>
-            <a:off x="109182" y="0"/>
-            <a:ext cx="12192000" cy="6858000"/>
-          </a:xfrm>
-          <a:prstGeom prst="rect">
-            <a:avLst/>
-          </a:prstGeom>
-          <a:ln w="12700">
-            <a:miter lim="400000"/>
-          </a:ln>
-        </p:spPr>
-      </p:pic>
       <p:sp>
         <p:nvSpPr>
           <p:cNvPr id="6" name="标题 5">
@@ -21944,8 +25496,8 @@
           <a:lstStyle/>
           <a:p>
             <a:r>
-              <a:rPr lang="en-US" altLang="zh-Hans" dirty="0" err="1"/>
-              <a:t>Webpack</a:t>
+              <a:rPr lang="en-US" altLang="zh-Hans" dirty="0"/>
+              <a:t>webpack</a:t>
             </a:r>
             <a:r>
               <a:rPr lang="zh-Hans" altLang="en-US" dirty="0"/>
@@ -22054,7 +25606,7 @@
           <p:nvPr/>
         </p:nvPicPr>
         <p:blipFill>
-          <a:blip r:embed="rId3">
+          <a:blip r:embed="rId2">
             <a:extLst>
               <a:ext uri="{28A0092B-C50C-407E-A947-70E740481C1C}">
                 <a14:useLocalDpi xmlns:a14="http://schemas.microsoft.com/office/drawing/2010/main" val="0"/>
@@ -22090,7 +25642,7 @@
           <p:nvPr/>
         </p:nvPicPr>
         <p:blipFill>
-          <a:blip r:embed="rId4">
+          <a:blip r:embed="rId3">
             <a:extLst>
               <a:ext uri="{28A0092B-C50C-407E-A947-70E740481C1C}">
                 <a14:useLocalDpi xmlns:a14="http://schemas.microsoft.com/office/drawing/2010/main" val="0"/>
@@ -22114,7 +25666,7 @@
     </p:spTree>
     <p:extLst>
       <p:ext uri="{BB962C8B-B14F-4D97-AF65-F5344CB8AC3E}">
-        <p14:creationId xmlns:p14="http://schemas.microsoft.com/office/powerpoint/2010/main" val="3439766541"/>
+        <p14:creationId xmlns:p14="http://schemas.microsoft.com/office/powerpoint/2010/main" val="3865896815"/>
       </p:ext>
     </p:extLst>
   </p:cSld>
@@ -22141,35 +25693,6 @@
           <a:chExt cx="0" cy="0"/>
         </a:xfrm>
       </p:grpSpPr>
-      <p:pic>
-        <p:nvPicPr>
-          <p:cNvPr id="119" name="ppt背景.png" descr="ppt背景.png"/>
-          <p:cNvPicPr>
-            <a:picLocks noChangeAspect="1"/>
-          </p:cNvPicPr>
-          <p:nvPr/>
-        </p:nvPicPr>
-        <p:blipFill>
-          <a:blip r:embed="rId2">
-            <a:extLst/>
-          </a:blip>
-          <a:stretch>
-            <a:fillRect/>
-          </a:stretch>
-        </p:blipFill>
-        <p:spPr>
-          <a:xfrm>
-            <a:off x="109182" y="0"/>
-            <a:ext cx="12192000" cy="6858000"/>
-          </a:xfrm>
-          <a:prstGeom prst="rect">
-            <a:avLst/>
-          </a:prstGeom>
-          <a:ln w="12700">
-            <a:miter lim="400000"/>
-          </a:ln>
-        </p:spPr>
-      </p:pic>
       <p:sp>
         <p:nvSpPr>
           <p:cNvPr id="6" name="标题 5">
@@ -22194,8 +25717,8 @@
           <a:lstStyle/>
           <a:p>
             <a:r>
-              <a:rPr lang="en-US" altLang="zh-Hans" dirty="0" err="1"/>
-              <a:t>Webpack</a:t>
+              <a:rPr lang="en-US" altLang="zh-Hans" dirty="0"/>
+              <a:t>webpack</a:t>
             </a:r>
             <a:r>
               <a:rPr lang="zh-Hans" altLang="en-US" dirty="0"/>
@@ -22298,7 +25821,7 @@
           <p:nvPr/>
         </p:nvPicPr>
         <p:blipFill>
-          <a:blip r:embed="rId3">
+          <a:blip r:embed="rId2">
             <a:extLst>
               <a:ext uri="{28A0092B-C50C-407E-A947-70E740481C1C}">
                 <a14:useLocalDpi xmlns:a14="http://schemas.microsoft.com/office/drawing/2010/main" val="0"/>
@@ -22334,7 +25857,7 @@
           <p:nvPr/>
         </p:nvPicPr>
         <p:blipFill>
-          <a:blip r:embed="rId4">
+          <a:blip r:embed="rId3">
             <a:extLst>
               <a:ext uri="{28A0092B-C50C-407E-A947-70E740481C1C}">
                 <a14:useLocalDpi xmlns:a14="http://schemas.microsoft.com/office/drawing/2010/main" val="0"/>
@@ -22358,7 +25881,7 @@
     </p:spTree>
     <p:extLst>
       <p:ext uri="{BB962C8B-B14F-4D97-AF65-F5344CB8AC3E}">
-        <p14:creationId xmlns:p14="http://schemas.microsoft.com/office/powerpoint/2010/main" val="1110872553"/>
+        <p14:creationId xmlns:p14="http://schemas.microsoft.com/office/powerpoint/2010/main" val="3598308797"/>
       </p:ext>
     </p:extLst>
   </p:cSld>
@@ -22385,35 +25908,6 @@
           <a:chExt cx="0" cy="0"/>
         </a:xfrm>
       </p:grpSpPr>
-      <p:pic>
-        <p:nvPicPr>
-          <p:cNvPr id="119" name="ppt背景.png" descr="ppt背景.png"/>
-          <p:cNvPicPr>
-            <a:picLocks noChangeAspect="1"/>
-          </p:cNvPicPr>
-          <p:nvPr/>
-        </p:nvPicPr>
-        <p:blipFill>
-          <a:blip r:embed="rId2">
-            <a:extLst/>
-          </a:blip>
-          <a:stretch>
-            <a:fillRect/>
-          </a:stretch>
-        </p:blipFill>
-        <p:spPr>
-          <a:xfrm>
-            <a:off x="109182" y="0"/>
-            <a:ext cx="12192000" cy="6858000"/>
-          </a:xfrm>
-          <a:prstGeom prst="rect">
-            <a:avLst/>
-          </a:prstGeom>
-          <a:ln w="12700">
-            <a:miter lim="400000"/>
-          </a:ln>
-        </p:spPr>
-      </p:pic>
       <p:sp>
         <p:nvSpPr>
           <p:cNvPr id="7" name="标题 6">
@@ -22438,12 +25932,8 @@
           <a:lstStyle/>
           <a:p>
             <a:r>
-              <a:rPr lang="en-US" altLang="zh-CN" dirty="0" err="1"/>
-              <a:t>Webpack</a:t>
-            </a:r>
-            <a:r>
               <a:rPr lang="en-US" altLang="zh-CN" dirty="0"/>
-              <a:t> </a:t>
+              <a:t>webpack </a:t>
             </a:r>
             <a:r>
               <a:rPr lang="zh-Hans" altLang="en-US" dirty="0"/>
@@ -22464,7 +25954,7 @@
     </p:spTree>
     <p:extLst>
       <p:ext uri="{BB962C8B-B14F-4D97-AF65-F5344CB8AC3E}">
-        <p14:creationId xmlns:p14="http://schemas.microsoft.com/office/powerpoint/2010/main" val="120519080"/>
+        <p14:creationId xmlns:p14="http://schemas.microsoft.com/office/powerpoint/2010/main" val="1062452029"/>
       </p:ext>
     </p:extLst>
   </p:cSld>
@@ -22491,35 +25981,6 @@
           <a:chExt cx="0" cy="0"/>
         </a:xfrm>
       </p:grpSpPr>
-      <p:pic>
-        <p:nvPicPr>
-          <p:cNvPr id="119" name="ppt背景.png" descr="ppt背景.png"/>
-          <p:cNvPicPr>
-            <a:picLocks noChangeAspect="1"/>
-          </p:cNvPicPr>
-          <p:nvPr/>
-        </p:nvPicPr>
-        <p:blipFill>
-          <a:blip r:embed="rId2">
-            <a:extLst/>
-          </a:blip>
-          <a:stretch>
-            <a:fillRect/>
-          </a:stretch>
-        </p:blipFill>
-        <p:spPr>
-          <a:xfrm>
-            <a:off x="0" y="34466"/>
-            <a:ext cx="12192000" cy="6858000"/>
-          </a:xfrm>
-          <a:prstGeom prst="rect">
-            <a:avLst/>
-          </a:prstGeom>
-          <a:ln w="12700">
-            <a:miter lim="400000"/>
-          </a:ln>
-        </p:spPr>
-      </p:pic>
       <p:sp>
         <p:nvSpPr>
           <p:cNvPr id="6" name="标题 5">
@@ -22625,7 +26086,7 @@
     </p:spTree>
     <p:extLst>
       <p:ext uri="{BB962C8B-B14F-4D97-AF65-F5344CB8AC3E}">
-        <p14:creationId xmlns:p14="http://schemas.microsoft.com/office/powerpoint/2010/main" val="3139978595"/>
+        <p14:creationId xmlns:p14="http://schemas.microsoft.com/office/powerpoint/2010/main" val="3087621831"/>
       </p:ext>
     </p:extLst>
   </p:cSld>
@@ -22652,35 +26113,6 @@
           <a:chExt cx="0" cy="0"/>
         </a:xfrm>
       </p:grpSpPr>
-      <p:pic>
-        <p:nvPicPr>
-          <p:cNvPr id="119" name="ppt背景.png" descr="ppt背景.png"/>
-          <p:cNvPicPr>
-            <a:picLocks noChangeAspect="1"/>
-          </p:cNvPicPr>
-          <p:nvPr/>
-        </p:nvPicPr>
-        <p:blipFill>
-          <a:blip r:embed="rId2">
-            <a:extLst/>
-          </a:blip>
-          <a:stretch>
-            <a:fillRect/>
-          </a:stretch>
-        </p:blipFill>
-        <p:spPr>
-          <a:xfrm>
-            <a:off x="0" y="34466"/>
-            <a:ext cx="12192000" cy="6858000"/>
-          </a:xfrm>
-          <a:prstGeom prst="rect">
-            <a:avLst/>
-          </a:prstGeom>
-          <a:ln w="12700">
-            <a:miter lim="400000"/>
-          </a:ln>
-        </p:spPr>
-      </p:pic>
       <p:sp>
         <p:nvSpPr>
           <p:cNvPr id="6" name="标题 5">
@@ -22730,11 +26162,7 @@
           </p:cNvGraphicFramePr>
           <p:nvPr>
             <p:ph idx="1"/>
-            <p:extLst>
-              <p:ext uri="{D42A27DB-BD31-4B8C-83A1-F6EECF244321}">
-                <p14:modId xmlns:p14="http://schemas.microsoft.com/office/powerpoint/2010/main" val="3325362693"/>
-              </p:ext>
-            </p:extLst>
+            <p:extLst/>
           </p:nvPr>
         </p:nvGraphicFramePr>
         <p:xfrm>
@@ -22743,14 +26171,14 @@
         </p:xfrm>
         <a:graphic>
           <a:graphicData uri="http://schemas.openxmlformats.org/drawingml/2006/diagram">
-            <dgm:relIds xmlns:dgm="http://schemas.openxmlformats.org/drawingml/2006/diagram" xmlns:r="http://schemas.openxmlformats.org/officeDocument/2006/relationships" r:dm="rId3" r:lo="rId4" r:qs="rId5" r:cs="rId6"/>
+            <dgm:relIds xmlns:dgm="http://schemas.openxmlformats.org/drawingml/2006/diagram" xmlns:r="http://schemas.openxmlformats.org/officeDocument/2006/relationships" r:dm="rId2" r:lo="rId3" r:qs="rId4" r:cs="rId5"/>
           </a:graphicData>
         </a:graphic>
       </p:graphicFrame>
     </p:spTree>
     <p:extLst>
       <p:ext uri="{BB962C8B-B14F-4D97-AF65-F5344CB8AC3E}">
-        <p14:creationId xmlns:p14="http://schemas.microsoft.com/office/powerpoint/2010/main" val="3496784270"/>
+        <p14:creationId xmlns:p14="http://schemas.microsoft.com/office/powerpoint/2010/main" val="3014917330"/>
       </p:ext>
     </p:extLst>
   </p:cSld>
@@ -22777,35 +26205,6 @@
           <a:chExt cx="0" cy="0"/>
         </a:xfrm>
       </p:grpSpPr>
-      <p:pic>
-        <p:nvPicPr>
-          <p:cNvPr id="119" name="ppt背景.png" descr="ppt背景.png"/>
-          <p:cNvPicPr>
-            <a:picLocks noChangeAspect="1"/>
-          </p:cNvPicPr>
-          <p:nvPr/>
-        </p:nvPicPr>
-        <p:blipFill>
-          <a:blip r:embed="rId2">
-            <a:extLst/>
-          </a:blip>
-          <a:stretch>
-            <a:fillRect/>
-          </a:stretch>
-        </p:blipFill>
-        <p:spPr>
-          <a:xfrm>
-            <a:off x="0" y="34466"/>
-            <a:ext cx="12192000" cy="6858000"/>
-          </a:xfrm>
-          <a:prstGeom prst="rect">
-            <a:avLst/>
-          </a:prstGeom>
-          <a:ln w="12700">
-            <a:miter lim="400000"/>
-          </a:ln>
-        </p:spPr>
-      </p:pic>
       <p:sp>
         <p:nvSpPr>
           <p:cNvPr id="6" name="标题 5">
@@ -22900,7 +26299,7 @@
           <p:nvPr/>
         </p:nvPicPr>
         <p:blipFill>
-          <a:blip r:embed="rId3">
+          <a:blip r:embed="rId2">
             <a:extLst>
               <a:ext uri="{28A0092B-C50C-407E-A947-70E740481C1C}">
                 <a14:useLocalDpi xmlns:a14="http://schemas.microsoft.com/office/drawing/2010/main" val="0"/>
@@ -22924,7 +26323,7 @@
     </p:spTree>
     <p:extLst>
       <p:ext uri="{BB962C8B-B14F-4D97-AF65-F5344CB8AC3E}">
-        <p14:creationId xmlns:p14="http://schemas.microsoft.com/office/powerpoint/2010/main" val="1336214558"/>
+        <p14:creationId xmlns:p14="http://schemas.microsoft.com/office/powerpoint/2010/main" val="3954871665"/>
       </p:ext>
     </p:extLst>
   </p:cSld>
@@ -22951,35 +26350,6 @@
           <a:chExt cx="0" cy="0"/>
         </a:xfrm>
       </p:grpSpPr>
-      <p:pic>
-        <p:nvPicPr>
-          <p:cNvPr id="119" name="ppt背景.png" descr="ppt背景.png"/>
-          <p:cNvPicPr>
-            <a:picLocks noChangeAspect="1"/>
-          </p:cNvPicPr>
-          <p:nvPr/>
-        </p:nvPicPr>
-        <p:blipFill>
-          <a:blip r:embed="rId2">
-            <a:extLst/>
-          </a:blip>
-          <a:stretch>
-            <a:fillRect/>
-          </a:stretch>
-        </p:blipFill>
-        <p:spPr>
-          <a:xfrm>
-            <a:off x="0" y="34466"/>
-            <a:ext cx="12192000" cy="6858000"/>
-          </a:xfrm>
-          <a:prstGeom prst="rect">
-            <a:avLst/>
-          </a:prstGeom>
-          <a:ln w="12700">
-            <a:miter lim="400000"/>
-          </a:ln>
-        </p:spPr>
-      </p:pic>
       <p:sp>
         <p:nvSpPr>
           <p:cNvPr id="6" name="标题 5">
@@ -23100,7 +26470,7 @@
           <p:nvPr/>
         </p:nvPicPr>
         <p:blipFill>
-          <a:blip r:embed="rId3">
+          <a:blip r:embed="rId2">
             <a:extLst>
               <a:ext uri="{28A0092B-C50C-407E-A947-70E740481C1C}">
                 <a14:useLocalDpi xmlns:a14="http://schemas.microsoft.com/office/drawing/2010/main" val="0"/>
@@ -23124,7 +26494,7 @@
     </p:spTree>
     <p:extLst>
       <p:ext uri="{BB962C8B-B14F-4D97-AF65-F5344CB8AC3E}">
-        <p14:creationId xmlns:p14="http://schemas.microsoft.com/office/powerpoint/2010/main" val="2117467768"/>
+        <p14:creationId xmlns:p14="http://schemas.microsoft.com/office/powerpoint/2010/main" val="3823265208"/>
       </p:ext>
     </p:extLst>
   </p:cSld>
@@ -23151,35 +26521,6 @@
           <a:chExt cx="0" cy="0"/>
         </a:xfrm>
       </p:grpSpPr>
-      <p:pic>
-        <p:nvPicPr>
-          <p:cNvPr id="119" name="ppt背景.png" descr="ppt背景.png"/>
-          <p:cNvPicPr>
-            <a:picLocks noChangeAspect="1"/>
-          </p:cNvPicPr>
-          <p:nvPr/>
-        </p:nvPicPr>
-        <p:blipFill>
-          <a:blip r:embed="rId2">
-            <a:extLst/>
-          </a:blip>
-          <a:stretch>
-            <a:fillRect/>
-          </a:stretch>
-        </p:blipFill>
-        <p:spPr>
-          <a:xfrm>
-            <a:off x="0" y="0"/>
-            <a:ext cx="12192000" cy="6858000"/>
-          </a:xfrm>
-          <a:prstGeom prst="rect">
-            <a:avLst/>
-          </a:prstGeom>
-          <a:ln w="12700">
-            <a:miter lim="400000"/>
-          </a:ln>
-        </p:spPr>
-      </p:pic>
       <p:sp>
         <p:nvSpPr>
           <p:cNvPr id="6" name="标题 5">
@@ -23258,11 +26599,7 @@
           </p:cNvPr>
           <p:cNvGraphicFramePr/>
           <p:nvPr>
-            <p:extLst>
-              <p:ext uri="{D42A27DB-BD31-4B8C-83A1-F6EECF244321}">
-                <p14:modId xmlns:p14="http://schemas.microsoft.com/office/powerpoint/2010/main" val="1941691156"/>
-              </p:ext>
-            </p:extLst>
+            <p:extLst/>
           </p:nvPr>
         </p:nvGraphicFramePr>
         <p:xfrm>
@@ -23271,14 +26608,14 @@
         </p:xfrm>
         <a:graphic>
           <a:graphicData uri="http://schemas.openxmlformats.org/drawingml/2006/diagram">
-            <dgm:relIds xmlns:dgm="http://schemas.openxmlformats.org/drawingml/2006/diagram" xmlns:r="http://schemas.openxmlformats.org/officeDocument/2006/relationships" r:dm="rId3" r:lo="rId4" r:qs="rId5" r:cs="rId6"/>
+            <dgm:relIds xmlns:dgm="http://schemas.openxmlformats.org/drawingml/2006/diagram" xmlns:r="http://schemas.openxmlformats.org/officeDocument/2006/relationships" r:dm="rId2" r:lo="rId3" r:qs="rId4" r:cs="rId5"/>
           </a:graphicData>
         </a:graphic>
       </p:graphicFrame>
     </p:spTree>
     <p:extLst>
       <p:ext uri="{BB962C8B-B14F-4D97-AF65-F5344CB8AC3E}">
-        <p14:creationId xmlns:p14="http://schemas.microsoft.com/office/powerpoint/2010/main" val="2880518276"/>
+        <p14:creationId xmlns:p14="http://schemas.microsoft.com/office/powerpoint/2010/main" val="2785661138"/>
       </p:ext>
     </p:extLst>
   </p:cSld>
@@ -23305,35 +26642,6 @@
           <a:chExt cx="0" cy="0"/>
         </a:xfrm>
       </p:grpSpPr>
-      <p:pic>
-        <p:nvPicPr>
-          <p:cNvPr id="119" name="ppt背景.png" descr="ppt背景.png"/>
-          <p:cNvPicPr>
-            <a:picLocks noChangeAspect="1"/>
-          </p:cNvPicPr>
-          <p:nvPr/>
-        </p:nvPicPr>
-        <p:blipFill>
-          <a:blip r:embed="rId2">
-            <a:extLst/>
-          </a:blip>
-          <a:stretch>
-            <a:fillRect/>
-          </a:stretch>
-        </p:blipFill>
-        <p:spPr>
-          <a:xfrm>
-            <a:off x="0" y="34466"/>
-            <a:ext cx="12192000" cy="6858000"/>
-          </a:xfrm>
-          <a:prstGeom prst="rect">
-            <a:avLst/>
-          </a:prstGeom>
-          <a:ln w="12700">
-            <a:miter lim="400000"/>
-          </a:ln>
-        </p:spPr>
-      </p:pic>
       <p:sp>
         <p:nvSpPr>
           <p:cNvPr id="6" name="标题 5">
@@ -23428,7 +26736,7 @@
           <p:nvPr/>
         </p:nvPicPr>
         <p:blipFill>
-          <a:blip r:embed="rId3">
+          <a:blip r:embed="rId2">
             <a:extLst>
               <a:ext uri="{28A0092B-C50C-407E-A947-70E740481C1C}">
                 <a14:useLocalDpi xmlns:a14="http://schemas.microsoft.com/office/drawing/2010/main" val="0"/>
@@ -23452,7 +26760,7 @@
     </p:spTree>
     <p:extLst>
       <p:ext uri="{BB962C8B-B14F-4D97-AF65-F5344CB8AC3E}">
-        <p14:creationId xmlns:p14="http://schemas.microsoft.com/office/powerpoint/2010/main" val="3383564075"/>
+        <p14:creationId xmlns:p14="http://schemas.microsoft.com/office/powerpoint/2010/main" val="4067761562"/>
       </p:ext>
     </p:extLst>
   </p:cSld>
@@ -23479,35 +26787,6 @@
           <a:chExt cx="0" cy="0"/>
         </a:xfrm>
       </p:grpSpPr>
-      <p:pic>
-        <p:nvPicPr>
-          <p:cNvPr id="119" name="ppt背景.png" descr="ppt背景.png"/>
-          <p:cNvPicPr>
-            <a:picLocks noChangeAspect="1"/>
-          </p:cNvPicPr>
-          <p:nvPr/>
-        </p:nvPicPr>
-        <p:blipFill>
-          <a:blip r:embed="rId2">
-            <a:extLst/>
-          </a:blip>
-          <a:stretch>
-            <a:fillRect/>
-          </a:stretch>
-        </p:blipFill>
-        <p:spPr>
-          <a:xfrm>
-            <a:off x="0" y="34466"/>
-            <a:ext cx="12192000" cy="6858000"/>
-          </a:xfrm>
-          <a:prstGeom prst="rect">
-            <a:avLst/>
-          </a:prstGeom>
-          <a:ln w="12700">
-            <a:miter lim="400000"/>
-          </a:ln>
-        </p:spPr>
-      </p:pic>
       <p:sp>
         <p:nvSpPr>
           <p:cNvPr id="6" name="标题 5">
@@ -23657,7 +26936,7 @@
           <p:nvPr/>
         </p:nvPicPr>
         <p:blipFill>
-          <a:blip r:embed="rId3">
+          <a:blip r:embed="rId2">
             <a:extLst>
               <a:ext uri="{28A0092B-C50C-407E-A947-70E740481C1C}">
                 <a14:useLocalDpi xmlns:a14="http://schemas.microsoft.com/office/drawing/2010/main" val="0"/>
@@ -23681,7 +26960,7 @@
     </p:spTree>
     <p:extLst>
       <p:ext uri="{BB962C8B-B14F-4D97-AF65-F5344CB8AC3E}">
-        <p14:creationId xmlns:p14="http://schemas.microsoft.com/office/powerpoint/2010/main" val="311443215"/>
+        <p14:creationId xmlns:p14="http://schemas.microsoft.com/office/powerpoint/2010/main" val="3952666351"/>
       </p:ext>
     </p:extLst>
   </p:cSld>
@@ -23708,35 +26987,6 @@
           <a:chExt cx="0" cy="0"/>
         </a:xfrm>
       </p:grpSpPr>
-      <p:pic>
-        <p:nvPicPr>
-          <p:cNvPr id="119" name="ppt背景.png" descr="ppt背景.png"/>
-          <p:cNvPicPr>
-            <a:picLocks noChangeAspect="1"/>
-          </p:cNvPicPr>
-          <p:nvPr/>
-        </p:nvPicPr>
-        <p:blipFill>
-          <a:blip r:embed="rId2">
-            <a:extLst/>
-          </a:blip>
-          <a:stretch>
-            <a:fillRect/>
-          </a:stretch>
-        </p:blipFill>
-        <p:spPr>
-          <a:xfrm>
-            <a:off x="0" y="0"/>
-            <a:ext cx="12192000" cy="6858000"/>
-          </a:xfrm>
-          <a:prstGeom prst="rect">
-            <a:avLst/>
-          </a:prstGeom>
-          <a:ln w="12700">
-            <a:miter lim="400000"/>
-          </a:ln>
-        </p:spPr>
-      </p:pic>
       <p:sp>
         <p:nvSpPr>
           <p:cNvPr id="7" name="标题 6">
@@ -23771,7 +27021,7 @@
     </p:spTree>
     <p:extLst>
       <p:ext uri="{BB962C8B-B14F-4D97-AF65-F5344CB8AC3E}">
-        <p14:creationId xmlns:p14="http://schemas.microsoft.com/office/powerpoint/2010/main" val="317507150"/>
+        <p14:creationId xmlns:p14="http://schemas.microsoft.com/office/powerpoint/2010/main" val="1733211122"/>
       </p:ext>
     </p:extLst>
   </p:cSld>
@@ -23798,35 +27048,6 @@
           <a:chExt cx="0" cy="0"/>
         </a:xfrm>
       </p:grpSpPr>
-      <p:pic>
-        <p:nvPicPr>
-          <p:cNvPr id="119" name="ppt背景.png" descr="ppt背景.png"/>
-          <p:cNvPicPr>
-            <a:picLocks noChangeAspect="1"/>
-          </p:cNvPicPr>
-          <p:nvPr/>
-        </p:nvPicPr>
-        <p:blipFill>
-          <a:blip r:embed="rId2">
-            <a:extLst/>
-          </a:blip>
-          <a:stretch>
-            <a:fillRect/>
-          </a:stretch>
-        </p:blipFill>
-        <p:spPr>
-          <a:xfrm>
-            <a:off x="0" y="34466"/>
-            <a:ext cx="12192000" cy="6858000"/>
-          </a:xfrm>
-          <a:prstGeom prst="rect">
-            <a:avLst/>
-          </a:prstGeom>
-          <a:ln w="12700">
-            <a:miter lim="400000"/>
-          </a:ln>
-        </p:spPr>
-      </p:pic>
       <p:sp>
         <p:nvSpPr>
           <p:cNvPr id="6" name="标题 5">
@@ -23872,11 +27093,7 @@
           </p:cNvGraphicFramePr>
           <p:nvPr>
             <p:ph idx="1"/>
-            <p:extLst>
-              <p:ext uri="{D42A27DB-BD31-4B8C-83A1-F6EECF244321}">
-                <p14:modId xmlns:p14="http://schemas.microsoft.com/office/powerpoint/2010/main" val="174127826"/>
-              </p:ext>
-            </p:extLst>
+            <p:extLst/>
           </p:nvPr>
         </p:nvGraphicFramePr>
         <p:xfrm>
@@ -23885,14 +27102,14 @@
         </p:xfrm>
         <a:graphic>
           <a:graphicData uri="http://schemas.openxmlformats.org/drawingml/2006/diagram">
-            <dgm:relIds xmlns:dgm="http://schemas.openxmlformats.org/drawingml/2006/diagram" xmlns:r="http://schemas.openxmlformats.org/officeDocument/2006/relationships" r:dm="rId3" r:lo="rId4" r:qs="rId5" r:cs="rId6"/>
+            <dgm:relIds xmlns:dgm="http://schemas.openxmlformats.org/drawingml/2006/diagram" xmlns:r="http://schemas.openxmlformats.org/officeDocument/2006/relationships" r:dm="rId2" r:lo="rId3" r:qs="rId4" r:cs="rId5"/>
           </a:graphicData>
         </a:graphic>
       </p:graphicFrame>
     </p:spTree>
     <p:extLst>
       <p:ext uri="{BB962C8B-B14F-4D97-AF65-F5344CB8AC3E}">
-        <p14:creationId xmlns:p14="http://schemas.microsoft.com/office/powerpoint/2010/main" val="2702651948"/>
+        <p14:creationId xmlns:p14="http://schemas.microsoft.com/office/powerpoint/2010/main" val="2886767730"/>
       </p:ext>
     </p:extLst>
   </p:cSld>
@@ -23919,35 +27136,6 @@
           <a:chExt cx="0" cy="0"/>
         </a:xfrm>
       </p:grpSpPr>
-      <p:pic>
-        <p:nvPicPr>
-          <p:cNvPr id="119" name="ppt背景.png" descr="ppt背景.png"/>
-          <p:cNvPicPr>
-            <a:picLocks noChangeAspect="1"/>
-          </p:cNvPicPr>
-          <p:nvPr/>
-        </p:nvPicPr>
-        <p:blipFill>
-          <a:blip r:embed="rId2">
-            <a:extLst/>
-          </a:blip>
-          <a:stretch>
-            <a:fillRect/>
-          </a:stretch>
-        </p:blipFill>
-        <p:spPr>
-          <a:xfrm>
-            <a:off x="0" y="34466"/>
-            <a:ext cx="12192000" cy="6858000"/>
-          </a:xfrm>
-          <a:prstGeom prst="rect">
-            <a:avLst/>
-          </a:prstGeom>
-          <a:ln w="12700">
-            <a:miter lim="400000"/>
-          </a:ln>
-        </p:spPr>
-      </p:pic>
       <p:sp>
         <p:nvSpPr>
           <p:cNvPr id="6" name="标题 5">
@@ -24004,6 +27192,20 @@
               <a:buNone/>
             </a:pPr>
             <a:r>
+              <a:rPr kumimoji="1" lang="zh-CN" altLang="en-US" dirty="0"/>
+              <a:t>             </a:t>
+            </a:r>
+            <a:endParaRPr kumimoji="1" lang="en-US" altLang="zh-CN" dirty="0"/>
+          </a:p>
+          <a:p>
+            <a:pPr marL="0" indent="0">
+              <a:buNone/>
+            </a:pPr>
+            <a:r>
+              <a:rPr kumimoji="1" lang="zh-CN" altLang="en-US" dirty="0"/>
+              <a:t>         </a:t>
+            </a:r>
+            <a:r>
               <a:rPr kumimoji="1" lang="zh-Hans" altLang="en-US" dirty="0"/>
               <a:t>不论是</a:t>
             </a:r>
@@ -24077,7 +27279,7 @@
             </a:r>
             <a:r>
               <a:rPr kumimoji="1" lang="zh-Hans" altLang="en-US" dirty="0"/>
-              <a:t>后更新</a:t>
+              <a:t>后更</a:t>
             </a:r>
             <a:r>
               <a:rPr kumimoji="1" lang="en-US" altLang="zh-Hans" dirty="0" err="1"/>
@@ -24101,11 +27303,7 @@
             </a:r>
             <a:r>
               <a:rPr kumimoji="1" lang="zh-Hans" altLang="en-US" dirty="0"/>
-              <a:t>的功能，打包工具的思路方式</a:t>
-            </a:r>
-            <a:r>
-              <a:rPr kumimoji="1" lang="zh-Hans" altLang="en-US"/>
-              <a:t>还是大致一样的</a:t>
+              <a:t>的功能，打包工具的思路方式还是大致一样的</a:t>
             </a:r>
             <a:endParaRPr kumimoji="1" lang="en-US" altLang="zh-Hans" dirty="0"/>
           </a:p>
@@ -24123,10 +27321,49 @@
           </a:p>
         </p:txBody>
       </p:sp>
+      <p:pic>
+        <p:nvPicPr>
+          <p:cNvPr id="4" name="图形 3" descr="报纸">
+            <a:extLst>
+              <a:ext uri="{FF2B5EF4-FFF2-40B4-BE49-F238E27FC236}">
+                <a16:creationId xmlns:a16="http://schemas.microsoft.com/office/drawing/2014/main" id="{0977BE69-67DE-C349-911D-A40A6487F479}"/>
+              </a:ext>
+            </a:extLst>
+          </p:cNvPr>
+          <p:cNvPicPr>
+            <a:picLocks noChangeAspect="1"/>
+          </p:cNvPicPr>
+          <p:nvPr/>
+        </p:nvPicPr>
+        <p:blipFill>
+          <a:blip r:embed="rId2">
+            <a:extLst>
+              <a:ext uri="{28A0092B-C50C-407E-A947-70E740481C1C}">
+                <a14:useLocalDpi xmlns:a14="http://schemas.microsoft.com/office/drawing/2010/main" val="0"/>
+              </a:ext>
+              <a:ext uri="{96DAC541-7B7A-43D3-8B79-37D633B846F1}">
+                <asvg:svgBlip xmlns:asvg="http://schemas.microsoft.com/office/drawing/2016/SVG/main" r:embed="rId3"/>
+              </a:ext>
+            </a:extLst>
+          </a:blip>
+          <a:stretch>
+            <a:fillRect/>
+          </a:stretch>
+        </p:blipFill>
+        <p:spPr>
+          <a:xfrm>
+            <a:off x="949235" y="2220685"/>
+            <a:ext cx="632597" cy="632597"/>
+          </a:xfrm>
+          <a:prstGeom prst="rect">
+            <a:avLst/>
+          </a:prstGeom>
+        </p:spPr>
+      </p:pic>
     </p:spTree>
     <p:extLst>
       <p:ext uri="{BB962C8B-B14F-4D97-AF65-F5344CB8AC3E}">
-        <p14:creationId xmlns:p14="http://schemas.microsoft.com/office/powerpoint/2010/main" val="1034228237"/>
+        <p14:creationId xmlns:p14="http://schemas.microsoft.com/office/powerpoint/2010/main" val="972973243"/>
       </p:ext>
     </p:extLst>
   </p:cSld>
@@ -24153,35 +27390,6 @@
           <a:chExt cx="0" cy="0"/>
         </a:xfrm>
       </p:grpSpPr>
-      <p:pic>
-        <p:nvPicPr>
-          <p:cNvPr id="119" name="ppt背景.png" descr="ppt背景.png"/>
-          <p:cNvPicPr>
-            <a:picLocks noChangeAspect="1"/>
-          </p:cNvPicPr>
-          <p:nvPr/>
-        </p:nvPicPr>
-        <p:blipFill>
-          <a:blip r:embed="rId2">
-            <a:extLst/>
-          </a:blip>
-          <a:stretch>
-            <a:fillRect/>
-          </a:stretch>
-        </p:blipFill>
-        <p:spPr>
-          <a:xfrm>
-            <a:off x="0" y="0"/>
-            <a:ext cx="12192000" cy="6858000"/>
-          </a:xfrm>
-          <a:prstGeom prst="rect">
-            <a:avLst/>
-          </a:prstGeom>
-          <a:ln w="12700">
-            <a:miter lim="400000"/>
-          </a:ln>
-        </p:spPr>
-      </p:pic>
       <p:sp>
         <p:nvSpPr>
           <p:cNvPr id="6" name="标题 5">
@@ -24279,11 +27487,7 @@
           </p:cNvPr>
           <p:cNvGraphicFramePr/>
           <p:nvPr>
-            <p:extLst>
-              <p:ext uri="{D42A27DB-BD31-4B8C-83A1-F6EECF244321}">
-                <p14:modId xmlns:p14="http://schemas.microsoft.com/office/powerpoint/2010/main" val="1696238661"/>
-              </p:ext>
-            </p:extLst>
+            <p:extLst/>
           </p:nvPr>
         </p:nvGraphicFramePr>
         <p:xfrm>
@@ -24292,14 +27496,14 @@
         </p:xfrm>
         <a:graphic>
           <a:graphicData uri="http://schemas.openxmlformats.org/drawingml/2006/diagram">
-            <dgm:relIds xmlns:dgm="http://schemas.openxmlformats.org/drawingml/2006/diagram" xmlns:r="http://schemas.openxmlformats.org/officeDocument/2006/relationships" r:dm="rId3" r:lo="rId4" r:qs="rId5" r:cs="rId6"/>
+            <dgm:relIds xmlns:dgm="http://schemas.openxmlformats.org/drawingml/2006/diagram" xmlns:r="http://schemas.openxmlformats.org/officeDocument/2006/relationships" r:dm="rId2" r:lo="rId3" r:qs="rId4" r:cs="rId5"/>
           </a:graphicData>
         </a:graphic>
       </p:graphicFrame>
     </p:spTree>
     <p:extLst>
       <p:ext uri="{BB962C8B-B14F-4D97-AF65-F5344CB8AC3E}">
-        <p14:creationId xmlns:p14="http://schemas.microsoft.com/office/powerpoint/2010/main" val="3783854981"/>
+        <p14:creationId xmlns:p14="http://schemas.microsoft.com/office/powerpoint/2010/main" val="434081167"/>
       </p:ext>
     </p:extLst>
   </p:cSld>
@@ -24326,35 +27530,6 @@
           <a:chExt cx="0" cy="0"/>
         </a:xfrm>
       </p:grpSpPr>
-      <p:pic>
-        <p:nvPicPr>
-          <p:cNvPr id="119" name="ppt背景.png" descr="ppt背景.png"/>
-          <p:cNvPicPr>
-            <a:picLocks noChangeAspect="1"/>
-          </p:cNvPicPr>
-          <p:nvPr/>
-        </p:nvPicPr>
-        <p:blipFill>
-          <a:blip r:embed="rId2">
-            <a:extLst/>
-          </a:blip>
-          <a:stretch>
-            <a:fillRect/>
-          </a:stretch>
-        </p:blipFill>
-        <p:spPr>
-          <a:xfrm>
-            <a:off x="0" y="0"/>
-            <a:ext cx="12192000" cy="6858000"/>
-          </a:xfrm>
-          <a:prstGeom prst="rect">
-            <a:avLst/>
-          </a:prstGeom>
-          <a:ln w="12700">
-            <a:miter lim="400000"/>
-          </a:ln>
-        </p:spPr>
-      </p:pic>
       <p:sp>
         <p:nvSpPr>
           <p:cNvPr id="6" name="标题 5">
@@ -24459,7 +27634,7 @@
           <p:nvPr/>
         </p:nvPicPr>
         <p:blipFill>
-          <a:blip r:embed="rId3">
+          <a:blip r:embed="rId2">
             <a:extLst>
               <a:ext uri="{28A0092B-C50C-407E-A947-70E740481C1C}">
                 <a14:useLocalDpi xmlns:a14="http://schemas.microsoft.com/office/drawing/2010/main" val="0"/>
@@ -24483,7 +27658,7 @@
     </p:spTree>
     <p:extLst>
       <p:ext uri="{BB962C8B-B14F-4D97-AF65-F5344CB8AC3E}">
-        <p14:creationId xmlns:p14="http://schemas.microsoft.com/office/powerpoint/2010/main" val="551303943"/>
+        <p14:creationId xmlns:p14="http://schemas.microsoft.com/office/powerpoint/2010/main" val="742249211"/>
       </p:ext>
     </p:extLst>
   </p:cSld>
@@ -24510,35 +27685,6 @@
           <a:chExt cx="0" cy="0"/>
         </a:xfrm>
       </p:grpSpPr>
-      <p:pic>
-        <p:nvPicPr>
-          <p:cNvPr id="119" name="ppt背景.png" descr="ppt背景.png"/>
-          <p:cNvPicPr>
-            <a:picLocks noChangeAspect="1"/>
-          </p:cNvPicPr>
-          <p:nvPr/>
-        </p:nvPicPr>
-        <p:blipFill>
-          <a:blip r:embed="rId2">
-            <a:extLst/>
-          </a:blip>
-          <a:stretch>
-            <a:fillRect/>
-          </a:stretch>
-        </p:blipFill>
-        <p:spPr>
-          <a:xfrm>
-            <a:off x="0" y="0"/>
-            <a:ext cx="12192000" cy="6858000"/>
-          </a:xfrm>
-          <a:prstGeom prst="rect">
-            <a:avLst/>
-          </a:prstGeom>
-          <a:ln w="12700">
-            <a:miter lim="400000"/>
-          </a:ln>
-        </p:spPr>
-      </p:pic>
       <p:sp>
         <p:nvSpPr>
           <p:cNvPr id="6" name="标题 5">
@@ -24653,7 +27799,7 @@
           <p:nvPr/>
         </p:nvPicPr>
         <p:blipFill>
-          <a:blip r:embed="rId3">
+          <a:blip r:embed="rId2">
             <a:extLst>
               <a:ext uri="{28A0092B-C50C-407E-A947-70E740481C1C}">
                 <a14:useLocalDpi xmlns:a14="http://schemas.microsoft.com/office/drawing/2010/main" val="0"/>
@@ -24677,7 +27823,7 @@
     </p:spTree>
     <p:extLst>
       <p:ext uri="{BB962C8B-B14F-4D97-AF65-F5344CB8AC3E}">
-        <p14:creationId xmlns:p14="http://schemas.microsoft.com/office/powerpoint/2010/main" val="1184452869"/>
+        <p14:creationId xmlns:p14="http://schemas.microsoft.com/office/powerpoint/2010/main" val="4220486106"/>
       </p:ext>
     </p:extLst>
   </p:cSld>
@@ -24704,35 +27850,6 @@
           <a:chExt cx="0" cy="0"/>
         </a:xfrm>
       </p:grpSpPr>
-      <p:pic>
-        <p:nvPicPr>
-          <p:cNvPr id="119" name="ppt背景.png" descr="ppt背景.png"/>
-          <p:cNvPicPr>
-            <a:picLocks noChangeAspect="1"/>
-          </p:cNvPicPr>
-          <p:nvPr/>
-        </p:nvPicPr>
-        <p:blipFill>
-          <a:blip r:embed="rId2">
-            <a:extLst/>
-          </a:blip>
-          <a:stretch>
-            <a:fillRect/>
-          </a:stretch>
-        </p:blipFill>
-        <p:spPr>
-          <a:xfrm>
-            <a:off x="0" y="0"/>
-            <a:ext cx="12192000" cy="6858000"/>
-          </a:xfrm>
-          <a:prstGeom prst="rect">
-            <a:avLst/>
-          </a:prstGeom>
-          <a:ln w="12700">
-            <a:miter lim="400000"/>
-          </a:ln>
-        </p:spPr>
-      </p:pic>
       <p:sp>
         <p:nvSpPr>
           <p:cNvPr id="6" name="标题 5">
@@ -24819,7 +27936,7 @@
           <p:nvPr/>
         </p:nvPicPr>
         <p:blipFill>
-          <a:blip r:embed="rId3">
+          <a:blip r:embed="rId2">
             <a:extLst>
               <a:ext uri="{28A0092B-C50C-407E-A947-70E740481C1C}">
                 <a14:useLocalDpi xmlns:a14="http://schemas.microsoft.com/office/drawing/2010/main" val="0"/>
@@ -24843,7 +27960,7 @@
     </p:spTree>
     <p:extLst>
       <p:ext uri="{BB962C8B-B14F-4D97-AF65-F5344CB8AC3E}">
-        <p14:creationId xmlns:p14="http://schemas.microsoft.com/office/powerpoint/2010/main" val="189018576"/>
+        <p14:creationId xmlns:p14="http://schemas.microsoft.com/office/powerpoint/2010/main" val="2607529887"/>
       </p:ext>
     </p:extLst>
   </p:cSld>
@@ -24870,35 +27987,6 @@
           <a:chExt cx="0" cy="0"/>
         </a:xfrm>
       </p:grpSpPr>
-      <p:pic>
-        <p:nvPicPr>
-          <p:cNvPr id="119" name="ppt背景.png" descr="ppt背景.png"/>
-          <p:cNvPicPr>
-            <a:picLocks noChangeAspect="1"/>
-          </p:cNvPicPr>
-          <p:nvPr/>
-        </p:nvPicPr>
-        <p:blipFill>
-          <a:blip r:embed="rId2">
-            <a:extLst/>
-          </a:blip>
-          <a:stretch>
-            <a:fillRect/>
-          </a:stretch>
-        </p:blipFill>
-        <p:spPr>
-          <a:xfrm>
-            <a:off x="0" y="0"/>
-            <a:ext cx="12192000" cy="6858000"/>
-          </a:xfrm>
-          <a:prstGeom prst="rect">
-            <a:avLst/>
-          </a:prstGeom>
-          <a:ln w="12700">
-            <a:miter lim="400000"/>
-          </a:ln>
-        </p:spPr>
-      </p:pic>
       <p:sp>
         <p:nvSpPr>
           <p:cNvPr id="6" name="标题 5">
@@ -24959,6 +28047,19 @@
               <a:buNone/>
             </a:pPr>
             <a:r>
+              <a:rPr lang="en-US" altLang="zh-CN" dirty="0"/>
+              <a:t>      </a:t>
+            </a:r>
+          </a:p>
+          <a:p>
+            <a:pPr marL="0" indent="0">
+              <a:buNone/>
+            </a:pPr>
+            <a:r>
+              <a:rPr lang="en-US" altLang="zh-CN" dirty="0"/>
+              <a:t>       </a:t>
+            </a:r>
+            <a:r>
               <a:rPr lang="zh-CN" altLang="en-US" dirty="0"/>
               <a:t>简单说，</a:t>
             </a:r>
@@ -25006,10 +28107,49 @@
           </a:p>
         </p:txBody>
       </p:sp>
+      <p:pic>
+        <p:nvPicPr>
+          <p:cNvPr id="3" name="图形 2" descr="文档">
+            <a:extLst>
+              <a:ext uri="{FF2B5EF4-FFF2-40B4-BE49-F238E27FC236}">
+                <a16:creationId xmlns:a16="http://schemas.microsoft.com/office/drawing/2014/main" id="{570F9881-CE36-D24C-9E88-0E2CF13E887F}"/>
+              </a:ext>
+            </a:extLst>
+          </p:cNvPr>
+          <p:cNvPicPr>
+            <a:picLocks noChangeAspect="1"/>
+          </p:cNvPicPr>
+          <p:nvPr/>
+        </p:nvPicPr>
+        <p:blipFill>
+          <a:blip r:embed="rId2">
+            <a:extLst>
+              <a:ext uri="{28A0092B-C50C-407E-A947-70E740481C1C}">
+                <a14:useLocalDpi xmlns:a14="http://schemas.microsoft.com/office/drawing/2010/main" val="0"/>
+              </a:ext>
+              <a:ext uri="{96DAC541-7B7A-43D3-8B79-37D633B846F1}">
+                <asvg:svgBlip xmlns:asvg="http://schemas.microsoft.com/office/drawing/2016/SVG/main" r:embed="rId3"/>
+              </a:ext>
+            </a:extLst>
+          </a:blip>
+          <a:stretch>
+            <a:fillRect/>
+          </a:stretch>
+        </p:blipFill>
+        <p:spPr>
+          <a:xfrm>
+            <a:off x="838200" y="2286001"/>
+            <a:ext cx="502920" cy="502920"/>
+          </a:xfrm>
+          <a:prstGeom prst="rect">
+            <a:avLst/>
+          </a:prstGeom>
+        </p:spPr>
+      </p:pic>
     </p:spTree>
     <p:extLst>
       <p:ext uri="{BB962C8B-B14F-4D97-AF65-F5344CB8AC3E}">
-        <p14:creationId xmlns:p14="http://schemas.microsoft.com/office/powerpoint/2010/main" val="1402198809"/>
+        <p14:creationId xmlns:p14="http://schemas.microsoft.com/office/powerpoint/2010/main" val="261597976"/>
       </p:ext>
     </p:extLst>
   </p:cSld>
